--- a/Presentation.pptx
+++ b/Presentation.pptx
@@ -1,6 +1,6 @@
 
 <file path=ppt/presentation.xml><?xml version="1.0" encoding="utf-8"?>
-<p:presentation xmlns:a="http://schemas.openxmlformats.org/drawingml/2006/main" xmlns:p="http://schemas.openxmlformats.org/presentationml/2006/main" xmlns:r="http://schemas.openxmlformats.org/officeDocument/2006/relationships" autoCompressPictures="0" saveSubsetFonts="1">
+<p:presentation xmlns:a="http://schemas.openxmlformats.org/drawingml/2006/main" xmlns:p="http://schemas.openxmlformats.org/presentationml/2006/main" xmlns:r="http://schemas.openxmlformats.org/officeDocument/2006/relationships" saveSubsetFonts="1">
   <p:sldMasterIdLst>
     <p:sldMasterId id="2147483648" r:id="rId1"/>
   </p:sldMasterIdLst>
@@ -16,15 +16,14 @@
     <p:sldId id="264" r:id="rId10"/>
     <p:sldId id="265" r:id="rId11"/>
     <p:sldId id="266" r:id="rId12"/>
-    <p:sldId id="267" r:id="rId13"/>
   </p:sldIdLst>
-  <p:sldSz cx="9144000" cy="5143500" type="screen16x9"/>
+  <p:sldSz cx="12192000" cy="6858000"/>
   <p:notesSz cx="6858000" cy="9144000"/>
   <p:defaultTextStyle>
     <a:defPPr>
       <a:defRPr lang="en-US"/>
     </a:defPPr>
-    <a:lvl1pPr algn="l" defTabSz="457200" eaLnBrk="1" hangingPunct="1" latinLnBrk="0" marL="0" rtl="0">
+    <a:lvl1pPr algn="l" defTabSz="914400" eaLnBrk="1" hangingPunct="1" latinLnBrk="0" marL="0" rtl="0">
       <a:defRPr kern="1200" sz="1800">
         <a:solidFill>
           <a:schemeClr val="tx1"/>
@@ -34,7 +33,7 @@
         <a:cs typeface="+mn-cs"/>
       </a:defRPr>
     </a:lvl1pPr>
-    <a:lvl2pPr algn="l" defTabSz="457200" eaLnBrk="1" hangingPunct="1" latinLnBrk="0" marL="457200" rtl="0">
+    <a:lvl2pPr algn="l" defTabSz="914400" eaLnBrk="1" hangingPunct="1" latinLnBrk="0" marL="457200" rtl="0">
       <a:defRPr kern="1200" sz="1800">
         <a:solidFill>
           <a:schemeClr val="tx1"/>
@@ -44,7 +43,7 @@
         <a:cs typeface="+mn-cs"/>
       </a:defRPr>
     </a:lvl2pPr>
-    <a:lvl3pPr algn="l" defTabSz="457200" eaLnBrk="1" hangingPunct="1" latinLnBrk="0" marL="914400" rtl="0">
+    <a:lvl3pPr algn="l" defTabSz="914400" eaLnBrk="1" hangingPunct="1" latinLnBrk="0" marL="914400" rtl="0">
       <a:defRPr kern="1200" sz="1800">
         <a:solidFill>
           <a:schemeClr val="tx1"/>
@@ -54,7 +53,7 @@
         <a:cs typeface="+mn-cs"/>
       </a:defRPr>
     </a:lvl3pPr>
-    <a:lvl4pPr algn="l" defTabSz="457200" eaLnBrk="1" hangingPunct="1" latinLnBrk="0" marL="1371600" rtl="0">
+    <a:lvl4pPr algn="l" defTabSz="914400" eaLnBrk="1" hangingPunct="1" latinLnBrk="0" marL="1371600" rtl="0">
       <a:defRPr kern="1200" sz="1800">
         <a:solidFill>
           <a:schemeClr val="tx1"/>
@@ -64,7 +63,7 @@
         <a:cs typeface="+mn-cs"/>
       </a:defRPr>
     </a:lvl4pPr>
-    <a:lvl5pPr algn="l" defTabSz="457200" eaLnBrk="1" hangingPunct="1" latinLnBrk="0" marL="1828800" rtl="0">
+    <a:lvl5pPr algn="l" defTabSz="914400" eaLnBrk="1" hangingPunct="1" latinLnBrk="0" marL="1828800" rtl="0">
       <a:defRPr kern="1200" sz="1800">
         <a:solidFill>
           <a:schemeClr val="tx1"/>
@@ -74,7 +73,7 @@
         <a:cs typeface="+mn-cs"/>
       </a:defRPr>
     </a:lvl5pPr>
-    <a:lvl6pPr algn="l" defTabSz="457200" eaLnBrk="1" hangingPunct="1" latinLnBrk="0" marL="2286000" rtl="0">
+    <a:lvl6pPr algn="l" defTabSz="914400" eaLnBrk="1" hangingPunct="1" latinLnBrk="0" marL="2286000" rtl="0">
       <a:defRPr kern="1200" sz="1800">
         <a:solidFill>
           <a:schemeClr val="tx1"/>
@@ -84,7 +83,7 @@
         <a:cs typeface="+mn-cs"/>
       </a:defRPr>
     </a:lvl6pPr>
-    <a:lvl7pPr algn="l" defTabSz="457200" eaLnBrk="1" hangingPunct="1" latinLnBrk="0" marL="2743200" rtl="0">
+    <a:lvl7pPr algn="l" defTabSz="914400" eaLnBrk="1" hangingPunct="1" latinLnBrk="0" marL="2743200" rtl="0">
       <a:defRPr kern="1200" sz="1800">
         <a:solidFill>
           <a:schemeClr val="tx1"/>
@@ -94,7 +93,7 @@
         <a:cs typeface="+mn-cs"/>
       </a:defRPr>
     </a:lvl7pPr>
-    <a:lvl8pPr algn="l" defTabSz="457200" eaLnBrk="1" hangingPunct="1" latinLnBrk="0" marL="3200400" rtl="0">
+    <a:lvl8pPr algn="l" defTabSz="914400" eaLnBrk="1" hangingPunct="1" latinLnBrk="0" marL="3200400" rtl="0">
       <a:defRPr kern="1200" sz="1800">
         <a:solidFill>
           <a:schemeClr val="tx1"/>
@@ -104,7 +103,7 @@
         <a:cs typeface="+mn-cs"/>
       </a:defRPr>
     </a:lvl8pPr>
-    <a:lvl9pPr algn="l" defTabSz="457200" eaLnBrk="1" hangingPunct="1" latinLnBrk="0" marL="3657600" rtl="0">
+    <a:lvl9pPr algn="l" defTabSz="914400" eaLnBrk="1" hangingPunct="1" latinLnBrk="0" marL="3657600" rtl="0">
       <a:defRPr kern="1200" sz="1800">
         <a:solidFill>
           <a:schemeClr val="tx1"/>
@@ -117,18 +116,7 @@
   </p:defaultTextStyle>
   <p:extLst>
     <p:ext uri="{EFAFB233-063F-42B5-8137-9DF3F51BA10A}">
-      <p15:sldGuideLst xmlns:p15="http://schemas.microsoft.com/office/powerpoint/2012/main">
-        <p15:guide id="1" orient="horz" pos="1620" userDrawn="1">
-          <p15:clr>
-            <a:srgbClr val="A4A3A4"/>
-          </p15:clr>
-        </p15:guide>
-        <p15:guide id="2" pos="2880" userDrawn="1">
-          <p15:clr>
-            <a:srgbClr val="A4A3A4"/>
-          </p15:clr>
-        </p15:guide>
-      </p15:sldGuideLst>
+      <p15:sldGuideLst xmlns:p15="http://schemas.microsoft.com/office/powerpoint/2012/main"/>
     </p:ext>
   </p:extLst>
 </p:presentation>
@@ -153,7 +141,13 @@
       </p:grpSpPr>
       <p:sp>
         <p:nvSpPr>
-          <p:cNvPr id="2" name="Title 1"/>
+          <p:cNvPr id="2" name="Title 1">
+            <a:extLst>
+              <a:ext uri="{FF2B5EF4-FFF2-40B4-BE49-F238E27FC236}">
+                <a16:creationId xmlns:a16="http://schemas.microsoft.com/office/drawing/2014/main" id="{0CDDC620-4D11-0AF6-A025-C03CAE000DB9}"/>
+              </a:ext>
+            </a:extLst>
+          </p:cNvPr>
           <p:cNvSpPr>
             <a:spLocks noGrp="1"/>
           </p:cNvSpPr>
@@ -163,13 +157,17 @@
         </p:nvSpPr>
         <p:spPr>
           <a:xfrm>
-            <a:off x="685800" y="1597819"/>
-            <a:ext cx="7772400" cy="1102519"/>
+            <a:off x="1524000" y="1122363"/>
+            <a:ext cx="9144000" cy="2387600"/>
           </a:xfrm>
         </p:spPr>
         <p:txBody>
-          <a:bodyPr/>
-          <a:lstStyle/>
+          <a:bodyPr anchor="b"/>
+          <a:lstStyle>
+            <a:lvl1pPr algn="ctr">
+              <a:defRPr sz="6000"/>
+            </a:lvl1pPr>
+          </a:lstStyle>
           <a:p>
             <a:r>
               <a:rPr lang="en-US"/>
@@ -180,7 +178,13 @@
       </p:sp>
       <p:sp>
         <p:nvSpPr>
-          <p:cNvPr id="3" name="Subtitle 2"/>
+          <p:cNvPr id="3" name="Subtitle 2">
+            <a:extLst>
+              <a:ext uri="{FF2B5EF4-FFF2-40B4-BE49-F238E27FC236}">
+                <a16:creationId xmlns:a16="http://schemas.microsoft.com/office/drawing/2014/main" id="{55F9DD14-A45F-4897-234E-BCE660EDFCBB}"/>
+              </a:ext>
+            </a:extLst>
+          </p:cNvPr>
           <p:cNvSpPr>
             <a:spLocks noGrp="1"/>
           </p:cNvSpPr>
@@ -190,8 +194,8 @@
         </p:nvSpPr>
         <p:spPr>
           <a:xfrm>
-            <a:off x="1371600" y="2914650"/>
-            <a:ext cx="6400800" cy="1314450"/>
+            <a:off x="1524000" y="3602038"/>
+            <a:ext cx="9144000" cy="1655762"/>
           </a:xfrm>
         </p:spPr>
         <p:txBody>
@@ -199,93 +203,39 @@
           <a:lstStyle>
             <a:lvl1pPr marL="0" indent="0" algn="ctr">
               <a:buNone/>
-              <a:defRPr>
-                <a:solidFill>
-                  <a:schemeClr val="tx1">
-                    <a:tint val="75000"/>
-                  </a:schemeClr>
-                </a:solidFill>
-              </a:defRPr>
+              <a:defRPr sz="2400"/>
             </a:lvl1pPr>
-            <a:lvl2pPr marL="342900" indent="0" algn="ctr">
-              <a:buNone/>
-              <a:defRPr>
-                <a:solidFill>
-                  <a:schemeClr val="tx1">
-                    <a:tint val="75000"/>
-                  </a:schemeClr>
-                </a:solidFill>
-              </a:defRPr>
+            <a:lvl2pPr marL="457200" indent="0" algn="ctr">
+              <a:buNone/>
+              <a:defRPr sz="2000"/>
             </a:lvl2pPr>
-            <a:lvl3pPr marL="685800" indent="0" algn="ctr">
-              <a:buNone/>
-              <a:defRPr>
-                <a:solidFill>
-                  <a:schemeClr val="tx1">
-                    <a:tint val="75000"/>
-                  </a:schemeClr>
-                </a:solidFill>
-              </a:defRPr>
+            <a:lvl3pPr marL="914400" indent="0" algn="ctr">
+              <a:buNone/>
+              <a:defRPr sz="1800"/>
             </a:lvl3pPr>
-            <a:lvl4pPr marL="1028700" indent="0" algn="ctr">
-              <a:buNone/>
-              <a:defRPr>
-                <a:solidFill>
-                  <a:schemeClr val="tx1">
-                    <a:tint val="75000"/>
-                  </a:schemeClr>
-                </a:solidFill>
-              </a:defRPr>
+            <a:lvl4pPr marL="1371600" indent="0" algn="ctr">
+              <a:buNone/>
+              <a:defRPr sz="1600"/>
             </a:lvl4pPr>
-            <a:lvl5pPr marL="1371600" indent="0" algn="ctr">
-              <a:buNone/>
-              <a:defRPr>
-                <a:solidFill>
-                  <a:schemeClr val="tx1">
-                    <a:tint val="75000"/>
-                  </a:schemeClr>
-                </a:solidFill>
-              </a:defRPr>
+            <a:lvl5pPr marL="1828800" indent="0" algn="ctr">
+              <a:buNone/>
+              <a:defRPr sz="1600"/>
             </a:lvl5pPr>
-            <a:lvl6pPr marL="1714500" indent="0" algn="ctr">
-              <a:buNone/>
-              <a:defRPr>
-                <a:solidFill>
-                  <a:schemeClr val="tx1">
-                    <a:tint val="75000"/>
-                  </a:schemeClr>
-                </a:solidFill>
-              </a:defRPr>
+            <a:lvl6pPr marL="2286000" indent="0" algn="ctr">
+              <a:buNone/>
+              <a:defRPr sz="1600"/>
             </a:lvl6pPr>
-            <a:lvl7pPr marL="2057400" indent="0" algn="ctr">
-              <a:buNone/>
-              <a:defRPr>
-                <a:solidFill>
-                  <a:schemeClr val="tx1">
-                    <a:tint val="75000"/>
-                  </a:schemeClr>
-                </a:solidFill>
-              </a:defRPr>
+            <a:lvl7pPr marL="2743200" indent="0" algn="ctr">
+              <a:buNone/>
+              <a:defRPr sz="1600"/>
             </a:lvl7pPr>
-            <a:lvl8pPr marL="2400300" indent="0" algn="ctr">
-              <a:buNone/>
-              <a:defRPr>
-                <a:solidFill>
-                  <a:schemeClr val="tx1">
-                    <a:tint val="75000"/>
-                  </a:schemeClr>
-                </a:solidFill>
-              </a:defRPr>
+            <a:lvl8pPr marL="3200400" indent="0" algn="ctr">
+              <a:buNone/>
+              <a:defRPr sz="1600"/>
             </a:lvl8pPr>
-            <a:lvl9pPr marL="2743200" indent="0" algn="ctr">
-              <a:buNone/>
-              <a:defRPr>
-                <a:solidFill>
-                  <a:schemeClr val="tx1">
-                    <a:tint val="75000"/>
-                  </a:schemeClr>
-                </a:solidFill>
-              </a:defRPr>
+            <a:lvl9pPr marL="3657600" indent="0" algn="ctr">
+              <a:buNone/>
+              <a:defRPr sz="1600"/>
             </a:lvl9pPr>
           </a:lstStyle>
           <a:p>
@@ -298,7 +248,13 @@
       </p:sp>
       <p:sp>
         <p:nvSpPr>
-          <p:cNvPr id="4" name="Date Placeholder 3"/>
+          <p:cNvPr id="4" name="Date Placeholder 3">
+            <a:extLst>
+              <a:ext uri="{FF2B5EF4-FFF2-40B4-BE49-F238E27FC236}">
+                <a16:creationId xmlns:a16="http://schemas.microsoft.com/office/drawing/2014/main" id="{4E335FC3-75B3-0F61-6F7A-D6619EFEF477}"/>
+              </a:ext>
+            </a:extLst>
+          </p:cNvPr>
           <p:cNvSpPr>
             <a:spLocks noGrp="1"/>
           </p:cNvSpPr>
@@ -306,14 +262,22 @@
             <p:ph type="dt" sz="half" idx="10"/>
           </p:nvPr>
         </p:nvSpPr>
-        <p:spPr/>
+        <p:spPr>
+          <a:xfrm>
+            <a:off x="838200" y="6356350"/>
+            <a:ext cx="2743200" cy="365125"/>
+          </a:xfrm>
+          <a:prstGeom prst="rect">
+            <a:avLst/>
+          </a:prstGeom>
+        </p:spPr>
         <p:txBody>
           <a:bodyPr/>
           <a:lstStyle/>
           <a:p>
-            <a:fld id="{241EB5C9-1307-BA42-ABA2-0BC069CD8E7F}" type="datetimeFigureOut">
+            <a:fld id="{F0B67703-947A-477F-89F4-7913E16318ED}" type="datetimeFigureOut">
               <a:rPr lang="en-US" smtClean="0"/>
-              <a:t>1/2/22</a:t>
+              <a:t>10/20/2024</a:t>
             </a:fld>
             <a:endParaRPr lang="en-US"/>
           </a:p>
@@ -321,7 +285,13 @@
       </p:sp>
       <p:sp>
         <p:nvSpPr>
-          <p:cNvPr id="5" name="Footer Placeholder 4"/>
+          <p:cNvPr id="5" name="Footer Placeholder 4">
+            <a:extLst>
+              <a:ext uri="{FF2B5EF4-FFF2-40B4-BE49-F238E27FC236}">
+                <a16:creationId xmlns:a16="http://schemas.microsoft.com/office/drawing/2014/main" id="{CD90243C-652B-9158-FB52-EAEC0CFF9AD6}"/>
+              </a:ext>
+            </a:extLst>
+          </p:cNvPr>
           <p:cNvSpPr>
             <a:spLocks noGrp="1"/>
           </p:cNvSpPr>
@@ -329,7 +299,15 @@
             <p:ph type="ftr" sz="quarter" idx="11"/>
           </p:nvPr>
         </p:nvSpPr>
-        <p:spPr/>
+        <p:spPr>
+          <a:xfrm>
+            <a:off x="4038600" y="6356350"/>
+            <a:ext cx="4114800" cy="365125"/>
+          </a:xfrm>
+          <a:prstGeom prst="rect">
+            <a:avLst/>
+          </a:prstGeom>
+        </p:spPr>
         <p:txBody>
           <a:bodyPr/>
           <a:lstStyle/>
@@ -340,7 +318,13 @@
       </p:sp>
       <p:sp>
         <p:nvSpPr>
-          <p:cNvPr id="6" name="Slide Number Placeholder 5"/>
+          <p:cNvPr id="6" name="Slide Number Placeholder 5">
+            <a:extLst>
+              <a:ext uri="{FF2B5EF4-FFF2-40B4-BE49-F238E27FC236}">
+                <a16:creationId xmlns:a16="http://schemas.microsoft.com/office/drawing/2014/main" id="{CF0B0327-0570-405A-B8C8-BF672AA0AD39}"/>
+              </a:ext>
+            </a:extLst>
+          </p:cNvPr>
           <p:cNvSpPr>
             <a:spLocks noGrp="1"/>
           </p:cNvSpPr>
@@ -348,12 +332,20 @@
             <p:ph type="sldNum" sz="quarter" idx="12"/>
           </p:nvPr>
         </p:nvSpPr>
-        <p:spPr/>
+        <p:spPr>
+          <a:xfrm>
+            <a:off x="8610600" y="6356350"/>
+            <a:ext cx="2743200" cy="365125"/>
+          </a:xfrm>
+          <a:prstGeom prst="rect">
+            <a:avLst/>
+          </a:prstGeom>
+        </p:spPr>
         <p:txBody>
           <a:bodyPr/>
           <a:lstStyle/>
           <a:p>
-            <a:fld id="{C5EF2332-01BF-834F-8236-50238282D533}" type="slidenum">
+            <a:fld id="{A7A4552F-BE7F-43DF-8279-1371FBF475F2}" type="slidenum">
               <a:rPr lang="en-US" smtClean="0"/>
               <a:t>‹#›</a:t>
             </a:fld>
@@ -364,7 +356,7 @@
     </p:spTree>
     <p:extLst>
       <p:ext uri="{BB962C8B-B14F-4D97-AF65-F5344CB8AC3E}">
-        <p14:creationId xmlns:p14="http://schemas.microsoft.com/office/powerpoint/2010/main" val="1444357513"/>
+        <p14:creationId xmlns:p14="http://schemas.microsoft.com/office/powerpoint/2010/main" val="3897719090"/>
       </p:ext>
     </p:extLst>
   </p:cSld>
@@ -393,7 +385,13 @@
       </p:grpSpPr>
       <p:sp>
         <p:nvSpPr>
-          <p:cNvPr id="2" name="Title 1"/>
+          <p:cNvPr id="2" name="Title 1">
+            <a:extLst>
+              <a:ext uri="{FF2B5EF4-FFF2-40B4-BE49-F238E27FC236}">
+                <a16:creationId xmlns:a16="http://schemas.microsoft.com/office/drawing/2014/main" id="{0089F043-EB11-3E13-7D35-C9DFF0BBDBDA}"/>
+              </a:ext>
+            </a:extLst>
+          </p:cNvPr>
           <p:cNvSpPr>
             <a:spLocks noGrp="1"/>
           </p:cNvSpPr>
@@ -415,7 +413,13 @@
       </p:sp>
       <p:sp>
         <p:nvSpPr>
-          <p:cNvPr id="3" name="Vertical Text Placeholder 2"/>
+          <p:cNvPr id="3" name="Vertical Text Placeholder 2">
+            <a:extLst>
+              <a:ext uri="{FF2B5EF4-FFF2-40B4-BE49-F238E27FC236}">
+                <a16:creationId xmlns:a16="http://schemas.microsoft.com/office/drawing/2014/main" id="{2064CE67-18CD-3C20-4F36-5A8C62F93F4D}"/>
+              </a:ext>
+            </a:extLst>
+          </p:cNvPr>
           <p:cNvSpPr>
             <a:spLocks noGrp="1"/>
           </p:cNvSpPr>
@@ -466,7 +470,13 @@
       </p:sp>
       <p:sp>
         <p:nvSpPr>
-          <p:cNvPr id="4" name="Date Placeholder 3"/>
+          <p:cNvPr id="4" name="Date Placeholder 3">
+            <a:extLst>
+              <a:ext uri="{FF2B5EF4-FFF2-40B4-BE49-F238E27FC236}">
+                <a16:creationId xmlns:a16="http://schemas.microsoft.com/office/drawing/2014/main" id="{3FE84DF1-4B62-4B09-09B9-39F783F13988}"/>
+              </a:ext>
+            </a:extLst>
+          </p:cNvPr>
           <p:cNvSpPr>
             <a:spLocks noGrp="1"/>
           </p:cNvSpPr>
@@ -474,14 +484,22 @@
             <p:ph type="dt" sz="half" idx="10"/>
           </p:nvPr>
         </p:nvSpPr>
-        <p:spPr/>
+        <p:spPr>
+          <a:xfrm>
+            <a:off x="838200" y="6356350"/>
+            <a:ext cx="2743200" cy="365125"/>
+          </a:xfrm>
+          <a:prstGeom prst="rect">
+            <a:avLst/>
+          </a:prstGeom>
+        </p:spPr>
         <p:txBody>
           <a:bodyPr/>
           <a:lstStyle/>
           <a:p>
-            <a:fld id="{241EB5C9-1307-BA42-ABA2-0BC069CD8E7F}" type="datetimeFigureOut">
+            <a:fld id="{F0B67703-947A-477F-89F4-7913E16318ED}" type="datetimeFigureOut">
               <a:rPr lang="en-US" smtClean="0"/>
-              <a:t>1/2/22</a:t>
+              <a:t>10/20/2024</a:t>
             </a:fld>
             <a:endParaRPr lang="en-US"/>
           </a:p>
@@ -489,7 +507,13 @@
       </p:sp>
       <p:sp>
         <p:nvSpPr>
-          <p:cNvPr id="5" name="Footer Placeholder 4"/>
+          <p:cNvPr id="5" name="Footer Placeholder 4">
+            <a:extLst>
+              <a:ext uri="{FF2B5EF4-FFF2-40B4-BE49-F238E27FC236}">
+                <a16:creationId xmlns:a16="http://schemas.microsoft.com/office/drawing/2014/main" id="{2371C8A5-06BB-26AA-7A2C-F00B24843AD3}"/>
+              </a:ext>
+            </a:extLst>
+          </p:cNvPr>
           <p:cNvSpPr>
             <a:spLocks noGrp="1"/>
           </p:cNvSpPr>
@@ -497,7 +521,15 @@
             <p:ph type="ftr" sz="quarter" idx="11"/>
           </p:nvPr>
         </p:nvSpPr>
-        <p:spPr/>
+        <p:spPr>
+          <a:xfrm>
+            <a:off x="4038600" y="6356350"/>
+            <a:ext cx="4114800" cy="365125"/>
+          </a:xfrm>
+          <a:prstGeom prst="rect">
+            <a:avLst/>
+          </a:prstGeom>
+        </p:spPr>
         <p:txBody>
           <a:bodyPr/>
           <a:lstStyle/>
@@ -508,7 +540,13 @@
       </p:sp>
       <p:sp>
         <p:nvSpPr>
-          <p:cNvPr id="6" name="Slide Number Placeholder 5"/>
+          <p:cNvPr id="6" name="Slide Number Placeholder 5">
+            <a:extLst>
+              <a:ext uri="{FF2B5EF4-FFF2-40B4-BE49-F238E27FC236}">
+                <a16:creationId xmlns:a16="http://schemas.microsoft.com/office/drawing/2014/main" id="{398E9F41-91A0-BAD9-A1E1-8FBF9F43AC30}"/>
+              </a:ext>
+            </a:extLst>
+          </p:cNvPr>
           <p:cNvSpPr>
             <a:spLocks noGrp="1"/>
           </p:cNvSpPr>
@@ -516,12 +554,20 @@
             <p:ph type="sldNum" sz="quarter" idx="12"/>
           </p:nvPr>
         </p:nvSpPr>
-        <p:spPr/>
+        <p:spPr>
+          <a:xfrm>
+            <a:off x="8610600" y="6356350"/>
+            <a:ext cx="2743200" cy="365125"/>
+          </a:xfrm>
+          <a:prstGeom prst="rect">
+            <a:avLst/>
+          </a:prstGeom>
+        </p:spPr>
         <p:txBody>
           <a:bodyPr/>
           <a:lstStyle/>
           <a:p>
-            <a:fld id="{C5EF2332-01BF-834F-8236-50238282D533}" type="slidenum">
+            <a:fld id="{A7A4552F-BE7F-43DF-8279-1371FBF475F2}" type="slidenum">
               <a:rPr lang="en-US" smtClean="0"/>
               <a:t>‹#›</a:t>
             </a:fld>
@@ -532,7 +578,7 @@
     </p:spTree>
     <p:extLst>
       <p:ext uri="{BB962C8B-B14F-4D97-AF65-F5344CB8AC3E}">
-        <p14:creationId xmlns:p14="http://schemas.microsoft.com/office/powerpoint/2010/main" val="313914798"/>
+        <p14:creationId xmlns:p14="http://schemas.microsoft.com/office/powerpoint/2010/main" val="2970987916"/>
       </p:ext>
     </p:extLst>
   </p:cSld>
@@ -561,7 +607,13 @@
       </p:grpSpPr>
       <p:sp>
         <p:nvSpPr>
-          <p:cNvPr id="2" name="Vertical Title 1"/>
+          <p:cNvPr id="2" name="Vertical Title 1">
+            <a:extLst>
+              <a:ext uri="{FF2B5EF4-FFF2-40B4-BE49-F238E27FC236}">
+                <a16:creationId xmlns:a16="http://schemas.microsoft.com/office/drawing/2014/main" id="{3BAAD835-D6C7-1E4A-5DBC-F9C4F5B251B2}"/>
+              </a:ext>
+            </a:extLst>
+          </p:cNvPr>
           <p:cNvSpPr>
             <a:spLocks noGrp="1"/>
           </p:cNvSpPr>
@@ -571,8 +623,8 @@
         </p:nvSpPr>
         <p:spPr>
           <a:xfrm>
-            <a:off x="6629400" y="205979"/>
-            <a:ext cx="2057400" cy="4388644"/>
+            <a:off x="8724900" y="365125"/>
+            <a:ext cx="2628900" cy="5811838"/>
           </a:xfrm>
         </p:spPr>
         <p:txBody>
@@ -588,7 +640,13 @@
       </p:sp>
       <p:sp>
         <p:nvSpPr>
-          <p:cNvPr id="3" name="Vertical Text Placeholder 2"/>
+          <p:cNvPr id="3" name="Vertical Text Placeholder 2">
+            <a:extLst>
+              <a:ext uri="{FF2B5EF4-FFF2-40B4-BE49-F238E27FC236}">
+                <a16:creationId xmlns:a16="http://schemas.microsoft.com/office/drawing/2014/main" id="{B92252B0-AFFB-77FB-A7F4-663896E1AF2E}"/>
+              </a:ext>
+            </a:extLst>
+          </p:cNvPr>
           <p:cNvSpPr>
             <a:spLocks noGrp="1"/>
           </p:cNvSpPr>
@@ -598,8 +656,8 @@
         </p:nvSpPr>
         <p:spPr>
           <a:xfrm>
-            <a:off x="457200" y="205979"/>
-            <a:ext cx="6019800" cy="4388644"/>
+            <a:off x="838200" y="365125"/>
+            <a:ext cx="7734300" cy="5811838"/>
           </a:xfrm>
         </p:spPr>
         <p:txBody>
@@ -644,7 +702,13 @@
       </p:sp>
       <p:sp>
         <p:nvSpPr>
-          <p:cNvPr id="4" name="Date Placeholder 3"/>
+          <p:cNvPr id="4" name="Date Placeholder 3">
+            <a:extLst>
+              <a:ext uri="{FF2B5EF4-FFF2-40B4-BE49-F238E27FC236}">
+                <a16:creationId xmlns:a16="http://schemas.microsoft.com/office/drawing/2014/main" id="{23C45560-A4C0-71E3-D78E-F8664B7315F9}"/>
+              </a:ext>
+            </a:extLst>
+          </p:cNvPr>
           <p:cNvSpPr>
             <a:spLocks noGrp="1"/>
           </p:cNvSpPr>
@@ -652,14 +716,22 @@
             <p:ph type="dt" sz="half" idx="10"/>
           </p:nvPr>
         </p:nvSpPr>
-        <p:spPr/>
+        <p:spPr>
+          <a:xfrm>
+            <a:off x="838200" y="6356350"/>
+            <a:ext cx="2743200" cy="365125"/>
+          </a:xfrm>
+          <a:prstGeom prst="rect">
+            <a:avLst/>
+          </a:prstGeom>
+        </p:spPr>
         <p:txBody>
           <a:bodyPr/>
           <a:lstStyle/>
           <a:p>
-            <a:fld id="{241EB5C9-1307-BA42-ABA2-0BC069CD8E7F}" type="datetimeFigureOut">
+            <a:fld id="{F0B67703-947A-477F-89F4-7913E16318ED}" type="datetimeFigureOut">
               <a:rPr lang="en-US" smtClean="0"/>
-              <a:t>1/2/22</a:t>
+              <a:t>10/20/2024</a:t>
             </a:fld>
             <a:endParaRPr lang="en-US"/>
           </a:p>
@@ -667,7 +739,13 @@
       </p:sp>
       <p:sp>
         <p:nvSpPr>
-          <p:cNvPr id="5" name="Footer Placeholder 4"/>
+          <p:cNvPr id="5" name="Footer Placeholder 4">
+            <a:extLst>
+              <a:ext uri="{FF2B5EF4-FFF2-40B4-BE49-F238E27FC236}">
+                <a16:creationId xmlns:a16="http://schemas.microsoft.com/office/drawing/2014/main" id="{C8CD5D26-0057-DF10-91A7-25111AF966E3}"/>
+              </a:ext>
+            </a:extLst>
+          </p:cNvPr>
           <p:cNvSpPr>
             <a:spLocks noGrp="1"/>
           </p:cNvSpPr>
@@ -675,7 +753,15 @@
             <p:ph type="ftr" sz="quarter" idx="11"/>
           </p:nvPr>
         </p:nvSpPr>
-        <p:spPr/>
+        <p:spPr>
+          <a:xfrm>
+            <a:off x="4038600" y="6356350"/>
+            <a:ext cx="4114800" cy="365125"/>
+          </a:xfrm>
+          <a:prstGeom prst="rect">
+            <a:avLst/>
+          </a:prstGeom>
+        </p:spPr>
         <p:txBody>
           <a:bodyPr/>
           <a:lstStyle/>
@@ -686,7 +772,13 @@
       </p:sp>
       <p:sp>
         <p:nvSpPr>
-          <p:cNvPr id="6" name="Slide Number Placeholder 5"/>
+          <p:cNvPr id="6" name="Slide Number Placeholder 5">
+            <a:extLst>
+              <a:ext uri="{FF2B5EF4-FFF2-40B4-BE49-F238E27FC236}">
+                <a16:creationId xmlns:a16="http://schemas.microsoft.com/office/drawing/2014/main" id="{E33E7D6F-FE85-2D10-8A09-771B8F0B9426}"/>
+              </a:ext>
+            </a:extLst>
+          </p:cNvPr>
           <p:cNvSpPr>
             <a:spLocks noGrp="1"/>
           </p:cNvSpPr>
@@ -694,12 +786,20 @@
             <p:ph type="sldNum" sz="quarter" idx="12"/>
           </p:nvPr>
         </p:nvSpPr>
-        <p:spPr/>
+        <p:spPr>
+          <a:xfrm>
+            <a:off x="8610600" y="6356350"/>
+            <a:ext cx="2743200" cy="365125"/>
+          </a:xfrm>
+          <a:prstGeom prst="rect">
+            <a:avLst/>
+          </a:prstGeom>
+        </p:spPr>
         <p:txBody>
           <a:bodyPr/>
           <a:lstStyle/>
           <a:p>
-            <a:fld id="{C5EF2332-01BF-834F-8236-50238282D533}" type="slidenum">
+            <a:fld id="{A7A4552F-BE7F-43DF-8279-1371FBF475F2}" type="slidenum">
               <a:rPr lang="en-US" smtClean="0"/>
               <a:t>‹#›</a:t>
             </a:fld>
@@ -710,7 +810,7 @@
     </p:spTree>
     <p:extLst>
       <p:ext uri="{BB962C8B-B14F-4D97-AF65-F5344CB8AC3E}">
-        <p14:creationId xmlns:p14="http://schemas.microsoft.com/office/powerpoint/2010/main" val="2581529045"/>
+        <p14:creationId xmlns:p14="http://schemas.microsoft.com/office/powerpoint/2010/main" val="2246488272"/>
       </p:ext>
     </p:extLst>
   </p:cSld>
@@ -739,7 +839,13 @@
       </p:grpSpPr>
       <p:sp>
         <p:nvSpPr>
-          <p:cNvPr id="2" name="Title 1"/>
+          <p:cNvPr id="2" name="Title 1">
+            <a:extLst>
+              <a:ext uri="{FF2B5EF4-FFF2-40B4-BE49-F238E27FC236}">
+                <a16:creationId xmlns:a16="http://schemas.microsoft.com/office/drawing/2014/main" id="{5B5A117A-8A0F-CE1B-C5F7-B39781211F36}"/>
+              </a:ext>
+            </a:extLst>
+          </p:cNvPr>
           <p:cNvSpPr>
             <a:spLocks noGrp="1"/>
           </p:cNvSpPr>
@@ -761,7 +867,13 @@
       </p:sp>
       <p:sp>
         <p:nvSpPr>
-          <p:cNvPr id="3" name="Content Placeholder 2"/>
+          <p:cNvPr id="3" name="Content Placeholder 2">
+            <a:extLst>
+              <a:ext uri="{FF2B5EF4-FFF2-40B4-BE49-F238E27FC236}">
+                <a16:creationId xmlns:a16="http://schemas.microsoft.com/office/drawing/2014/main" id="{265F856C-753B-EE11-7357-A995CF4114E0}"/>
+              </a:ext>
+            </a:extLst>
+          </p:cNvPr>
           <p:cNvSpPr>
             <a:spLocks noGrp="1"/>
           </p:cNvSpPr>
@@ -812,7 +924,13 @@
       </p:sp>
       <p:sp>
         <p:nvSpPr>
-          <p:cNvPr id="4" name="Date Placeholder 3"/>
+          <p:cNvPr id="4" name="Date Placeholder 3">
+            <a:extLst>
+              <a:ext uri="{FF2B5EF4-FFF2-40B4-BE49-F238E27FC236}">
+                <a16:creationId xmlns:a16="http://schemas.microsoft.com/office/drawing/2014/main" id="{075D10CB-43BA-FBD2-5A47-F991593657F7}"/>
+              </a:ext>
+            </a:extLst>
+          </p:cNvPr>
           <p:cNvSpPr>
             <a:spLocks noGrp="1"/>
           </p:cNvSpPr>
@@ -820,14 +938,22 @@
             <p:ph type="dt" sz="half" idx="10"/>
           </p:nvPr>
         </p:nvSpPr>
-        <p:spPr/>
+        <p:spPr>
+          <a:xfrm>
+            <a:off x="838200" y="6356350"/>
+            <a:ext cx="2743200" cy="365125"/>
+          </a:xfrm>
+          <a:prstGeom prst="rect">
+            <a:avLst/>
+          </a:prstGeom>
+        </p:spPr>
         <p:txBody>
           <a:bodyPr/>
           <a:lstStyle/>
           <a:p>
-            <a:fld id="{241EB5C9-1307-BA42-ABA2-0BC069CD8E7F}" type="datetimeFigureOut">
+            <a:fld id="{F0B67703-947A-477F-89F4-7913E16318ED}" type="datetimeFigureOut">
               <a:rPr lang="en-US" smtClean="0"/>
-              <a:t>1/2/22</a:t>
+              <a:t>10/20/2024</a:t>
             </a:fld>
             <a:endParaRPr lang="en-US"/>
           </a:p>
@@ -835,7 +961,13 @@
       </p:sp>
       <p:sp>
         <p:nvSpPr>
-          <p:cNvPr id="5" name="Footer Placeholder 4"/>
+          <p:cNvPr id="5" name="Footer Placeholder 4">
+            <a:extLst>
+              <a:ext uri="{FF2B5EF4-FFF2-40B4-BE49-F238E27FC236}">
+                <a16:creationId xmlns:a16="http://schemas.microsoft.com/office/drawing/2014/main" id="{BE795C26-E58E-8293-CF64-E5193703226A}"/>
+              </a:ext>
+            </a:extLst>
+          </p:cNvPr>
           <p:cNvSpPr>
             <a:spLocks noGrp="1"/>
           </p:cNvSpPr>
@@ -843,7 +975,15 @@
             <p:ph type="ftr" sz="quarter" idx="11"/>
           </p:nvPr>
         </p:nvSpPr>
-        <p:spPr/>
+        <p:spPr>
+          <a:xfrm>
+            <a:off x="4038600" y="6356350"/>
+            <a:ext cx="4114800" cy="365125"/>
+          </a:xfrm>
+          <a:prstGeom prst="rect">
+            <a:avLst/>
+          </a:prstGeom>
+        </p:spPr>
         <p:txBody>
           <a:bodyPr/>
           <a:lstStyle/>
@@ -854,7 +994,13 @@
       </p:sp>
       <p:sp>
         <p:nvSpPr>
-          <p:cNvPr id="6" name="Slide Number Placeholder 5"/>
+          <p:cNvPr id="6" name="Slide Number Placeholder 5">
+            <a:extLst>
+              <a:ext uri="{FF2B5EF4-FFF2-40B4-BE49-F238E27FC236}">
+                <a16:creationId xmlns:a16="http://schemas.microsoft.com/office/drawing/2014/main" id="{C814DE92-7E40-1AAD-AB45-1059945288C6}"/>
+              </a:ext>
+            </a:extLst>
+          </p:cNvPr>
           <p:cNvSpPr>
             <a:spLocks noGrp="1"/>
           </p:cNvSpPr>
@@ -862,12 +1008,20 @@
             <p:ph type="sldNum" sz="quarter" idx="12"/>
           </p:nvPr>
         </p:nvSpPr>
-        <p:spPr/>
+        <p:spPr>
+          <a:xfrm>
+            <a:off x="8610600" y="6356350"/>
+            <a:ext cx="2743200" cy="365125"/>
+          </a:xfrm>
+          <a:prstGeom prst="rect">
+            <a:avLst/>
+          </a:prstGeom>
+        </p:spPr>
         <p:txBody>
           <a:bodyPr/>
           <a:lstStyle/>
           <a:p>
-            <a:fld id="{C5EF2332-01BF-834F-8236-50238282D533}" type="slidenum">
+            <a:fld id="{A7A4552F-BE7F-43DF-8279-1371FBF475F2}" type="slidenum">
               <a:rPr lang="en-US" smtClean="0"/>
               <a:t>‹#›</a:t>
             </a:fld>
@@ -878,7 +1032,7 @@
     </p:spTree>
     <p:extLst>
       <p:ext uri="{BB962C8B-B14F-4D97-AF65-F5344CB8AC3E}">
-        <p14:creationId xmlns:p14="http://schemas.microsoft.com/office/powerpoint/2010/main" val="338346009"/>
+        <p14:creationId xmlns:p14="http://schemas.microsoft.com/office/powerpoint/2010/main" val="1185331332"/>
       </p:ext>
     </p:extLst>
   </p:cSld>
@@ -907,7 +1061,13 @@
       </p:grpSpPr>
       <p:sp>
         <p:nvSpPr>
-          <p:cNvPr id="2" name="Title 1"/>
+          <p:cNvPr id="2" name="Title 1">
+            <a:extLst>
+              <a:ext uri="{FF2B5EF4-FFF2-40B4-BE49-F238E27FC236}">
+                <a16:creationId xmlns:a16="http://schemas.microsoft.com/office/drawing/2014/main" id="{F699250D-8BD8-8456-974F-C59CFEA79A0D}"/>
+              </a:ext>
+            </a:extLst>
+          </p:cNvPr>
           <p:cNvSpPr>
             <a:spLocks noGrp="1"/>
           </p:cNvSpPr>
@@ -917,15 +1077,15 @@
         </p:nvSpPr>
         <p:spPr>
           <a:xfrm>
-            <a:off x="722313" y="3305176"/>
-            <a:ext cx="7772400" cy="1021556"/>
+            <a:off x="831850" y="1709738"/>
+            <a:ext cx="10515600" cy="2852737"/>
           </a:xfrm>
         </p:spPr>
         <p:txBody>
-          <a:bodyPr anchor="t"/>
+          <a:bodyPr anchor="b"/>
           <a:lstStyle>
-            <a:lvl1pPr algn="l">
-              <a:defRPr sz="3000" b="1" cap="all"/>
+            <a:lvl1pPr>
+              <a:defRPr sz="6000"/>
             </a:lvl1pPr>
           </a:lstStyle>
           <a:p>
@@ -938,7 +1098,13 @@
       </p:sp>
       <p:sp>
         <p:nvSpPr>
-          <p:cNvPr id="3" name="Text Placeholder 2"/>
+          <p:cNvPr id="3" name="Text Placeholder 2">
+            <a:extLst>
+              <a:ext uri="{FF2B5EF4-FFF2-40B4-BE49-F238E27FC236}">
+                <a16:creationId xmlns:a16="http://schemas.microsoft.com/office/drawing/2014/main" id="{429B1703-1215-5CA9-BEBC-4046570B2A13}"/>
+              </a:ext>
+            </a:extLst>
+          </p:cNvPr>
           <p:cNvSpPr>
             <a:spLocks noGrp="1"/>
           </p:cNvSpPr>
@@ -948,99 +1114,99 @@
         </p:nvSpPr>
         <p:spPr>
           <a:xfrm>
-            <a:off x="722313" y="2180035"/>
-            <a:ext cx="7772400" cy="1125140"/>
+            <a:off x="831850" y="4589463"/>
+            <a:ext cx="10515600" cy="1500187"/>
           </a:xfrm>
         </p:spPr>
         <p:txBody>
-          <a:bodyPr anchor="b"/>
+          <a:bodyPr/>
           <a:lstStyle>
             <a:lvl1pPr marL="0" indent="0">
               <a:buNone/>
-              <a:defRPr sz="1500">
+              <a:defRPr sz="2400">
                 <a:solidFill>
                   <a:schemeClr val="tx1">
-                    <a:tint val="75000"/>
+                    <a:tint val="82000"/>
                   </a:schemeClr>
                 </a:solidFill>
               </a:defRPr>
             </a:lvl1pPr>
-            <a:lvl2pPr marL="342900" indent="0">
-              <a:buNone/>
-              <a:defRPr sz="1350">
+            <a:lvl2pPr marL="457200" indent="0">
+              <a:buNone/>
+              <a:defRPr sz="2000">
                 <a:solidFill>
                   <a:schemeClr val="tx1">
-                    <a:tint val="75000"/>
+                    <a:tint val="82000"/>
                   </a:schemeClr>
                 </a:solidFill>
               </a:defRPr>
             </a:lvl2pPr>
-            <a:lvl3pPr marL="685800" indent="0">
-              <a:buNone/>
-              <a:defRPr sz="1200">
+            <a:lvl3pPr marL="914400" indent="0">
+              <a:buNone/>
+              <a:defRPr sz="1800">
                 <a:solidFill>
                   <a:schemeClr val="tx1">
-                    <a:tint val="75000"/>
+                    <a:tint val="82000"/>
                   </a:schemeClr>
                 </a:solidFill>
               </a:defRPr>
             </a:lvl3pPr>
-            <a:lvl4pPr marL="1028700" indent="0">
-              <a:buNone/>
-              <a:defRPr sz="1050">
+            <a:lvl4pPr marL="1371600" indent="0">
+              <a:buNone/>
+              <a:defRPr sz="1600">
                 <a:solidFill>
                   <a:schemeClr val="tx1">
-                    <a:tint val="75000"/>
+                    <a:tint val="82000"/>
                   </a:schemeClr>
                 </a:solidFill>
               </a:defRPr>
             </a:lvl4pPr>
-            <a:lvl5pPr marL="1371600" indent="0">
-              <a:buNone/>
-              <a:defRPr sz="1050">
+            <a:lvl5pPr marL="1828800" indent="0">
+              <a:buNone/>
+              <a:defRPr sz="1600">
                 <a:solidFill>
                   <a:schemeClr val="tx1">
-                    <a:tint val="75000"/>
+                    <a:tint val="82000"/>
                   </a:schemeClr>
                 </a:solidFill>
               </a:defRPr>
             </a:lvl5pPr>
-            <a:lvl6pPr marL="1714500" indent="0">
-              <a:buNone/>
-              <a:defRPr sz="1050">
+            <a:lvl6pPr marL="2286000" indent="0">
+              <a:buNone/>
+              <a:defRPr sz="1600">
                 <a:solidFill>
                   <a:schemeClr val="tx1">
-                    <a:tint val="75000"/>
+                    <a:tint val="82000"/>
                   </a:schemeClr>
                 </a:solidFill>
               </a:defRPr>
             </a:lvl6pPr>
-            <a:lvl7pPr marL="2057400" indent="0">
-              <a:buNone/>
-              <a:defRPr sz="1050">
+            <a:lvl7pPr marL="2743200" indent="0">
+              <a:buNone/>
+              <a:defRPr sz="1600">
                 <a:solidFill>
                   <a:schemeClr val="tx1">
-                    <a:tint val="75000"/>
+                    <a:tint val="82000"/>
                   </a:schemeClr>
                 </a:solidFill>
               </a:defRPr>
             </a:lvl7pPr>
-            <a:lvl8pPr marL="2400300" indent="0">
-              <a:buNone/>
-              <a:defRPr sz="1050">
+            <a:lvl8pPr marL="3200400" indent="0">
+              <a:buNone/>
+              <a:defRPr sz="1600">
                 <a:solidFill>
                   <a:schemeClr val="tx1">
-                    <a:tint val="75000"/>
+                    <a:tint val="82000"/>
                   </a:schemeClr>
                 </a:solidFill>
               </a:defRPr>
             </a:lvl8pPr>
-            <a:lvl9pPr marL="2743200" indent="0">
-              <a:buNone/>
-              <a:defRPr sz="1050">
+            <a:lvl9pPr marL="3657600" indent="0">
+              <a:buNone/>
+              <a:defRPr sz="1600">
                 <a:solidFill>
                   <a:schemeClr val="tx1">
-                    <a:tint val="75000"/>
+                    <a:tint val="82000"/>
                   </a:schemeClr>
                 </a:solidFill>
               </a:defRPr>
@@ -1057,7 +1223,13 @@
       </p:sp>
       <p:sp>
         <p:nvSpPr>
-          <p:cNvPr id="4" name="Date Placeholder 3"/>
+          <p:cNvPr id="4" name="Date Placeholder 3">
+            <a:extLst>
+              <a:ext uri="{FF2B5EF4-FFF2-40B4-BE49-F238E27FC236}">
+                <a16:creationId xmlns:a16="http://schemas.microsoft.com/office/drawing/2014/main" id="{5A6988CA-33AB-C631-1910-819F56846C18}"/>
+              </a:ext>
+            </a:extLst>
+          </p:cNvPr>
           <p:cNvSpPr>
             <a:spLocks noGrp="1"/>
           </p:cNvSpPr>
@@ -1065,14 +1237,22 @@
             <p:ph type="dt" sz="half" idx="10"/>
           </p:nvPr>
         </p:nvSpPr>
-        <p:spPr/>
+        <p:spPr>
+          <a:xfrm>
+            <a:off x="838200" y="6356350"/>
+            <a:ext cx="2743200" cy="365125"/>
+          </a:xfrm>
+          <a:prstGeom prst="rect">
+            <a:avLst/>
+          </a:prstGeom>
+        </p:spPr>
         <p:txBody>
           <a:bodyPr/>
           <a:lstStyle/>
           <a:p>
-            <a:fld id="{241EB5C9-1307-BA42-ABA2-0BC069CD8E7F}" type="datetimeFigureOut">
+            <a:fld id="{F0B67703-947A-477F-89F4-7913E16318ED}" type="datetimeFigureOut">
               <a:rPr lang="en-US" smtClean="0"/>
-              <a:t>1/2/22</a:t>
+              <a:t>10/20/2024</a:t>
             </a:fld>
             <a:endParaRPr lang="en-US"/>
           </a:p>
@@ -1080,7 +1260,13 @@
       </p:sp>
       <p:sp>
         <p:nvSpPr>
-          <p:cNvPr id="5" name="Footer Placeholder 4"/>
+          <p:cNvPr id="5" name="Footer Placeholder 4">
+            <a:extLst>
+              <a:ext uri="{FF2B5EF4-FFF2-40B4-BE49-F238E27FC236}">
+                <a16:creationId xmlns:a16="http://schemas.microsoft.com/office/drawing/2014/main" id="{E06AE32C-3CD6-6808-8196-03EB8EFB7D9F}"/>
+              </a:ext>
+            </a:extLst>
+          </p:cNvPr>
           <p:cNvSpPr>
             <a:spLocks noGrp="1"/>
           </p:cNvSpPr>
@@ -1088,7 +1274,15 @@
             <p:ph type="ftr" sz="quarter" idx="11"/>
           </p:nvPr>
         </p:nvSpPr>
-        <p:spPr/>
+        <p:spPr>
+          <a:xfrm>
+            <a:off x="4038600" y="6356350"/>
+            <a:ext cx="4114800" cy="365125"/>
+          </a:xfrm>
+          <a:prstGeom prst="rect">
+            <a:avLst/>
+          </a:prstGeom>
+        </p:spPr>
         <p:txBody>
           <a:bodyPr/>
           <a:lstStyle/>
@@ -1099,7 +1293,13 @@
       </p:sp>
       <p:sp>
         <p:nvSpPr>
-          <p:cNvPr id="6" name="Slide Number Placeholder 5"/>
+          <p:cNvPr id="6" name="Slide Number Placeholder 5">
+            <a:extLst>
+              <a:ext uri="{FF2B5EF4-FFF2-40B4-BE49-F238E27FC236}">
+                <a16:creationId xmlns:a16="http://schemas.microsoft.com/office/drawing/2014/main" id="{B581C2DE-B240-4269-8D3C-AAA3D7659018}"/>
+              </a:ext>
+            </a:extLst>
+          </p:cNvPr>
           <p:cNvSpPr>
             <a:spLocks noGrp="1"/>
           </p:cNvSpPr>
@@ -1107,12 +1307,20 @@
             <p:ph type="sldNum" sz="quarter" idx="12"/>
           </p:nvPr>
         </p:nvSpPr>
-        <p:spPr/>
+        <p:spPr>
+          <a:xfrm>
+            <a:off x="8610600" y="6356350"/>
+            <a:ext cx="2743200" cy="365125"/>
+          </a:xfrm>
+          <a:prstGeom prst="rect">
+            <a:avLst/>
+          </a:prstGeom>
+        </p:spPr>
         <p:txBody>
           <a:bodyPr/>
           <a:lstStyle/>
           <a:p>
-            <a:fld id="{C5EF2332-01BF-834F-8236-50238282D533}" type="slidenum">
+            <a:fld id="{A7A4552F-BE7F-43DF-8279-1371FBF475F2}" type="slidenum">
               <a:rPr lang="en-US" smtClean="0"/>
               <a:t>‹#›</a:t>
             </a:fld>
@@ -1123,7 +1331,7 @@
     </p:spTree>
     <p:extLst>
       <p:ext uri="{BB962C8B-B14F-4D97-AF65-F5344CB8AC3E}">
-        <p14:creationId xmlns:p14="http://schemas.microsoft.com/office/powerpoint/2010/main" val="1073069076"/>
+        <p14:creationId xmlns:p14="http://schemas.microsoft.com/office/powerpoint/2010/main" val="3974979614"/>
       </p:ext>
     </p:extLst>
   </p:cSld>
@@ -1152,7 +1360,13 @@
       </p:grpSpPr>
       <p:sp>
         <p:nvSpPr>
-          <p:cNvPr id="2" name="Title 1"/>
+          <p:cNvPr id="2" name="Title 1">
+            <a:extLst>
+              <a:ext uri="{FF2B5EF4-FFF2-40B4-BE49-F238E27FC236}">
+                <a16:creationId xmlns:a16="http://schemas.microsoft.com/office/drawing/2014/main" id="{BF4B2AC4-7D39-ECC3-4B60-4342268EE81E}"/>
+              </a:ext>
+            </a:extLst>
+          </p:cNvPr>
           <p:cNvSpPr>
             <a:spLocks noGrp="1"/>
           </p:cNvSpPr>
@@ -1174,7 +1388,13 @@
       </p:sp>
       <p:sp>
         <p:nvSpPr>
-          <p:cNvPr id="3" name="Content Placeholder 2"/>
+          <p:cNvPr id="3" name="Content Placeholder 2">
+            <a:extLst>
+              <a:ext uri="{FF2B5EF4-FFF2-40B4-BE49-F238E27FC236}">
+                <a16:creationId xmlns:a16="http://schemas.microsoft.com/office/drawing/2014/main" id="{4DB03EF5-6C16-A840-488F-4A082C234B8C}"/>
+              </a:ext>
+            </a:extLst>
+          </p:cNvPr>
           <p:cNvSpPr>
             <a:spLocks noGrp="1"/>
           </p:cNvSpPr>
@@ -1184,41 +1404,13 @@
         </p:nvSpPr>
         <p:spPr>
           <a:xfrm>
-            <a:off x="457200" y="1200151"/>
-            <a:ext cx="4038600" cy="3394472"/>
+            <a:off x="838200" y="1825625"/>
+            <a:ext cx="5181600" cy="4351338"/>
           </a:xfrm>
         </p:spPr>
         <p:txBody>
           <a:bodyPr/>
-          <a:lstStyle>
-            <a:lvl1pPr>
-              <a:defRPr sz="2100"/>
-            </a:lvl1pPr>
-            <a:lvl2pPr>
-              <a:defRPr sz="1800"/>
-            </a:lvl2pPr>
-            <a:lvl3pPr>
-              <a:defRPr sz="1500"/>
-            </a:lvl3pPr>
-            <a:lvl4pPr>
-              <a:defRPr sz="1350"/>
-            </a:lvl4pPr>
-            <a:lvl5pPr>
-              <a:defRPr sz="1350"/>
-            </a:lvl5pPr>
-            <a:lvl6pPr>
-              <a:defRPr sz="1350"/>
-            </a:lvl6pPr>
-            <a:lvl7pPr>
-              <a:defRPr sz="1350"/>
-            </a:lvl7pPr>
-            <a:lvl8pPr>
-              <a:defRPr sz="1350"/>
-            </a:lvl8pPr>
-            <a:lvl9pPr>
-              <a:defRPr sz="1350"/>
-            </a:lvl9pPr>
-          </a:lstStyle>
+          <a:lstStyle/>
           <a:p>
             <a:pPr lvl="0"/>
             <a:r>
@@ -1258,7 +1450,13 @@
       </p:sp>
       <p:sp>
         <p:nvSpPr>
-          <p:cNvPr id="4" name="Content Placeholder 3"/>
+          <p:cNvPr id="4" name="Content Placeholder 3">
+            <a:extLst>
+              <a:ext uri="{FF2B5EF4-FFF2-40B4-BE49-F238E27FC236}">
+                <a16:creationId xmlns:a16="http://schemas.microsoft.com/office/drawing/2014/main" id="{540E4B45-A030-DF61-4EA0-1EB201C27B04}"/>
+              </a:ext>
+            </a:extLst>
+          </p:cNvPr>
           <p:cNvSpPr>
             <a:spLocks noGrp="1"/>
           </p:cNvSpPr>
@@ -1268,41 +1466,13 @@
         </p:nvSpPr>
         <p:spPr>
           <a:xfrm>
-            <a:off x="4648200" y="1200151"/>
-            <a:ext cx="4038600" cy="3394472"/>
+            <a:off x="6172200" y="1825625"/>
+            <a:ext cx="5181600" cy="4351338"/>
           </a:xfrm>
         </p:spPr>
         <p:txBody>
           <a:bodyPr/>
-          <a:lstStyle>
-            <a:lvl1pPr>
-              <a:defRPr sz="2100"/>
-            </a:lvl1pPr>
-            <a:lvl2pPr>
-              <a:defRPr sz="1800"/>
-            </a:lvl2pPr>
-            <a:lvl3pPr>
-              <a:defRPr sz="1500"/>
-            </a:lvl3pPr>
-            <a:lvl4pPr>
-              <a:defRPr sz="1350"/>
-            </a:lvl4pPr>
-            <a:lvl5pPr>
-              <a:defRPr sz="1350"/>
-            </a:lvl5pPr>
-            <a:lvl6pPr>
-              <a:defRPr sz="1350"/>
-            </a:lvl6pPr>
-            <a:lvl7pPr>
-              <a:defRPr sz="1350"/>
-            </a:lvl7pPr>
-            <a:lvl8pPr>
-              <a:defRPr sz="1350"/>
-            </a:lvl8pPr>
-            <a:lvl9pPr>
-              <a:defRPr sz="1350"/>
-            </a:lvl9pPr>
-          </a:lstStyle>
+          <a:lstStyle/>
           <a:p>
             <a:pPr lvl="0"/>
             <a:r>
@@ -1342,7 +1512,13 @@
       </p:sp>
       <p:sp>
         <p:nvSpPr>
-          <p:cNvPr id="5" name="Date Placeholder 4"/>
+          <p:cNvPr id="5" name="Date Placeholder 4">
+            <a:extLst>
+              <a:ext uri="{FF2B5EF4-FFF2-40B4-BE49-F238E27FC236}">
+                <a16:creationId xmlns:a16="http://schemas.microsoft.com/office/drawing/2014/main" id="{7C983349-3114-CA32-4E70-66197EA296EE}"/>
+              </a:ext>
+            </a:extLst>
+          </p:cNvPr>
           <p:cNvSpPr>
             <a:spLocks noGrp="1"/>
           </p:cNvSpPr>
@@ -1350,14 +1526,22 @@
             <p:ph type="dt" sz="half" idx="10"/>
           </p:nvPr>
         </p:nvSpPr>
-        <p:spPr/>
+        <p:spPr>
+          <a:xfrm>
+            <a:off x="838200" y="6356350"/>
+            <a:ext cx="2743200" cy="365125"/>
+          </a:xfrm>
+          <a:prstGeom prst="rect">
+            <a:avLst/>
+          </a:prstGeom>
+        </p:spPr>
         <p:txBody>
           <a:bodyPr/>
           <a:lstStyle/>
           <a:p>
-            <a:fld id="{241EB5C9-1307-BA42-ABA2-0BC069CD8E7F}" type="datetimeFigureOut">
+            <a:fld id="{F0B67703-947A-477F-89F4-7913E16318ED}" type="datetimeFigureOut">
               <a:rPr lang="en-US" smtClean="0"/>
-              <a:t>1/2/22</a:t>
+              <a:t>10/20/2024</a:t>
             </a:fld>
             <a:endParaRPr lang="en-US"/>
           </a:p>
@@ -1365,7 +1549,13 @@
       </p:sp>
       <p:sp>
         <p:nvSpPr>
-          <p:cNvPr id="6" name="Footer Placeholder 5"/>
+          <p:cNvPr id="6" name="Footer Placeholder 5">
+            <a:extLst>
+              <a:ext uri="{FF2B5EF4-FFF2-40B4-BE49-F238E27FC236}">
+                <a16:creationId xmlns:a16="http://schemas.microsoft.com/office/drawing/2014/main" id="{6B53FF79-86A0-F24C-0063-69355A3FD5E7}"/>
+              </a:ext>
+            </a:extLst>
+          </p:cNvPr>
           <p:cNvSpPr>
             <a:spLocks noGrp="1"/>
           </p:cNvSpPr>
@@ -1373,7 +1563,15 @@
             <p:ph type="ftr" sz="quarter" idx="11"/>
           </p:nvPr>
         </p:nvSpPr>
-        <p:spPr/>
+        <p:spPr>
+          <a:xfrm>
+            <a:off x="4038600" y="6356350"/>
+            <a:ext cx="4114800" cy="365125"/>
+          </a:xfrm>
+          <a:prstGeom prst="rect">
+            <a:avLst/>
+          </a:prstGeom>
+        </p:spPr>
         <p:txBody>
           <a:bodyPr/>
           <a:lstStyle/>
@@ -1384,7 +1582,13 @@
       </p:sp>
       <p:sp>
         <p:nvSpPr>
-          <p:cNvPr id="7" name="Slide Number Placeholder 6"/>
+          <p:cNvPr id="7" name="Slide Number Placeholder 6">
+            <a:extLst>
+              <a:ext uri="{FF2B5EF4-FFF2-40B4-BE49-F238E27FC236}">
+                <a16:creationId xmlns:a16="http://schemas.microsoft.com/office/drawing/2014/main" id="{86C77F10-BACF-605E-27F7-4899B282CFF2}"/>
+              </a:ext>
+            </a:extLst>
+          </p:cNvPr>
           <p:cNvSpPr>
             <a:spLocks noGrp="1"/>
           </p:cNvSpPr>
@@ -1392,12 +1596,20 @@
             <p:ph type="sldNum" sz="quarter" idx="12"/>
           </p:nvPr>
         </p:nvSpPr>
-        <p:spPr/>
+        <p:spPr>
+          <a:xfrm>
+            <a:off x="8610600" y="6356350"/>
+            <a:ext cx="2743200" cy="365125"/>
+          </a:xfrm>
+          <a:prstGeom prst="rect">
+            <a:avLst/>
+          </a:prstGeom>
+        </p:spPr>
         <p:txBody>
           <a:bodyPr/>
           <a:lstStyle/>
           <a:p>
-            <a:fld id="{C5EF2332-01BF-834F-8236-50238282D533}" type="slidenum">
+            <a:fld id="{A7A4552F-BE7F-43DF-8279-1371FBF475F2}" type="slidenum">
               <a:rPr lang="en-US" smtClean="0"/>
               <a:t>‹#›</a:t>
             </a:fld>
@@ -1408,7 +1620,7 @@
     </p:spTree>
     <p:extLst>
       <p:ext uri="{BB962C8B-B14F-4D97-AF65-F5344CB8AC3E}">
-        <p14:creationId xmlns:p14="http://schemas.microsoft.com/office/powerpoint/2010/main" val="2619886245"/>
+        <p14:creationId xmlns:p14="http://schemas.microsoft.com/office/powerpoint/2010/main" val="3878507479"/>
       </p:ext>
     </p:extLst>
   </p:cSld>
@@ -1437,7 +1649,13 @@
       </p:grpSpPr>
       <p:sp>
         <p:nvSpPr>
-          <p:cNvPr id="2" name="Title 1"/>
+          <p:cNvPr id="2" name="Title 1">
+            <a:extLst>
+              <a:ext uri="{FF2B5EF4-FFF2-40B4-BE49-F238E27FC236}">
+                <a16:creationId xmlns:a16="http://schemas.microsoft.com/office/drawing/2014/main" id="{8EACB2FD-7824-C323-0943-BA1ADD652FEA}"/>
+              </a:ext>
+            </a:extLst>
+          </p:cNvPr>
           <p:cNvSpPr>
             <a:spLocks noGrp="1"/>
           </p:cNvSpPr>
@@ -1445,14 +1663,15 @@
             <p:ph type="title"/>
           </p:nvPr>
         </p:nvSpPr>
-        <p:spPr/>
+        <p:spPr>
+          <a:xfrm>
+            <a:off x="839788" y="365125"/>
+            <a:ext cx="10515600" cy="1325563"/>
+          </a:xfrm>
+        </p:spPr>
         <p:txBody>
           <a:bodyPr/>
-          <a:lstStyle>
-            <a:lvl1pPr>
-              <a:defRPr/>
-            </a:lvl1pPr>
-          </a:lstStyle>
+          <a:lstStyle/>
           <a:p>
             <a:r>
               <a:rPr lang="en-US"/>
@@ -1463,7 +1682,13 @@
       </p:sp>
       <p:sp>
         <p:nvSpPr>
-          <p:cNvPr id="3" name="Text Placeholder 2"/>
+          <p:cNvPr id="3" name="Text Placeholder 2">
+            <a:extLst>
+              <a:ext uri="{FF2B5EF4-FFF2-40B4-BE49-F238E27FC236}">
+                <a16:creationId xmlns:a16="http://schemas.microsoft.com/office/drawing/2014/main" id="{D8887CB4-203D-00D5-4DF9-0E268FB3FFC9}"/>
+              </a:ext>
+            </a:extLst>
+          </p:cNvPr>
           <p:cNvSpPr>
             <a:spLocks noGrp="1"/>
           </p:cNvSpPr>
@@ -1473,8 +1698,8 @@
         </p:nvSpPr>
         <p:spPr>
           <a:xfrm>
-            <a:off x="457200" y="1151335"/>
-            <a:ext cx="4040188" cy="479822"/>
+            <a:off x="839788" y="1681163"/>
+            <a:ext cx="5157787" cy="823912"/>
           </a:xfrm>
         </p:spPr>
         <p:txBody>
@@ -1482,39 +1707,39 @@
           <a:lstStyle>
             <a:lvl1pPr marL="0" indent="0">
               <a:buNone/>
+              <a:defRPr sz="2400" b="1"/>
+            </a:lvl1pPr>
+            <a:lvl2pPr marL="457200" indent="0">
+              <a:buNone/>
+              <a:defRPr sz="2000" b="1"/>
+            </a:lvl2pPr>
+            <a:lvl3pPr marL="914400" indent="0">
+              <a:buNone/>
               <a:defRPr sz="1800" b="1"/>
-            </a:lvl1pPr>
-            <a:lvl2pPr marL="342900" indent="0">
-              <a:buNone/>
-              <a:defRPr sz="1500" b="1"/>
-            </a:lvl2pPr>
-            <a:lvl3pPr marL="685800" indent="0">
-              <a:buNone/>
-              <a:defRPr sz="1350" b="1"/>
             </a:lvl3pPr>
-            <a:lvl4pPr marL="1028700" indent="0">
-              <a:buNone/>
-              <a:defRPr sz="1200" b="1"/>
+            <a:lvl4pPr marL="1371600" indent="0">
+              <a:buNone/>
+              <a:defRPr sz="1600" b="1"/>
             </a:lvl4pPr>
-            <a:lvl5pPr marL="1371600" indent="0">
-              <a:buNone/>
-              <a:defRPr sz="1200" b="1"/>
+            <a:lvl5pPr marL="1828800" indent="0">
+              <a:buNone/>
+              <a:defRPr sz="1600" b="1"/>
             </a:lvl5pPr>
-            <a:lvl6pPr marL="1714500" indent="0">
-              <a:buNone/>
-              <a:defRPr sz="1200" b="1"/>
+            <a:lvl6pPr marL="2286000" indent="0">
+              <a:buNone/>
+              <a:defRPr sz="1600" b="1"/>
             </a:lvl6pPr>
-            <a:lvl7pPr marL="2057400" indent="0">
-              <a:buNone/>
-              <a:defRPr sz="1200" b="1"/>
+            <a:lvl7pPr marL="2743200" indent="0">
+              <a:buNone/>
+              <a:defRPr sz="1600" b="1"/>
             </a:lvl7pPr>
-            <a:lvl8pPr marL="2400300" indent="0">
-              <a:buNone/>
-              <a:defRPr sz="1200" b="1"/>
+            <a:lvl8pPr marL="3200400" indent="0">
+              <a:buNone/>
+              <a:defRPr sz="1600" b="1"/>
             </a:lvl8pPr>
-            <a:lvl9pPr marL="2743200" indent="0">
-              <a:buNone/>
-              <a:defRPr sz="1200" b="1"/>
+            <a:lvl9pPr marL="3657600" indent="0">
+              <a:buNone/>
+              <a:defRPr sz="1600" b="1"/>
             </a:lvl9pPr>
           </a:lstStyle>
           <a:p>
@@ -1528,7 +1753,13 @@
       </p:sp>
       <p:sp>
         <p:nvSpPr>
-          <p:cNvPr id="4" name="Content Placeholder 3"/>
+          <p:cNvPr id="4" name="Content Placeholder 3">
+            <a:extLst>
+              <a:ext uri="{FF2B5EF4-FFF2-40B4-BE49-F238E27FC236}">
+                <a16:creationId xmlns:a16="http://schemas.microsoft.com/office/drawing/2014/main" id="{55818513-B7C3-4280-30A3-A02766185DA7}"/>
+              </a:ext>
+            </a:extLst>
+          </p:cNvPr>
           <p:cNvSpPr>
             <a:spLocks noGrp="1"/>
           </p:cNvSpPr>
@@ -1538,41 +1769,13 @@
         </p:nvSpPr>
         <p:spPr>
           <a:xfrm>
-            <a:off x="457200" y="1631156"/>
-            <a:ext cx="4040188" cy="2963466"/>
+            <a:off x="839788" y="2505075"/>
+            <a:ext cx="5157787" cy="3684588"/>
           </a:xfrm>
         </p:spPr>
         <p:txBody>
           <a:bodyPr/>
-          <a:lstStyle>
-            <a:lvl1pPr>
-              <a:defRPr sz="1800"/>
-            </a:lvl1pPr>
-            <a:lvl2pPr>
-              <a:defRPr sz="1500"/>
-            </a:lvl2pPr>
-            <a:lvl3pPr>
-              <a:defRPr sz="1350"/>
-            </a:lvl3pPr>
-            <a:lvl4pPr>
-              <a:defRPr sz="1200"/>
-            </a:lvl4pPr>
-            <a:lvl5pPr>
-              <a:defRPr sz="1200"/>
-            </a:lvl5pPr>
-            <a:lvl6pPr>
-              <a:defRPr sz="1200"/>
-            </a:lvl6pPr>
-            <a:lvl7pPr>
-              <a:defRPr sz="1200"/>
-            </a:lvl7pPr>
-            <a:lvl8pPr>
-              <a:defRPr sz="1200"/>
-            </a:lvl8pPr>
-            <a:lvl9pPr>
-              <a:defRPr sz="1200"/>
-            </a:lvl9pPr>
-          </a:lstStyle>
+          <a:lstStyle/>
           <a:p>
             <a:pPr lvl="0"/>
             <a:r>
@@ -1612,7 +1815,13 @@
       </p:sp>
       <p:sp>
         <p:nvSpPr>
-          <p:cNvPr id="5" name="Text Placeholder 4"/>
+          <p:cNvPr id="5" name="Text Placeholder 4">
+            <a:extLst>
+              <a:ext uri="{FF2B5EF4-FFF2-40B4-BE49-F238E27FC236}">
+                <a16:creationId xmlns:a16="http://schemas.microsoft.com/office/drawing/2014/main" id="{BBBC6E71-2E02-10BC-BF3C-2378B2353545}"/>
+              </a:ext>
+            </a:extLst>
+          </p:cNvPr>
           <p:cNvSpPr>
             <a:spLocks noGrp="1"/>
           </p:cNvSpPr>
@@ -1622,8 +1831,8 @@
         </p:nvSpPr>
         <p:spPr>
           <a:xfrm>
-            <a:off x="4645026" y="1151335"/>
-            <a:ext cx="4041775" cy="479822"/>
+            <a:off x="6172200" y="1681163"/>
+            <a:ext cx="5183188" cy="823912"/>
           </a:xfrm>
         </p:spPr>
         <p:txBody>
@@ -1631,39 +1840,39 @@
           <a:lstStyle>
             <a:lvl1pPr marL="0" indent="0">
               <a:buNone/>
+              <a:defRPr sz="2400" b="1"/>
+            </a:lvl1pPr>
+            <a:lvl2pPr marL="457200" indent="0">
+              <a:buNone/>
+              <a:defRPr sz="2000" b="1"/>
+            </a:lvl2pPr>
+            <a:lvl3pPr marL="914400" indent="0">
+              <a:buNone/>
               <a:defRPr sz="1800" b="1"/>
-            </a:lvl1pPr>
-            <a:lvl2pPr marL="342900" indent="0">
-              <a:buNone/>
-              <a:defRPr sz="1500" b="1"/>
-            </a:lvl2pPr>
-            <a:lvl3pPr marL="685800" indent="0">
-              <a:buNone/>
-              <a:defRPr sz="1350" b="1"/>
             </a:lvl3pPr>
-            <a:lvl4pPr marL="1028700" indent="0">
-              <a:buNone/>
-              <a:defRPr sz="1200" b="1"/>
+            <a:lvl4pPr marL="1371600" indent="0">
+              <a:buNone/>
+              <a:defRPr sz="1600" b="1"/>
             </a:lvl4pPr>
-            <a:lvl5pPr marL="1371600" indent="0">
-              <a:buNone/>
-              <a:defRPr sz="1200" b="1"/>
+            <a:lvl5pPr marL="1828800" indent="0">
+              <a:buNone/>
+              <a:defRPr sz="1600" b="1"/>
             </a:lvl5pPr>
-            <a:lvl6pPr marL="1714500" indent="0">
-              <a:buNone/>
-              <a:defRPr sz="1200" b="1"/>
+            <a:lvl6pPr marL="2286000" indent="0">
+              <a:buNone/>
+              <a:defRPr sz="1600" b="1"/>
             </a:lvl6pPr>
-            <a:lvl7pPr marL="2057400" indent="0">
-              <a:buNone/>
-              <a:defRPr sz="1200" b="1"/>
+            <a:lvl7pPr marL="2743200" indent="0">
+              <a:buNone/>
+              <a:defRPr sz="1600" b="1"/>
             </a:lvl7pPr>
-            <a:lvl8pPr marL="2400300" indent="0">
-              <a:buNone/>
-              <a:defRPr sz="1200" b="1"/>
+            <a:lvl8pPr marL="3200400" indent="0">
+              <a:buNone/>
+              <a:defRPr sz="1600" b="1"/>
             </a:lvl8pPr>
-            <a:lvl9pPr marL="2743200" indent="0">
-              <a:buNone/>
-              <a:defRPr sz="1200" b="1"/>
+            <a:lvl9pPr marL="3657600" indent="0">
+              <a:buNone/>
+              <a:defRPr sz="1600" b="1"/>
             </a:lvl9pPr>
           </a:lstStyle>
           <a:p>
@@ -1677,7 +1886,13 @@
       </p:sp>
       <p:sp>
         <p:nvSpPr>
-          <p:cNvPr id="6" name="Content Placeholder 5"/>
+          <p:cNvPr id="6" name="Content Placeholder 5">
+            <a:extLst>
+              <a:ext uri="{FF2B5EF4-FFF2-40B4-BE49-F238E27FC236}">
+                <a16:creationId xmlns:a16="http://schemas.microsoft.com/office/drawing/2014/main" id="{E13A71CA-17FF-05CE-6825-56F24394ED99}"/>
+              </a:ext>
+            </a:extLst>
+          </p:cNvPr>
           <p:cNvSpPr>
             <a:spLocks noGrp="1"/>
           </p:cNvSpPr>
@@ -1687,41 +1902,13 @@
         </p:nvSpPr>
         <p:spPr>
           <a:xfrm>
-            <a:off x="4645026" y="1631156"/>
-            <a:ext cx="4041775" cy="2963466"/>
+            <a:off x="6172200" y="2505075"/>
+            <a:ext cx="5183188" cy="3684588"/>
           </a:xfrm>
         </p:spPr>
         <p:txBody>
           <a:bodyPr/>
-          <a:lstStyle>
-            <a:lvl1pPr>
-              <a:defRPr sz="1800"/>
-            </a:lvl1pPr>
-            <a:lvl2pPr>
-              <a:defRPr sz="1500"/>
-            </a:lvl2pPr>
-            <a:lvl3pPr>
-              <a:defRPr sz="1350"/>
-            </a:lvl3pPr>
-            <a:lvl4pPr>
-              <a:defRPr sz="1200"/>
-            </a:lvl4pPr>
-            <a:lvl5pPr>
-              <a:defRPr sz="1200"/>
-            </a:lvl5pPr>
-            <a:lvl6pPr>
-              <a:defRPr sz="1200"/>
-            </a:lvl6pPr>
-            <a:lvl7pPr>
-              <a:defRPr sz="1200"/>
-            </a:lvl7pPr>
-            <a:lvl8pPr>
-              <a:defRPr sz="1200"/>
-            </a:lvl8pPr>
-            <a:lvl9pPr>
-              <a:defRPr sz="1200"/>
-            </a:lvl9pPr>
-          </a:lstStyle>
+          <a:lstStyle/>
           <a:p>
             <a:pPr lvl="0"/>
             <a:r>
@@ -1761,7 +1948,13 @@
       </p:sp>
       <p:sp>
         <p:nvSpPr>
-          <p:cNvPr id="7" name="Date Placeholder 6"/>
+          <p:cNvPr id="7" name="Date Placeholder 6">
+            <a:extLst>
+              <a:ext uri="{FF2B5EF4-FFF2-40B4-BE49-F238E27FC236}">
+                <a16:creationId xmlns:a16="http://schemas.microsoft.com/office/drawing/2014/main" id="{C072FF5F-0F31-9038-75BF-B83AFA978063}"/>
+              </a:ext>
+            </a:extLst>
+          </p:cNvPr>
           <p:cNvSpPr>
             <a:spLocks noGrp="1"/>
           </p:cNvSpPr>
@@ -1769,14 +1962,22 @@
             <p:ph type="dt" sz="half" idx="10"/>
           </p:nvPr>
         </p:nvSpPr>
-        <p:spPr/>
+        <p:spPr>
+          <a:xfrm>
+            <a:off x="838200" y="6356350"/>
+            <a:ext cx="2743200" cy="365125"/>
+          </a:xfrm>
+          <a:prstGeom prst="rect">
+            <a:avLst/>
+          </a:prstGeom>
+        </p:spPr>
         <p:txBody>
           <a:bodyPr/>
           <a:lstStyle/>
           <a:p>
-            <a:fld id="{241EB5C9-1307-BA42-ABA2-0BC069CD8E7F}" type="datetimeFigureOut">
+            <a:fld id="{F0B67703-947A-477F-89F4-7913E16318ED}" type="datetimeFigureOut">
               <a:rPr lang="en-US" smtClean="0"/>
-              <a:t>1/2/22</a:t>
+              <a:t>10/20/2024</a:t>
             </a:fld>
             <a:endParaRPr lang="en-US"/>
           </a:p>
@@ -1784,7 +1985,13 @@
       </p:sp>
       <p:sp>
         <p:nvSpPr>
-          <p:cNvPr id="8" name="Footer Placeholder 7"/>
+          <p:cNvPr id="8" name="Footer Placeholder 7">
+            <a:extLst>
+              <a:ext uri="{FF2B5EF4-FFF2-40B4-BE49-F238E27FC236}">
+                <a16:creationId xmlns:a16="http://schemas.microsoft.com/office/drawing/2014/main" id="{1D94BAE5-5A9A-C7C6-5D42-0C0F3E01F46C}"/>
+              </a:ext>
+            </a:extLst>
+          </p:cNvPr>
           <p:cNvSpPr>
             <a:spLocks noGrp="1"/>
           </p:cNvSpPr>
@@ -1792,7 +1999,15 @@
             <p:ph type="ftr" sz="quarter" idx="11"/>
           </p:nvPr>
         </p:nvSpPr>
-        <p:spPr/>
+        <p:spPr>
+          <a:xfrm>
+            <a:off x="4038600" y="6356350"/>
+            <a:ext cx="4114800" cy="365125"/>
+          </a:xfrm>
+          <a:prstGeom prst="rect">
+            <a:avLst/>
+          </a:prstGeom>
+        </p:spPr>
         <p:txBody>
           <a:bodyPr/>
           <a:lstStyle/>
@@ -1803,7 +2018,13 @@
       </p:sp>
       <p:sp>
         <p:nvSpPr>
-          <p:cNvPr id="9" name="Slide Number Placeholder 8"/>
+          <p:cNvPr id="9" name="Slide Number Placeholder 8">
+            <a:extLst>
+              <a:ext uri="{FF2B5EF4-FFF2-40B4-BE49-F238E27FC236}">
+                <a16:creationId xmlns:a16="http://schemas.microsoft.com/office/drawing/2014/main" id="{7FCE6B3D-2032-29EF-0E70-5AA7C567D126}"/>
+              </a:ext>
+            </a:extLst>
+          </p:cNvPr>
           <p:cNvSpPr>
             <a:spLocks noGrp="1"/>
           </p:cNvSpPr>
@@ -1811,12 +2032,20 @@
             <p:ph type="sldNum" sz="quarter" idx="12"/>
           </p:nvPr>
         </p:nvSpPr>
-        <p:spPr/>
+        <p:spPr>
+          <a:xfrm>
+            <a:off x="8610600" y="6356350"/>
+            <a:ext cx="2743200" cy="365125"/>
+          </a:xfrm>
+          <a:prstGeom prst="rect">
+            <a:avLst/>
+          </a:prstGeom>
+        </p:spPr>
         <p:txBody>
           <a:bodyPr/>
           <a:lstStyle/>
           <a:p>
-            <a:fld id="{C5EF2332-01BF-834F-8236-50238282D533}" type="slidenum">
+            <a:fld id="{A7A4552F-BE7F-43DF-8279-1371FBF475F2}" type="slidenum">
               <a:rPr lang="en-US" smtClean="0"/>
               <a:t>‹#›</a:t>
             </a:fld>
@@ -1827,7 +2056,7 @@
     </p:spTree>
     <p:extLst>
       <p:ext uri="{BB962C8B-B14F-4D97-AF65-F5344CB8AC3E}">
-        <p14:creationId xmlns:p14="http://schemas.microsoft.com/office/powerpoint/2010/main" val="2535793967"/>
+        <p14:creationId xmlns:p14="http://schemas.microsoft.com/office/powerpoint/2010/main" val="973041163"/>
       </p:ext>
     </p:extLst>
   </p:cSld>
@@ -1856,7 +2085,13 @@
       </p:grpSpPr>
       <p:sp>
         <p:nvSpPr>
-          <p:cNvPr id="2" name="Title 1"/>
+          <p:cNvPr id="2" name="Title 1">
+            <a:extLst>
+              <a:ext uri="{FF2B5EF4-FFF2-40B4-BE49-F238E27FC236}">
+                <a16:creationId xmlns:a16="http://schemas.microsoft.com/office/drawing/2014/main" id="{081298C6-C7FE-9B10-CB5E-E11452FE84E8}"/>
+              </a:ext>
+            </a:extLst>
+          </p:cNvPr>
           <p:cNvSpPr>
             <a:spLocks noGrp="1"/>
           </p:cNvSpPr>
@@ -1878,7 +2113,13 @@
       </p:sp>
       <p:sp>
         <p:nvSpPr>
-          <p:cNvPr id="3" name="Date Placeholder 2"/>
+          <p:cNvPr id="3" name="Date Placeholder 2">
+            <a:extLst>
+              <a:ext uri="{FF2B5EF4-FFF2-40B4-BE49-F238E27FC236}">
+                <a16:creationId xmlns:a16="http://schemas.microsoft.com/office/drawing/2014/main" id="{B62D2B2D-0820-CB58-89C2-33C66A6E0E00}"/>
+              </a:ext>
+            </a:extLst>
+          </p:cNvPr>
           <p:cNvSpPr>
             <a:spLocks noGrp="1"/>
           </p:cNvSpPr>
@@ -1886,14 +2127,22 @@
             <p:ph type="dt" sz="half" idx="10"/>
           </p:nvPr>
         </p:nvSpPr>
-        <p:spPr/>
+        <p:spPr>
+          <a:xfrm>
+            <a:off x="838200" y="6356350"/>
+            <a:ext cx="2743200" cy="365125"/>
+          </a:xfrm>
+          <a:prstGeom prst="rect">
+            <a:avLst/>
+          </a:prstGeom>
+        </p:spPr>
         <p:txBody>
           <a:bodyPr/>
           <a:lstStyle/>
           <a:p>
-            <a:fld id="{241EB5C9-1307-BA42-ABA2-0BC069CD8E7F}" type="datetimeFigureOut">
+            <a:fld id="{F0B67703-947A-477F-89F4-7913E16318ED}" type="datetimeFigureOut">
               <a:rPr lang="en-US" smtClean="0"/>
-              <a:t>1/2/22</a:t>
+              <a:t>10/20/2024</a:t>
             </a:fld>
             <a:endParaRPr lang="en-US"/>
           </a:p>
@@ -1901,7 +2150,13 @@
       </p:sp>
       <p:sp>
         <p:nvSpPr>
-          <p:cNvPr id="4" name="Footer Placeholder 3"/>
+          <p:cNvPr id="4" name="Footer Placeholder 3">
+            <a:extLst>
+              <a:ext uri="{FF2B5EF4-FFF2-40B4-BE49-F238E27FC236}">
+                <a16:creationId xmlns:a16="http://schemas.microsoft.com/office/drawing/2014/main" id="{D69E5B8B-E86B-1D8A-F3D0-828A5E4140AA}"/>
+              </a:ext>
+            </a:extLst>
+          </p:cNvPr>
           <p:cNvSpPr>
             <a:spLocks noGrp="1"/>
           </p:cNvSpPr>
@@ -1909,7 +2164,15 @@
             <p:ph type="ftr" sz="quarter" idx="11"/>
           </p:nvPr>
         </p:nvSpPr>
-        <p:spPr/>
+        <p:spPr>
+          <a:xfrm>
+            <a:off x="4038600" y="6356350"/>
+            <a:ext cx="4114800" cy="365125"/>
+          </a:xfrm>
+          <a:prstGeom prst="rect">
+            <a:avLst/>
+          </a:prstGeom>
+        </p:spPr>
         <p:txBody>
           <a:bodyPr/>
           <a:lstStyle/>
@@ -1920,7 +2183,13 @@
       </p:sp>
       <p:sp>
         <p:nvSpPr>
-          <p:cNvPr id="5" name="Slide Number Placeholder 4"/>
+          <p:cNvPr id="5" name="Slide Number Placeholder 4">
+            <a:extLst>
+              <a:ext uri="{FF2B5EF4-FFF2-40B4-BE49-F238E27FC236}">
+                <a16:creationId xmlns:a16="http://schemas.microsoft.com/office/drawing/2014/main" id="{AB1C98F1-56DA-A2F6-6B25-3748491F00AF}"/>
+              </a:ext>
+            </a:extLst>
+          </p:cNvPr>
           <p:cNvSpPr>
             <a:spLocks noGrp="1"/>
           </p:cNvSpPr>
@@ -1928,12 +2197,20 @@
             <p:ph type="sldNum" sz="quarter" idx="12"/>
           </p:nvPr>
         </p:nvSpPr>
-        <p:spPr/>
+        <p:spPr>
+          <a:xfrm>
+            <a:off x="8610600" y="6356350"/>
+            <a:ext cx="2743200" cy="365125"/>
+          </a:xfrm>
+          <a:prstGeom prst="rect">
+            <a:avLst/>
+          </a:prstGeom>
+        </p:spPr>
         <p:txBody>
           <a:bodyPr/>
           <a:lstStyle/>
           <a:p>
-            <a:fld id="{C5EF2332-01BF-834F-8236-50238282D533}" type="slidenum">
+            <a:fld id="{A7A4552F-BE7F-43DF-8279-1371FBF475F2}" type="slidenum">
               <a:rPr lang="en-US" smtClean="0"/>
               <a:t>‹#›</a:t>
             </a:fld>
@@ -1944,7 +2221,7 @@
     </p:spTree>
     <p:extLst>
       <p:ext uri="{BB962C8B-B14F-4D97-AF65-F5344CB8AC3E}">
-        <p14:creationId xmlns:p14="http://schemas.microsoft.com/office/powerpoint/2010/main" val="3472721253"/>
+        <p14:creationId xmlns:p14="http://schemas.microsoft.com/office/powerpoint/2010/main" val="1599258796"/>
       </p:ext>
     </p:extLst>
   </p:cSld>
@@ -1973,7 +2250,13 @@
       </p:grpSpPr>
       <p:sp>
         <p:nvSpPr>
-          <p:cNvPr id="2" name="Date Placeholder 1"/>
+          <p:cNvPr id="2" name="Date Placeholder 1">
+            <a:extLst>
+              <a:ext uri="{FF2B5EF4-FFF2-40B4-BE49-F238E27FC236}">
+                <a16:creationId xmlns:a16="http://schemas.microsoft.com/office/drawing/2014/main" id="{B55595F3-5C4F-A8A0-8F78-22EE27EE808E}"/>
+              </a:ext>
+            </a:extLst>
+          </p:cNvPr>
           <p:cNvSpPr>
             <a:spLocks noGrp="1"/>
           </p:cNvSpPr>
@@ -1981,14 +2264,22 @@
             <p:ph type="dt" sz="half" idx="10"/>
           </p:nvPr>
         </p:nvSpPr>
-        <p:spPr/>
+        <p:spPr>
+          <a:xfrm>
+            <a:off x="838200" y="6356350"/>
+            <a:ext cx="2743200" cy="365125"/>
+          </a:xfrm>
+          <a:prstGeom prst="rect">
+            <a:avLst/>
+          </a:prstGeom>
+        </p:spPr>
         <p:txBody>
           <a:bodyPr/>
           <a:lstStyle/>
           <a:p>
-            <a:fld id="{241EB5C9-1307-BA42-ABA2-0BC069CD8E7F}" type="datetimeFigureOut">
+            <a:fld id="{F0B67703-947A-477F-89F4-7913E16318ED}" type="datetimeFigureOut">
               <a:rPr lang="en-US" smtClean="0"/>
-              <a:t>1/2/22</a:t>
+              <a:t>10/20/2024</a:t>
             </a:fld>
             <a:endParaRPr lang="en-US"/>
           </a:p>
@@ -1996,7 +2287,13 @@
       </p:sp>
       <p:sp>
         <p:nvSpPr>
-          <p:cNvPr id="3" name="Footer Placeholder 2"/>
+          <p:cNvPr id="3" name="Footer Placeholder 2">
+            <a:extLst>
+              <a:ext uri="{FF2B5EF4-FFF2-40B4-BE49-F238E27FC236}">
+                <a16:creationId xmlns:a16="http://schemas.microsoft.com/office/drawing/2014/main" id="{650C2F41-D686-E149-6171-41385DCD85A5}"/>
+              </a:ext>
+            </a:extLst>
+          </p:cNvPr>
           <p:cNvSpPr>
             <a:spLocks noGrp="1"/>
           </p:cNvSpPr>
@@ -2004,7 +2301,15 @@
             <p:ph type="ftr" sz="quarter" idx="11"/>
           </p:nvPr>
         </p:nvSpPr>
-        <p:spPr/>
+        <p:spPr>
+          <a:xfrm>
+            <a:off x="4038600" y="6356350"/>
+            <a:ext cx="4114800" cy="365125"/>
+          </a:xfrm>
+          <a:prstGeom prst="rect">
+            <a:avLst/>
+          </a:prstGeom>
+        </p:spPr>
         <p:txBody>
           <a:bodyPr/>
           <a:lstStyle/>
@@ -2015,7 +2320,13 @@
       </p:sp>
       <p:sp>
         <p:nvSpPr>
-          <p:cNvPr id="4" name="Slide Number Placeholder 3"/>
+          <p:cNvPr id="4" name="Slide Number Placeholder 3">
+            <a:extLst>
+              <a:ext uri="{FF2B5EF4-FFF2-40B4-BE49-F238E27FC236}">
+                <a16:creationId xmlns:a16="http://schemas.microsoft.com/office/drawing/2014/main" id="{79CF6104-DACA-34A4-483B-B3C53F2B9CA7}"/>
+              </a:ext>
+            </a:extLst>
+          </p:cNvPr>
           <p:cNvSpPr>
             <a:spLocks noGrp="1"/>
           </p:cNvSpPr>
@@ -2023,12 +2334,20 @@
             <p:ph type="sldNum" sz="quarter" idx="12"/>
           </p:nvPr>
         </p:nvSpPr>
-        <p:spPr/>
+        <p:spPr>
+          <a:xfrm>
+            <a:off x="8610600" y="6356350"/>
+            <a:ext cx="2743200" cy="365125"/>
+          </a:xfrm>
+          <a:prstGeom prst="rect">
+            <a:avLst/>
+          </a:prstGeom>
+        </p:spPr>
         <p:txBody>
           <a:bodyPr/>
           <a:lstStyle/>
           <a:p>
-            <a:fld id="{C5EF2332-01BF-834F-8236-50238282D533}" type="slidenum">
+            <a:fld id="{A7A4552F-BE7F-43DF-8279-1371FBF475F2}" type="slidenum">
               <a:rPr lang="en-US" smtClean="0"/>
               <a:t>‹#›</a:t>
             </a:fld>
@@ -2039,7 +2358,7 @@
     </p:spTree>
     <p:extLst>
       <p:ext uri="{BB962C8B-B14F-4D97-AF65-F5344CB8AC3E}">
-        <p14:creationId xmlns:p14="http://schemas.microsoft.com/office/powerpoint/2010/main" val="2130901097"/>
+        <p14:creationId xmlns:p14="http://schemas.microsoft.com/office/powerpoint/2010/main" val="781927370"/>
       </p:ext>
     </p:extLst>
   </p:cSld>
@@ -2068,7 +2387,13 @@
       </p:grpSpPr>
       <p:sp>
         <p:nvSpPr>
-          <p:cNvPr id="2" name="Title 1"/>
+          <p:cNvPr id="2" name="Title 1">
+            <a:extLst>
+              <a:ext uri="{FF2B5EF4-FFF2-40B4-BE49-F238E27FC236}">
+                <a16:creationId xmlns:a16="http://schemas.microsoft.com/office/drawing/2014/main" id="{F444819F-85B4-4E9E-BFEC-F5FC4EFEB389}"/>
+              </a:ext>
+            </a:extLst>
+          </p:cNvPr>
           <p:cNvSpPr>
             <a:spLocks noGrp="1"/>
           </p:cNvSpPr>
@@ -2078,15 +2403,15 @@
         </p:nvSpPr>
         <p:spPr>
           <a:xfrm>
-            <a:off x="457201" y="204787"/>
-            <a:ext cx="3008313" cy="871538"/>
+            <a:off x="839788" y="457200"/>
+            <a:ext cx="3932237" cy="1600200"/>
           </a:xfrm>
         </p:spPr>
         <p:txBody>
           <a:bodyPr anchor="b"/>
           <a:lstStyle>
-            <a:lvl1pPr algn="l">
-              <a:defRPr sz="1500" b="1"/>
+            <a:lvl1pPr>
+              <a:defRPr sz="3200"/>
             </a:lvl1pPr>
           </a:lstStyle>
           <a:p>
@@ -2099,7 +2424,13 @@
       </p:sp>
       <p:sp>
         <p:nvSpPr>
-          <p:cNvPr id="3" name="Content Placeholder 2"/>
+          <p:cNvPr id="3" name="Content Placeholder 2">
+            <a:extLst>
+              <a:ext uri="{FF2B5EF4-FFF2-40B4-BE49-F238E27FC236}">
+                <a16:creationId xmlns:a16="http://schemas.microsoft.com/office/drawing/2014/main" id="{BE3E6DCC-FA2E-F32A-9E3F-276DD4F32877}"/>
+              </a:ext>
+            </a:extLst>
+          </p:cNvPr>
           <p:cNvSpPr>
             <a:spLocks noGrp="1"/>
           </p:cNvSpPr>
@@ -2109,39 +2440,39 @@
         </p:nvSpPr>
         <p:spPr>
           <a:xfrm>
-            <a:off x="3575050" y="204788"/>
-            <a:ext cx="5111750" cy="4389835"/>
+            <a:off x="5183188" y="987425"/>
+            <a:ext cx="6172200" cy="4873625"/>
           </a:xfrm>
         </p:spPr>
         <p:txBody>
           <a:bodyPr/>
           <a:lstStyle>
             <a:lvl1pPr>
-              <a:defRPr sz="2400"/>
+              <a:defRPr sz="3200"/>
             </a:lvl1pPr>
             <a:lvl2pPr>
-              <a:defRPr sz="2100"/>
+              <a:defRPr sz="2800"/>
             </a:lvl2pPr>
             <a:lvl3pPr>
-              <a:defRPr sz="1800"/>
+              <a:defRPr sz="2400"/>
             </a:lvl3pPr>
             <a:lvl4pPr>
-              <a:defRPr sz="1500"/>
+              <a:defRPr sz="2000"/>
             </a:lvl4pPr>
             <a:lvl5pPr>
-              <a:defRPr sz="1500"/>
+              <a:defRPr sz="2000"/>
             </a:lvl5pPr>
             <a:lvl6pPr>
-              <a:defRPr sz="1500"/>
+              <a:defRPr sz="2000"/>
             </a:lvl6pPr>
             <a:lvl7pPr>
-              <a:defRPr sz="1500"/>
+              <a:defRPr sz="2000"/>
             </a:lvl7pPr>
             <a:lvl8pPr>
-              <a:defRPr sz="1500"/>
+              <a:defRPr sz="2000"/>
             </a:lvl8pPr>
             <a:lvl9pPr>
-              <a:defRPr sz="1500"/>
+              <a:defRPr sz="2000"/>
             </a:lvl9pPr>
           </a:lstStyle>
           <a:p>
@@ -2183,7 +2514,13 @@
       </p:sp>
       <p:sp>
         <p:nvSpPr>
-          <p:cNvPr id="4" name="Text Placeholder 3"/>
+          <p:cNvPr id="4" name="Text Placeholder 3">
+            <a:extLst>
+              <a:ext uri="{FF2B5EF4-FFF2-40B4-BE49-F238E27FC236}">
+                <a16:creationId xmlns:a16="http://schemas.microsoft.com/office/drawing/2014/main" id="{A1642659-2FA1-F8D9-0F05-BC5010084285}"/>
+              </a:ext>
+            </a:extLst>
+          </p:cNvPr>
           <p:cNvSpPr>
             <a:spLocks noGrp="1"/>
           </p:cNvSpPr>
@@ -2193,8 +2530,8 @@
         </p:nvSpPr>
         <p:spPr>
           <a:xfrm>
-            <a:off x="457201" y="1076326"/>
-            <a:ext cx="3008313" cy="3518297"/>
+            <a:off x="839788" y="2057400"/>
+            <a:ext cx="3932237" cy="3811588"/>
           </a:xfrm>
         </p:spPr>
         <p:txBody>
@@ -2202,39 +2539,39 @@
           <a:lstStyle>
             <a:lvl1pPr marL="0" indent="0">
               <a:buNone/>
-              <a:defRPr sz="1050"/>
+              <a:defRPr sz="1600"/>
             </a:lvl1pPr>
-            <a:lvl2pPr marL="342900" indent="0">
-              <a:buNone/>
-              <a:defRPr sz="900"/>
+            <a:lvl2pPr marL="457200" indent="0">
+              <a:buNone/>
+              <a:defRPr sz="1400"/>
             </a:lvl2pPr>
-            <a:lvl3pPr marL="685800" indent="0">
-              <a:buNone/>
-              <a:defRPr sz="750"/>
+            <a:lvl3pPr marL="914400" indent="0">
+              <a:buNone/>
+              <a:defRPr sz="1200"/>
             </a:lvl3pPr>
-            <a:lvl4pPr marL="1028700" indent="0">
-              <a:buNone/>
-              <a:defRPr sz="675"/>
+            <a:lvl4pPr marL="1371600" indent="0">
+              <a:buNone/>
+              <a:defRPr sz="1000"/>
             </a:lvl4pPr>
-            <a:lvl5pPr marL="1371600" indent="0">
-              <a:buNone/>
-              <a:defRPr sz="675"/>
+            <a:lvl5pPr marL="1828800" indent="0">
+              <a:buNone/>
+              <a:defRPr sz="1000"/>
             </a:lvl5pPr>
-            <a:lvl6pPr marL="1714500" indent="0">
-              <a:buNone/>
-              <a:defRPr sz="675"/>
+            <a:lvl6pPr marL="2286000" indent="0">
+              <a:buNone/>
+              <a:defRPr sz="1000"/>
             </a:lvl6pPr>
-            <a:lvl7pPr marL="2057400" indent="0">
-              <a:buNone/>
-              <a:defRPr sz="675"/>
+            <a:lvl7pPr marL="2743200" indent="0">
+              <a:buNone/>
+              <a:defRPr sz="1000"/>
             </a:lvl7pPr>
-            <a:lvl8pPr marL="2400300" indent="0">
-              <a:buNone/>
-              <a:defRPr sz="675"/>
+            <a:lvl8pPr marL="3200400" indent="0">
+              <a:buNone/>
+              <a:defRPr sz="1000"/>
             </a:lvl8pPr>
-            <a:lvl9pPr marL="2743200" indent="0">
-              <a:buNone/>
-              <a:defRPr sz="675"/>
+            <a:lvl9pPr marL="3657600" indent="0">
+              <a:buNone/>
+              <a:defRPr sz="1000"/>
             </a:lvl9pPr>
           </a:lstStyle>
           <a:p>
@@ -2248,7 +2585,13 @@
       </p:sp>
       <p:sp>
         <p:nvSpPr>
-          <p:cNvPr id="5" name="Date Placeholder 4"/>
+          <p:cNvPr id="5" name="Date Placeholder 4">
+            <a:extLst>
+              <a:ext uri="{FF2B5EF4-FFF2-40B4-BE49-F238E27FC236}">
+                <a16:creationId xmlns:a16="http://schemas.microsoft.com/office/drawing/2014/main" id="{F16EC2BE-4029-B873-4E15-0FD16E2ABCC9}"/>
+              </a:ext>
+            </a:extLst>
+          </p:cNvPr>
           <p:cNvSpPr>
             <a:spLocks noGrp="1"/>
           </p:cNvSpPr>
@@ -2256,14 +2599,22 @@
             <p:ph type="dt" sz="half" idx="10"/>
           </p:nvPr>
         </p:nvSpPr>
-        <p:spPr/>
+        <p:spPr>
+          <a:xfrm>
+            <a:off x="838200" y="6356350"/>
+            <a:ext cx="2743200" cy="365125"/>
+          </a:xfrm>
+          <a:prstGeom prst="rect">
+            <a:avLst/>
+          </a:prstGeom>
+        </p:spPr>
         <p:txBody>
           <a:bodyPr/>
           <a:lstStyle/>
           <a:p>
-            <a:fld id="{241EB5C9-1307-BA42-ABA2-0BC069CD8E7F}" type="datetimeFigureOut">
+            <a:fld id="{F0B67703-947A-477F-89F4-7913E16318ED}" type="datetimeFigureOut">
               <a:rPr lang="en-US" smtClean="0"/>
-              <a:t>1/2/22</a:t>
+              <a:t>10/20/2024</a:t>
             </a:fld>
             <a:endParaRPr lang="en-US"/>
           </a:p>
@@ -2271,7 +2622,13 @@
       </p:sp>
       <p:sp>
         <p:nvSpPr>
-          <p:cNvPr id="6" name="Footer Placeholder 5"/>
+          <p:cNvPr id="6" name="Footer Placeholder 5">
+            <a:extLst>
+              <a:ext uri="{FF2B5EF4-FFF2-40B4-BE49-F238E27FC236}">
+                <a16:creationId xmlns:a16="http://schemas.microsoft.com/office/drawing/2014/main" id="{3C348DEF-D51E-68F6-CFBD-EA854A9EF51B}"/>
+              </a:ext>
+            </a:extLst>
+          </p:cNvPr>
           <p:cNvSpPr>
             <a:spLocks noGrp="1"/>
           </p:cNvSpPr>
@@ -2279,7 +2636,15 @@
             <p:ph type="ftr" sz="quarter" idx="11"/>
           </p:nvPr>
         </p:nvSpPr>
-        <p:spPr/>
+        <p:spPr>
+          <a:xfrm>
+            <a:off x="4038600" y="6356350"/>
+            <a:ext cx="4114800" cy="365125"/>
+          </a:xfrm>
+          <a:prstGeom prst="rect">
+            <a:avLst/>
+          </a:prstGeom>
+        </p:spPr>
         <p:txBody>
           <a:bodyPr/>
           <a:lstStyle/>
@@ -2290,7 +2655,13 @@
       </p:sp>
       <p:sp>
         <p:nvSpPr>
-          <p:cNvPr id="7" name="Slide Number Placeholder 6"/>
+          <p:cNvPr id="7" name="Slide Number Placeholder 6">
+            <a:extLst>
+              <a:ext uri="{FF2B5EF4-FFF2-40B4-BE49-F238E27FC236}">
+                <a16:creationId xmlns:a16="http://schemas.microsoft.com/office/drawing/2014/main" id="{6FAAB557-F309-1EA3-2A66-9F6F8FDE1C48}"/>
+              </a:ext>
+            </a:extLst>
+          </p:cNvPr>
           <p:cNvSpPr>
             <a:spLocks noGrp="1"/>
           </p:cNvSpPr>
@@ -2298,12 +2669,20 @@
             <p:ph type="sldNum" sz="quarter" idx="12"/>
           </p:nvPr>
         </p:nvSpPr>
-        <p:spPr/>
+        <p:spPr>
+          <a:xfrm>
+            <a:off x="8610600" y="6356350"/>
+            <a:ext cx="2743200" cy="365125"/>
+          </a:xfrm>
+          <a:prstGeom prst="rect">
+            <a:avLst/>
+          </a:prstGeom>
+        </p:spPr>
         <p:txBody>
           <a:bodyPr/>
           <a:lstStyle/>
           <a:p>
-            <a:fld id="{C5EF2332-01BF-834F-8236-50238282D533}" type="slidenum">
+            <a:fld id="{A7A4552F-BE7F-43DF-8279-1371FBF475F2}" type="slidenum">
               <a:rPr lang="en-US" smtClean="0"/>
               <a:t>‹#›</a:t>
             </a:fld>
@@ -2314,7 +2693,7 @@
     </p:spTree>
     <p:extLst>
       <p:ext uri="{BB962C8B-B14F-4D97-AF65-F5344CB8AC3E}">
-        <p14:creationId xmlns:p14="http://schemas.microsoft.com/office/powerpoint/2010/main" val="3540895647"/>
+        <p14:creationId xmlns:p14="http://schemas.microsoft.com/office/powerpoint/2010/main" val="282358782"/>
       </p:ext>
     </p:extLst>
   </p:cSld>
@@ -2343,7 +2722,13 @@
       </p:grpSpPr>
       <p:sp>
         <p:nvSpPr>
-          <p:cNvPr id="2" name="Title 1"/>
+          <p:cNvPr id="2" name="Title 1">
+            <a:extLst>
+              <a:ext uri="{FF2B5EF4-FFF2-40B4-BE49-F238E27FC236}">
+                <a16:creationId xmlns:a16="http://schemas.microsoft.com/office/drawing/2014/main" id="{5DE3558C-23D1-5E66-1155-B7D7A5A9540B}"/>
+              </a:ext>
+            </a:extLst>
+          </p:cNvPr>
           <p:cNvSpPr>
             <a:spLocks noGrp="1"/>
           </p:cNvSpPr>
@@ -2353,15 +2738,15 @@
         </p:nvSpPr>
         <p:spPr>
           <a:xfrm>
-            <a:off x="1792288" y="3600450"/>
-            <a:ext cx="5486400" cy="425054"/>
+            <a:off x="839788" y="457200"/>
+            <a:ext cx="3932237" cy="1600200"/>
           </a:xfrm>
         </p:spPr>
         <p:txBody>
           <a:bodyPr anchor="b"/>
           <a:lstStyle>
-            <a:lvl1pPr algn="l">
-              <a:defRPr sz="1500" b="1"/>
+            <a:lvl1pPr>
+              <a:defRPr sz="3200"/>
             </a:lvl1pPr>
           </a:lstStyle>
           <a:p>
@@ -2374,7 +2759,13 @@
       </p:sp>
       <p:sp>
         <p:nvSpPr>
-          <p:cNvPr id="3" name="Picture Placeholder 2"/>
+          <p:cNvPr id="3" name="Picture Placeholder 2">
+            <a:extLst>
+              <a:ext uri="{FF2B5EF4-FFF2-40B4-BE49-F238E27FC236}">
+                <a16:creationId xmlns:a16="http://schemas.microsoft.com/office/drawing/2014/main" id="{FC1F9E2C-A39A-89EB-C5BB-0A5C8B86B32D}"/>
+              </a:ext>
+            </a:extLst>
+          </p:cNvPr>
           <p:cNvSpPr>
             <a:spLocks noGrp="1"/>
           </p:cNvSpPr>
@@ -2384,8 +2775,8 @@
         </p:nvSpPr>
         <p:spPr>
           <a:xfrm>
-            <a:off x="1792288" y="459581"/>
-            <a:ext cx="5486400" cy="3086100"/>
+            <a:off x="5183188" y="987425"/>
+            <a:ext cx="6172200" cy="4873625"/>
           </a:xfrm>
         </p:spPr>
         <p:txBody>
@@ -2393,39 +2784,39 @@
           <a:lstStyle>
             <a:lvl1pPr marL="0" indent="0">
               <a:buNone/>
+              <a:defRPr sz="3200"/>
+            </a:lvl1pPr>
+            <a:lvl2pPr marL="457200" indent="0">
+              <a:buNone/>
+              <a:defRPr sz="2800"/>
+            </a:lvl2pPr>
+            <a:lvl3pPr marL="914400" indent="0">
+              <a:buNone/>
               <a:defRPr sz="2400"/>
-            </a:lvl1pPr>
-            <a:lvl2pPr marL="342900" indent="0">
-              <a:buNone/>
-              <a:defRPr sz="2100"/>
-            </a:lvl2pPr>
-            <a:lvl3pPr marL="685800" indent="0">
-              <a:buNone/>
-              <a:defRPr sz="1800"/>
             </a:lvl3pPr>
-            <a:lvl4pPr marL="1028700" indent="0">
-              <a:buNone/>
-              <a:defRPr sz="1500"/>
+            <a:lvl4pPr marL="1371600" indent="0">
+              <a:buNone/>
+              <a:defRPr sz="2000"/>
             </a:lvl4pPr>
-            <a:lvl5pPr marL="1371600" indent="0">
-              <a:buNone/>
-              <a:defRPr sz="1500"/>
+            <a:lvl5pPr marL="1828800" indent="0">
+              <a:buNone/>
+              <a:defRPr sz="2000"/>
             </a:lvl5pPr>
-            <a:lvl6pPr marL="1714500" indent="0">
-              <a:buNone/>
-              <a:defRPr sz="1500"/>
+            <a:lvl6pPr marL="2286000" indent="0">
+              <a:buNone/>
+              <a:defRPr sz="2000"/>
             </a:lvl6pPr>
-            <a:lvl7pPr marL="2057400" indent="0">
-              <a:buNone/>
-              <a:defRPr sz="1500"/>
+            <a:lvl7pPr marL="2743200" indent="0">
+              <a:buNone/>
+              <a:defRPr sz="2000"/>
             </a:lvl7pPr>
-            <a:lvl8pPr marL="2400300" indent="0">
-              <a:buNone/>
-              <a:defRPr sz="1500"/>
+            <a:lvl8pPr marL="3200400" indent="0">
+              <a:buNone/>
+              <a:defRPr sz="2000"/>
             </a:lvl8pPr>
-            <a:lvl9pPr marL="2743200" indent="0">
-              <a:buNone/>
-              <a:defRPr sz="1500"/>
+            <a:lvl9pPr marL="3657600" indent="0">
+              <a:buNone/>
+              <a:defRPr sz="2000"/>
             </a:lvl9pPr>
           </a:lstStyle>
           <a:p>
@@ -2435,7 +2826,13 @@
       </p:sp>
       <p:sp>
         <p:nvSpPr>
-          <p:cNvPr id="4" name="Text Placeholder 3"/>
+          <p:cNvPr id="4" name="Text Placeholder 3">
+            <a:extLst>
+              <a:ext uri="{FF2B5EF4-FFF2-40B4-BE49-F238E27FC236}">
+                <a16:creationId xmlns:a16="http://schemas.microsoft.com/office/drawing/2014/main" id="{BD720C80-676E-FF99-CA01-894BD5605CBE}"/>
+              </a:ext>
+            </a:extLst>
+          </p:cNvPr>
           <p:cNvSpPr>
             <a:spLocks noGrp="1"/>
           </p:cNvSpPr>
@@ -2445,8 +2842,8 @@
         </p:nvSpPr>
         <p:spPr>
           <a:xfrm>
-            <a:off x="1792288" y="4025503"/>
-            <a:ext cx="5486400" cy="603647"/>
+            <a:off x="839788" y="2057400"/>
+            <a:ext cx="3932237" cy="3811588"/>
           </a:xfrm>
         </p:spPr>
         <p:txBody>
@@ -2454,39 +2851,39 @@
           <a:lstStyle>
             <a:lvl1pPr marL="0" indent="0">
               <a:buNone/>
-              <a:defRPr sz="1050"/>
+              <a:defRPr sz="1600"/>
             </a:lvl1pPr>
-            <a:lvl2pPr marL="342900" indent="0">
-              <a:buNone/>
-              <a:defRPr sz="900"/>
+            <a:lvl2pPr marL="457200" indent="0">
+              <a:buNone/>
+              <a:defRPr sz="1400"/>
             </a:lvl2pPr>
-            <a:lvl3pPr marL="685800" indent="0">
-              <a:buNone/>
-              <a:defRPr sz="750"/>
+            <a:lvl3pPr marL="914400" indent="0">
+              <a:buNone/>
+              <a:defRPr sz="1200"/>
             </a:lvl3pPr>
-            <a:lvl4pPr marL="1028700" indent="0">
-              <a:buNone/>
-              <a:defRPr sz="675"/>
+            <a:lvl4pPr marL="1371600" indent="0">
+              <a:buNone/>
+              <a:defRPr sz="1000"/>
             </a:lvl4pPr>
-            <a:lvl5pPr marL="1371600" indent="0">
-              <a:buNone/>
-              <a:defRPr sz="675"/>
+            <a:lvl5pPr marL="1828800" indent="0">
+              <a:buNone/>
+              <a:defRPr sz="1000"/>
             </a:lvl5pPr>
-            <a:lvl6pPr marL="1714500" indent="0">
-              <a:buNone/>
-              <a:defRPr sz="675"/>
+            <a:lvl6pPr marL="2286000" indent="0">
+              <a:buNone/>
+              <a:defRPr sz="1000"/>
             </a:lvl6pPr>
-            <a:lvl7pPr marL="2057400" indent="0">
-              <a:buNone/>
-              <a:defRPr sz="675"/>
+            <a:lvl7pPr marL="2743200" indent="0">
+              <a:buNone/>
+              <a:defRPr sz="1000"/>
             </a:lvl7pPr>
-            <a:lvl8pPr marL="2400300" indent="0">
-              <a:buNone/>
-              <a:defRPr sz="675"/>
+            <a:lvl8pPr marL="3200400" indent="0">
+              <a:buNone/>
+              <a:defRPr sz="1000"/>
             </a:lvl8pPr>
-            <a:lvl9pPr marL="2743200" indent="0">
-              <a:buNone/>
-              <a:defRPr sz="675"/>
+            <a:lvl9pPr marL="3657600" indent="0">
+              <a:buNone/>
+              <a:defRPr sz="1000"/>
             </a:lvl9pPr>
           </a:lstStyle>
           <a:p>
@@ -2500,7 +2897,13 @@
       </p:sp>
       <p:sp>
         <p:nvSpPr>
-          <p:cNvPr id="5" name="Date Placeholder 4"/>
+          <p:cNvPr id="5" name="Date Placeholder 4">
+            <a:extLst>
+              <a:ext uri="{FF2B5EF4-FFF2-40B4-BE49-F238E27FC236}">
+                <a16:creationId xmlns:a16="http://schemas.microsoft.com/office/drawing/2014/main" id="{A8464682-34C6-6877-A5E8-3CFA45D50D41}"/>
+              </a:ext>
+            </a:extLst>
+          </p:cNvPr>
           <p:cNvSpPr>
             <a:spLocks noGrp="1"/>
           </p:cNvSpPr>
@@ -2508,14 +2911,22 @@
             <p:ph type="dt" sz="half" idx="10"/>
           </p:nvPr>
         </p:nvSpPr>
-        <p:spPr/>
+        <p:spPr>
+          <a:xfrm>
+            <a:off x="838200" y="6356350"/>
+            <a:ext cx="2743200" cy="365125"/>
+          </a:xfrm>
+          <a:prstGeom prst="rect">
+            <a:avLst/>
+          </a:prstGeom>
+        </p:spPr>
         <p:txBody>
           <a:bodyPr/>
           <a:lstStyle/>
           <a:p>
-            <a:fld id="{241EB5C9-1307-BA42-ABA2-0BC069CD8E7F}" type="datetimeFigureOut">
+            <a:fld id="{F0B67703-947A-477F-89F4-7913E16318ED}" type="datetimeFigureOut">
               <a:rPr lang="en-US" smtClean="0"/>
-              <a:t>1/2/22</a:t>
+              <a:t>10/20/2024</a:t>
             </a:fld>
             <a:endParaRPr lang="en-US"/>
           </a:p>
@@ -2523,7 +2934,13 @@
       </p:sp>
       <p:sp>
         <p:nvSpPr>
-          <p:cNvPr id="6" name="Footer Placeholder 5"/>
+          <p:cNvPr id="6" name="Footer Placeholder 5">
+            <a:extLst>
+              <a:ext uri="{FF2B5EF4-FFF2-40B4-BE49-F238E27FC236}">
+                <a16:creationId xmlns:a16="http://schemas.microsoft.com/office/drawing/2014/main" id="{BB1888CF-6BD9-D81A-200D-B4E5F03D63D9}"/>
+              </a:ext>
+            </a:extLst>
+          </p:cNvPr>
           <p:cNvSpPr>
             <a:spLocks noGrp="1"/>
           </p:cNvSpPr>
@@ -2531,7 +2948,15 @@
             <p:ph type="ftr" sz="quarter" idx="11"/>
           </p:nvPr>
         </p:nvSpPr>
-        <p:spPr/>
+        <p:spPr>
+          <a:xfrm>
+            <a:off x="4038600" y="6356350"/>
+            <a:ext cx="4114800" cy="365125"/>
+          </a:xfrm>
+          <a:prstGeom prst="rect">
+            <a:avLst/>
+          </a:prstGeom>
+        </p:spPr>
         <p:txBody>
           <a:bodyPr/>
           <a:lstStyle/>
@@ -2542,7 +2967,13 @@
       </p:sp>
       <p:sp>
         <p:nvSpPr>
-          <p:cNvPr id="7" name="Slide Number Placeholder 6"/>
+          <p:cNvPr id="7" name="Slide Number Placeholder 6">
+            <a:extLst>
+              <a:ext uri="{FF2B5EF4-FFF2-40B4-BE49-F238E27FC236}">
+                <a16:creationId xmlns:a16="http://schemas.microsoft.com/office/drawing/2014/main" id="{3F9AE044-1379-C0DB-4EAD-7C829494AB59}"/>
+              </a:ext>
+            </a:extLst>
+          </p:cNvPr>
           <p:cNvSpPr>
             <a:spLocks noGrp="1"/>
           </p:cNvSpPr>
@@ -2550,12 +2981,20 @@
             <p:ph type="sldNum" sz="quarter" idx="12"/>
           </p:nvPr>
         </p:nvSpPr>
-        <p:spPr/>
+        <p:spPr>
+          <a:xfrm>
+            <a:off x="8610600" y="6356350"/>
+            <a:ext cx="2743200" cy="365125"/>
+          </a:xfrm>
+          <a:prstGeom prst="rect">
+            <a:avLst/>
+          </a:prstGeom>
+        </p:spPr>
         <p:txBody>
           <a:bodyPr/>
           <a:lstStyle/>
           <a:p>
-            <a:fld id="{C5EF2332-01BF-834F-8236-50238282D533}" type="slidenum">
+            <a:fld id="{A7A4552F-BE7F-43DF-8279-1371FBF475F2}" type="slidenum">
               <a:rPr lang="en-US" smtClean="0"/>
               <a:t>‹#›</a:t>
             </a:fld>
@@ -2566,7 +3005,7 @@
     </p:spTree>
     <p:extLst>
       <p:ext uri="{BB962C8B-B14F-4D97-AF65-F5344CB8AC3E}">
-        <p14:creationId xmlns:p14="http://schemas.microsoft.com/office/powerpoint/2010/main" val="3566899855"/>
+        <p14:creationId xmlns:p14="http://schemas.microsoft.com/office/powerpoint/2010/main" val="709888747"/>
       </p:ext>
     </p:extLst>
   </p:cSld>
@@ -2600,7 +3039,13 @@
       </p:grpSpPr>
       <p:sp>
         <p:nvSpPr>
-          <p:cNvPr id="2" name="Title Placeholder 1"/>
+          <p:cNvPr id="2" name="Title Placeholder 1">
+            <a:extLst>
+              <a:ext uri="{FF2B5EF4-FFF2-40B4-BE49-F238E27FC236}">
+                <a16:creationId xmlns:a16="http://schemas.microsoft.com/office/drawing/2014/main" id="{390B9221-E520-4C4B-3679-48F870A3628C}"/>
+              </a:ext>
+            </a:extLst>
+          </p:cNvPr>
           <p:cNvSpPr>
             <a:spLocks noGrp="1"/>
           </p:cNvSpPr>
@@ -2610,8 +3055,8 @@
         </p:nvSpPr>
         <p:spPr>
           <a:xfrm>
-            <a:off x="457200" y="205979"/>
-            <a:ext cx="8229600" cy="857250"/>
+            <a:off x="838200" y="365125"/>
+            <a:ext cx="10515600" cy="598971"/>
           </a:xfrm>
           <a:prstGeom prst="rect">
             <a:avLst/>
@@ -2624,7 +3069,7 @@
           <a:lstStyle/>
           <a:p>
             <a:r>
-              <a:rPr lang="en-US"/>
+              <a:rPr dirty="0" lang="en-US"/>
               <a:t>Click to edit Master title style</a:t>
             </a:r>
           </a:p>
@@ -2632,7 +3077,13 @@
       </p:sp>
       <p:sp>
         <p:nvSpPr>
-          <p:cNvPr id="3" name="Text Placeholder 2"/>
+          <p:cNvPr id="3" name="Text Placeholder 2">
+            <a:extLst>
+              <a:ext uri="{FF2B5EF4-FFF2-40B4-BE49-F238E27FC236}">
+                <a16:creationId xmlns:a16="http://schemas.microsoft.com/office/drawing/2014/main" id="{89D52121-F6E4-FD02-0210-944EFCB8EED1}"/>
+              </a:ext>
+            </a:extLst>
+          </p:cNvPr>
           <p:cNvSpPr>
             <a:spLocks noGrp="1"/>
           </p:cNvSpPr>
@@ -2642,8 +3093,8 @@
         </p:nvSpPr>
         <p:spPr>
           <a:xfrm>
-            <a:off x="457200" y="1200151"/>
-            <a:ext cx="8229600" cy="3394472"/>
+            <a:off x="838200" y="964096"/>
+            <a:ext cx="10515600" cy="5774634"/>
           </a:xfrm>
           <a:prstGeom prst="rect">
             <a:avLst/>
@@ -2657,163 +3108,44 @@
           <a:p>
             <a:pPr lvl="0"/>
             <a:r>
-              <a:rPr lang="en-US"/>
+              <a:rPr dirty="0" lang="en-US"/>
               <a:t>Click to edit Master text styles</a:t>
             </a:r>
           </a:p>
           <a:p>
             <a:pPr lvl="1"/>
             <a:r>
-              <a:rPr lang="en-US"/>
+              <a:rPr dirty="0" lang="en-US"/>
               <a:t>Second level</a:t>
             </a:r>
           </a:p>
           <a:p>
             <a:pPr lvl="2"/>
             <a:r>
-              <a:rPr lang="en-US"/>
+              <a:rPr dirty="0" lang="en-US"/>
               <a:t>Third level</a:t>
             </a:r>
           </a:p>
           <a:p>
             <a:pPr lvl="3"/>
             <a:r>
-              <a:rPr lang="en-US"/>
+              <a:rPr dirty="0" lang="en-US"/>
               <a:t>Fourth level</a:t>
             </a:r>
           </a:p>
           <a:p>
             <a:pPr lvl="4"/>
             <a:r>
-              <a:rPr lang="en-US"/>
+              <a:rPr dirty="0" lang="en-US"/>
               <a:t>Fifth level</a:t>
             </a:r>
-          </a:p>
-        </p:txBody>
-      </p:sp>
-      <p:sp>
-        <p:nvSpPr>
-          <p:cNvPr id="4" name="Date Placeholder 3"/>
-          <p:cNvSpPr>
-            <a:spLocks noGrp="1"/>
-          </p:cNvSpPr>
-          <p:nvPr>
-            <p:ph idx="2" sz="half" type="dt"/>
-          </p:nvPr>
-        </p:nvSpPr>
-        <p:spPr>
-          <a:xfrm>
-            <a:off x="457200" y="4767263"/>
-            <a:ext cx="2133600" cy="273844"/>
-          </a:xfrm>
-          <a:prstGeom prst="rect">
-            <a:avLst/>
-          </a:prstGeom>
-        </p:spPr>
-        <p:txBody>
-          <a:bodyPr anchor="ctr" bIns="45720" lIns="91440" rIns="91440" rtlCol="0" tIns="45720" vert="horz"/>
-          <a:lstStyle>
-            <a:lvl1pPr algn="l">
-              <a:defRPr sz="900">
-                <a:solidFill>
-                  <a:schemeClr val="tx1">
-                    <a:tint val="75000"/>
-                  </a:schemeClr>
-                </a:solidFill>
-              </a:defRPr>
-            </a:lvl1pPr>
-          </a:lstStyle>
-          <a:p>
-            <a:fld id="{241EB5C9-1307-BA42-ABA2-0BC069CD8E7F}" type="datetimeFigureOut">
-              <a:rPr lang="en-US" smtClean="0"/>
-              <a:t>1/2/22</a:t>
-            </a:fld>
-            <a:endParaRPr lang="en-US"/>
-          </a:p>
-        </p:txBody>
-      </p:sp>
-      <p:sp>
-        <p:nvSpPr>
-          <p:cNvPr id="5" name="Footer Placeholder 4"/>
-          <p:cNvSpPr>
-            <a:spLocks noGrp="1"/>
-          </p:cNvSpPr>
-          <p:nvPr>
-            <p:ph idx="3" sz="quarter" type="ftr"/>
-          </p:nvPr>
-        </p:nvSpPr>
-        <p:spPr>
-          <a:xfrm>
-            <a:off x="3124200" y="4767263"/>
-            <a:ext cx="2895600" cy="273844"/>
-          </a:xfrm>
-          <a:prstGeom prst="rect">
-            <a:avLst/>
-          </a:prstGeom>
-        </p:spPr>
-        <p:txBody>
-          <a:bodyPr anchor="ctr" bIns="45720" lIns="91440" rIns="91440" rtlCol="0" tIns="45720" vert="horz"/>
-          <a:lstStyle>
-            <a:lvl1pPr algn="ctr">
-              <a:defRPr sz="900">
-                <a:solidFill>
-                  <a:schemeClr val="tx1">
-                    <a:tint val="75000"/>
-                  </a:schemeClr>
-                </a:solidFill>
-              </a:defRPr>
-            </a:lvl1pPr>
-          </a:lstStyle>
-          <a:p>
-            <a:endParaRPr lang="en-US"/>
-          </a:p>
-        </p:txBody>
-      </p:sp>
-      <p:sp>
-        <p:nvSpPr>
-          <p:cNvPr id="6" name="Slide Number Placeholder 5"/>
-          <p:cNvSpPr>
-            <a:spLocks noGrp="1"/>
-          </p:cNvSpPr>
-          <p:nvPr>
-            <p:ph idx="4" sz="quarter" type="sldNum"/>
-          </p:nvPr>
-        </p:nvSpPr>
-        <p:spPr>
-          <a:xfrm>
-            <a:off x="6553200" y="4767263"/>
-            <a:ext cx="2133600" cy="273844"/>
-          </a:xfrm>
-          <a:prstGeom prst="rect">
-            <a:avLst/>
-          </a:prstGeom>
-        </p:spPr>
-        <p:txBody>
-          <a:bodyPr anchor="ctr" bIns="45720" lIns="91440" rIns="91440" rtlCol="0" tIns="45720" vert="horz"/>
-          <a:lstStyle>
-            <a:lvl1pPr algn="r">
-              <a:defRPr sz="900">
-                <a:solidFill>
-                  <a:schemeClr val="tx1">
-                    <a:tint val="75000"/>
-                  </a:schemeClr>
-                </a:solidFill>
-              </a:defRPr>
-            </a:lvl1pPr>
-          </a:lstStyle>
-          <a:p>
-            <a:fld id="{C5EF2332-01BF-834F-8236-50238282D533}" type="slidenum">
-              <a:rPr lang="en-US" smtClean="0"/>
-              <a:t>‹#›</a:t>
-            </a:fld>
-            <a:endParaRPr lang="en-US"/>
           </a:p>
         </p:txBody>
       </p:sp>
     </p:spTree>
     <p:extLst>
       <p:ext uri="{BB962C8B-B14F-4D97-AF65-F5344CB8AC3E}">
-        <p14:creationId xmlns:p14="http://schemas.microsoft.com/office/powerpoint/2010/main" val="3676200875"/>
+        <p14:creationId xmlns:p14="http://schemas.microsoft.com/office/powerpoint/2010/main" val="112940305"/>
       </p:ext>
     </p:extLst>
   </p:cSld>
@@ -2833,12 +3165,15 @@
   </p:sldLayoutIdLst>
   <p:txStyles>
     <p:titleStyle>
-      <a:lvl1pPr algn="ctr" defTabSz="342900" eaLnBrk="1" hangingPunct="1" latinLnBrk="0" rtl="0">
+      <a:lvl1pPr algn="l" defTabSz="914400" eaLnBrk="1" hangingPunct="1" latinLnBrk="0" rtl="0">
+        <a:lnSpc>
+          <a:spcPct val="90000"/>
+        </a:lnSpc>
         <a:spcBef>
           <a:spcPct val="0"/>
         </a:spcBef>
         <a:buNone/>
-        <a:defRPr kern="1200" sz="3300">
+        <a:defRPr kern="1200" sz="2800">
           <a:solidFill>
             <a:schemeClr val="tx1"/>
           </a:solidFill>
@@ -2849,13 +3184,16 @@
       </a:lvl1pPr>
     </p:titleStyle>
     <p:bodyStyle>
-      <a:lvl1pPr algn="l" defTabSz="342900" eaLnBrk="1" hangingPunct="1" indent="-342900" latinLnBrk="0" marL="342900" rtl="0">
+      <a:lvl1pPr algn="l" defTabSz="914400" eaLnBrk="1" hangingPunct="1" indent="-228600" latinLnBrk="0" marL="228600" rtl="0">
+        <a:lnSpc>
+          <a:spcPct val="90000"/>
+        </a:lnSpc>
         <a:spcBef>
-          <a:spcPct val="20000"/>
+          <a:spcPts val="1000"/>
         </a:spcBef>
-        <a:buFont typeface="Arial"/>
+        <a:buFont charset="0" panose="020B0604020202020204" pitchFamily="34" typeface="Arial"/>
         <a:buChar char="•"/>
-        <a:defRPr kern="1200" sz="2400">
+        <a:defRPr kern="1200" sz="2000">
           <a:solidFill>
             <a:schemeClr val="tx1"/>
           </a:solidFill>
@@ -2864,26 +3202,14 @@
           <a:cs typeface="+mn-cs"/>
         </a:defRPr>
       </a:lvl1pPr>
-      <a:lvl2pPr algn="l" defTabSz="342900" eaLnBrk="1" hangingPunct="1" indent="-342900" latinLnBrk="0" marL="685800" rtl="0">
+      <a:lvl2pPr algn="l" defTabSz="914400" eaLnBrk="1" hangingPunct="1" indent="-228600" latinLnBrk="0" marL="685800" rtl="0">
+        <a:lnSpc>
+          <a:spcPct val="90000"/>
+        </a:lnSpc>
         <a:spcBef>
-          <a:spcPct val="20000"/>
+          <a:spcPts val="500"/>
         </a:spcBef>
-        <a:buFont typeface="Arial"/>
-        <a:buChar char="–"/>
-        <a:defRPr kern="1200" sz="2100">
-          <a:solidFill>
-            <a:schemeClr val="tx1"/>
-          </a:solidFill>
-          <a:latin typeface="+mn-lt"/>
-          <a:ea typeface="+mn-ea"/>
-          <a:cs typeface="+mn-cs"/>
-        </a:defRPr>
-      </a:lvl2pPr>
-      <a:lvl3pPr algn="l" defTabSz="342900" eaLnBrk="1" hangingPunct="1" indent="-342900" latinLnBrk="0" marL="1028700" rtl="0">
-        <a:spcBef>
-          <a:spcPct val="20000"/>
-        </a:spcBef>
-        <a:buFont typeface="Arial"/>
+        <a:buFont charset="0" panose="020B0604020202020204" pitchFamily="34" typeface="Arial"/>
         <a:buChar char="•"/>
         <a:defRPr kern="1200" sz="1800">
           <a:solidFill>
@@ -2893,14 +3219,35 @@
           <a:ea typeface="+mn-ea"/>
           <a:cs typeface="+mn-cs"/>
         </a:defRPr>
+      </a:lvl2pPr>
+      <a:lvl3pPr algn="l" defTabSz="914400" eaLnBrk="1" hangingPunct="1" indent="-228600" latinLnBrk="0" marL="1143000" rtl="0">
+        <a:lnSpc>
+          <a:spcPct val="90000"/>
+        </a:lnSpc>
+        <a:spcBef>
+          <a:spcPts val="500"/>
+        </a:spcBef>
+        <a:buFont charset="0" panose="020B0604020202020204" pitchFamily="34" typeface="Arial"/>
+        <a:buChar char="•"/>
+        <a:defRPr kern="1200" sz="1400">
+          <a:solidFill>
+            <a:schemeClr val="tx1"/>
+          </a:solidFill>
+          <a:latin typeface="+mn-lt"/>
+          <a:ea typeface="+mn-ea"/>
+          <a:cs typeface="+mn-cs"/>
+        </a:defRPr>
       </a:lvl3pPr>
-      <a:lvl4pPr algn="l" defTabSz="342900" eaLnBrk="1" hangingPunct="1" indent="-342900" latinLnBrk="0" marL="1371600" rtl="0">
+      <a:lvl4pPr algn="l" defTabSz="914400" eaLnBrk="1" hangingPunct="1" indent="-228600" latinLnBrk="0" marL="1600200" rtl="0">
+        <a:lnSpc>
+          <a:spcPct val="90000"/>
+        </a:lnSpc>
         <a:spcBef>
-          <a:spcPct val="20000"/>
+          <a:spcPts val="500"/>
         </a:spcBef>
-        <a:buFont typeface="Arial"/>
-        <a:buChar char="–"/>
-        <a:defRPr kern="1200" sz="1500">
+        <a:buFont charset="0" panose="020B0604020202020204" pitchFamily="34" typeface="Arial"/>
+        <a:buChar char="•"/>
+        <a:defRPr kern="1200" sz="1200">
           <a:solidFill>
             <a:schemeClr val="tx1"/>
           </a:solidFill>
@@ -2909,13 +3256,16 @@
           <a:cs typeface="+mn-cs"/>
         </a:defRPr>
       </a:lvl4pPr>
-      <a:lvl5pPr algn="l" defTabSz="342900" eaLnBrk="1" hangingPunct="1" indent="-342900" latinLnBrk="0" marL="1714500" rtl="0">
+      <a:lvl5pPr algn="l" defTabSz="914400" eaLnBrk="1" hangingPunct="1" indent="-228600" latinLnBrk="0" marL="2057400" rtl="0">
+        <a:lnSpc>
+          <a:spcPct val="90000"/>
+        </a:lnSpc>
         <a:spcBef>
-          <a:spcPct val="20000"/>
+          <a:spcPts val="500"/>
         </a:spcBef>
-        <a:buFont typeface="Arial"/>
-        <a:buChar char="»"/>
-        <a:defRPr kern="1200" sz="1500">
+        <a:buFont charset="0" panose="020B0604020202020204" pitchFamily="34" typeface="Arial"/>
+        <a:buChar char="•"/>
+        <a:defRPr kern="1200" sz="1100">
           <a:solidFill>
             <a:schemeClr val="tx1"/>
           </a:solidFill>
@@ -2924,13 +3274,16 @@
           <a:cs typeface="+mn-cs"/>
         </a:defRPr>
       </a:lvl5pPr>
-      <a:lvl6pPr algn="l" defTabSz="342900" eaLnBrk="1" hangingPunct="1" indent="-342900" latinLnBrk="0" marL="2057400" rtl="0">
+      <a:lvl6pPr algn="l" defTabSz="914400" eaLnBrk="1" hangingPunct="1" indent="-228600" latinLnBrk="0" marL="2514600" rtl="0">
+        <a:lnSpc>
+          <a:spcPct val="90000"/>
+        </a:lnSpc>
         <a:spcBef>
-          <a:spcPct val="20000"/>
+          <a:spcPts val="500"/>
         </a:spcBef>
-        <a:buFont typeface="Arial"/>
+        <a:buFont charset="0" panose="020B0604020202020204" pitchFamily="34" typeface="Arial"/>
         <a:buChar char="•"/>
-        <a:defRPr kern="1200" sz="1500">
+        <a:defRPr kern="1200" sz="1800">
           <a:solidFill>
             <a:schemeClr val="tx1"/>
           </a:solidFill>
@@ -2939,13 +3292,16 @@
           <a:cs typeface="+mn-cs"/>
         </a:defRPr>
       </a:lvl6pPr>
-      <a:lvl7pPr algn="l" defTabSz="342900" eaLnBrk="1" hangingPunct="1" indent="-342900" latinLnBrk="0" marL="2400300" rtl="0">
+      <a:lvl7pPr algn="l" defTabSz="914400" eaLnBrk="1" hangingPunct="1" indent="-228600" latinLnBrk="0" marL="2971800" rtl="0">
+        <a:lnSpc>
+          <a:spcPct val="90000"/>
+        </a:lnSpc>
         <a:spcBef>
-          <a:spcPct val="20000"/>
+          <a:spcPts val="500"/>
         </a:spcBef>
-        <a:buFont typeface="Arial"/>
+        <a:buFont charset="0" panose="020B0604020202020204" pitchFamily="34" typeface="Arial"/>
         <a:buChar char="•"/>
-        <a:defRPr kern="1200" sz="1500">
+        <a:defRPr kern="1200" sz="1800">
           <a:solidFill>
             <a:schemeClr val="tx1"/>
           </a:solidFill>
@@ -2954,13 +3310,16 @@
           <a:cs typeface="+mn-cs"/>
         </a:defRPr>
       </a:lvl7pPr>
-      <a:lvl8pPr algn="l" defTabSz="342900" eaLnBrk="1" hangingPunct="1" indent="-342900" latinLnBrk="0" marL="2743200" rtl="0">
+      <a:lvl8pPr algn="l" defTabSz="914400" eaLnBrk="1" hangingPunct="1" indent="-228600" latinLnBrk="0" marL="3429000" rtl="0">
+        <a:lnSpc>
+          <a:spcPct val="90000"/>
+        </a:lnSpc>
         <a:spcBef>
-          <a:spcPct val="20000"/>
+          <a:spcPts val="500"/>
         </a:spcBef>
-        <a:buFont typeface="Arial"/>
+        <a:buFont charset="0" panose="020B0604020202020204" pitchFamily="34" typeface="Arial"/>
         <a:buChar char="•"/>
-        <a:defRPr kern="1200" sz="1500">
+        <a:defRPr kern="1200" sz="1800">
           <a:solidFill>
             <a:schemeClr val="tx1"/>
           </a:solidFill>
@@ -2969,13 +3328,16 @@
           <a:cs typeface="+mn-cs"/>
         </a:defRPr>
       </a:lvl8pPr>
-      <a:lvl9pPr algn="l" defTabSz="342900" eaLnBrk="1" hangingPunct="1" indent="-342900" latinLnBrk="0" marL="3086100" rtl="0">
+      <a:lvl9pPr algn="l" defTabSz="914400" eaLnBrk="1" hangingPunct="1" indent="-228600" latinLnBrk="0" marL="3886200" rtl="0">
+        <a:lnSpc>
+          <a:spcPct val="90000"/>
+        </a:lnSpc>
         <a:spcBef>
-          <a:spcPct val="20000"/>
+          <a:spcPts val="500"/>
         </a:spcBef>
-        <a:buFont typeface="Arial"/>
+        <a:buFont charset="0" panose="020B0604020202020204" pitchFamily="34" typeface="Arial"/>
         <a:buChar char="•"/>
-        <a:defRPr kern="1200" sz="1500">
+        <a:defRPr kern="1200" sz="1800">
           <a:solidFill>
             <a:schemeClr val="tx1"/>
           </a:solidFill>
@@ -2989,8 +3351,8 @@
       <a:defPPr>
         <a:defRPr lang="en-US"/>
       </a:defPPr>
-      <a:lvl1pPr algn="l" defTabSz="342900" eaLnBrk="1" hangingPunct="1" latinLnBrk="0" marL="0" rtl="0">
-        <a:defRPr kern="1200" sz="1350">
+      <a:lvl1pPr algn="l" defTabSz="914400" eaLnBrk="1" hangingPunct="1" latinLnBrk="0" marL="0" rtl="0">
+        <a:defRPr kern="1200" sz="1800">
           <a:solidFill>
             <a:schemeClr val="tx1"/>
           </a:solidFill>
@@ -2999,8 +3361,8 @@
           <a:cs typeface="+mn-cs"/>
         </a:defRPr>
       </a:lvl1pPr>
-      <a:lvl2pPr algn="l" defTabSz="342900" eaLnBrk="1" hangingPunct="1" latinLnBrk="0" marL="342900" rtl="0">
-        <a:defRPr kern="1200" sz="1350">
+      <a:lvl2pPr algn="l" defTabSz="914400" eaLnBrk="1" hangingPunct="1" latinLnBrk="0" marL="457200" rtl="0">
+        <a:defRPr kern="1200" sz="1800">
           <a:solidFill>
             <a:schemeClr val="tx1"/>
           </a:solidFill>
@@ -3009,8 +3371,8 @@
           <a:cs typeface="+mn-cs"/>
         </a:defRPr>
       </a:lvl2pPr>
-      <a:lvl3pPr algn="l" defTabSz="342900" eaLnBrk="1" hangingPunct="1" latinLnBrk="0" marL="685800" rtl="0">
-        <a:defRPr kern="1200" sz="1350">
+      <a:lvl3pPr algn="l" defTabSz="914400" eaLnBrk="1" hangingPunct="1" latinLnBrk="0" marL="914400" rtl="0">
+        <a:defRPr kern="1200" sz="1800">
           <a:solidFill>
             <a:schemeClr val="tx1"/>
           </a:solidFill>
@@ -3019,8 +3381,8 @@
           <a:cs typeface="+mn-cs"/>
         </a:defRPr>
       </a:lvl3pPr>
-      <a:lvl4pPr algn="l" defTabSz="342900" eaLnBrk="1" hangingPunct="1" latinLnBrk="0" marL="1028700" rtl="0">
-        <a:defRPr kern="1200" sz="1350">
+      <a:lvl4pPr algn="l" defTabSz="914400" eaLnBrk="1" hangingPunct="1" latinLnBrk="0" marL="1371600" rtl="0">
+        <a:defRPr kern="1200" sz="1800">
           <a:solidFill>
             <a:schemeClr val="tx1"/>
           </a:solidFill>
@@ -3029,8 +3391,8 @@
           <a:cs typeface="+mn-cs"/>
         </a:defRPr>
       </a:lvl4pPr>
-      <a:lvl5pPr algn="l" defTabSz="342900" eaLnBrk="1" hangingPunct="1" latinLnBrk="0" marL="1371600" rtl="0">
-        <a:defRPr kern="1200" sz="1350">
+      <a:lvl5pPr algn="l" defTabSz="914400" eaLnBrk="1" hangingPunct="1" latinLnBrk="0" marL="1828800" rtl="0">
+        <a:defRPr kern="1200" sz="1800">
           <a:solidFill>
             <a:schemeClr val="tx1"/>
           </a:solidFill>
@@ -3039,8 +3401,8 @@
           <a:cs typeface="+mn-cs"/>
         </a:defRPr>
       </a:lvl5pPr>
-      <a:lvl6pPr algn="l" defTabSz="342900" eaLnBrk="1" hangingPunct="1" latinLnBrk="0" marL="1714500" rtl="0">
-        <a:defRPr kern="1200" sz="1350">
+      <a:lvl6pPr algn="l" defTabSz="914400" eaLnBrk="1" hangingPunct="1" latinLnBrk="0" marL="2286000" rtl="0">
+        <a:defRPr kern="1200" sz="1800">
           <a:solidFill>
             <a:schemeClr val="tx1"/>
           </a:solidFill>
@@ -3049,8 +3411,8 @@
           <a:cs typeface="+mn-cs"/>
         </a:defRPr>
       </a:lvl6pPr>
-      <a:lvl7pPr algn="l" defTabSz="342900" eaLnBrk="1" hangingPunct="1" latinLnBrk="0" marL="2057400" rtl="0">
-        <a:defRPr kern="1200" sz="1350">
+      <a:lvl7pPr algn="l" defTabSz="914400" eaLnBrk="1" hangingPunct="1" latinLnBrk="0" marL="2743200" rtl="0">
+        <a:defRPr kern="1200" sz="1800">
           <a:solidFill>
             <a:schemeClr val="tx1"/>
           </a:solidFill>
@@ -3059,8 +3421,8 @@
           <a:cs typeface="+mn-cs"/>
         </a:defRPr>
       </a:lvl7pPr>
-      <a:lvl8pPr algn="l" defTabSz="342900" eaLnBrk="1" hangingPunct="1" latinLnBrk="0" marL="2400300" rtl="0">
-        <a:defRPr kern="1200" sz="1350">
+      <a:lvl8pPr algn="l" defTabSz="914400" eaLnBrk="1" hangingPunct="1" latinLnBrk="0" marL="3200400" rtl="0">
+        <a:defRPr kern="1200" sz="1800">
           <a:solidFill>
             <a:schemeClr val="tx1"/>
           </a:solidFill>
@@ -3069,8 +3431,8 @@
           <a:cs typeface="+mn-cs"/>
         </a:defRPr>
       </a:lvl8pPr>
-      <a:lvl9pPr algn="l" defTabSz="342900" eaLnBrk="1" hangingPunct="1" latinLnBrk="0" marL="2743200" rtl="0">
-        <a:defRPr kern="1200" sz="1350">
+      <a:lvl9pPr algn="l" defTabSz="914400" eaLnBrk="1" hangingPunct="1" latinLnBrk="0" marL="3657600" rtl="0">
+        <a:defRPr kern="1200" sz="1800">
           <a:solidFill>
             <a:schemeClr val="tx1"/>
           </a:solidFill>
@@ -3103,7 +3465,13 @@
       </p:grpSpPr>
       <p:sp>
         <p:nvSpPr>
-          <p:cNvPr id="2" name="Title 1"/>
+          <p:cNvPr id="2" name="Title 1">
+            <a:extLst>
+              <a:ext uri="{FF2B5EF4-FFF2-40B4-BE49-F238E27FC236}">
+                <a16:creationId xmlns:a16="http://schemas.microsoft.com/office/drawing/2014/main" id="{0CDDC620-4D11-0AF6-A025-C03CAE000DB9}"/>
+              </a:ext>
+            </a:extLst>
+          </p:cNvPr>
           <p:cNvSpPr>
             <a:spLocks noGrp="1"/>
           </p:cNvSpPr>
@@ -3113,8 +3481,8 @@
         </p:nvSpPr>
         <p:spPr>
           <a:xfrm>
-            <a:off x="685800" y="1597819"/>
-            <a:ext cx="7772400" cy="1102519"/>
+            <a:off x="1524000" y="1122363"/>
+            <a:ext cx="9144000" cy="2387600"/>
           </a:xfrm>
         </p:spPr>
         <p:txBody>
@@ -3133,7 +3501,13 @@
       </p:sp>
       <p:sp>
         <p:nvSpPr>
-          <p:cNvPr id="3" name="Subtitle 2"/>
+          <p:cNvPr id="3" name="Subtitle 2">
+            <a:extLst>
+              <a:ext uri="{FF2B5EF4-FFF2-40B4-BE49-F238E27FC236}">
+                <a16:creationId xmlns:a16="http://schemas.microsoft.com/office/drawing/2014/main" id="{55F9DD14-A45F-4897-234E-BCE660EDFCBB}"/>
+              </a:ext>
+            </a:extLst>
+          </p:cNvPr>
           <p:cNvSpPr>
             <a:spLocks noGrp="1"/>
           </p:cNvSpPr>
@@ -3143,8 +3517,8 @@
         </p:nvSpPr>
         <p:spPr>
           <a:xfrm>
-            <a:off x="1371600" y="2914650"/>
-            <a:ext cx="6400800" cy="1314450"/>
+            <a:off x="1524000" y="3602038"/>
+            <a:ext cx="9144000" cy="1655762"/>
           </a:xfrm>
         </p:spPr>
         <p:txBody>
@@ -3187,7 +3561,13 @@
       </p:grpSpPr>
       <p:sp>
         <p:nvSpPr>
-          <p:cNvPr id="2" name="Title 1"/>
+          <p:cNvPr id="2" name="Title 1">
+            <a:extLst>
+              <a:ext uri="{FF2B5EF4-FFF2-40B4-BE49-F238E27FC236}">
+                <a16:creationId xmlns:a16="http://schemas.microsoft.com/office/drawing/2014/main" id="{5B5A117A-8A0F-CE1B-C5F7-B39781211F36}"/>
+              </a:ext>
+            </a:extLst>
+          </p:cNvPr>
           <p:cNvSpPr>
             <a:spLocks noGrp="1"/>
           </p:cNvSpPr>
@@ -3212,7 +3592,13 @@
       </p:sp>
       <p:sp>
         <p:nvSpPr>
-          <p:cNvPr id="3" name="Content Placeholder 2"/>
+          <p:cNvPr id="3" name="Content Placeholder 2">
+            <a:extLst>
+              <a:ext uri="{FF2B5EF4-FFF2-40B4-BE49-F238E27FC236}">
+                <a16:creationId xmlns:a16="http://schemas.microsoft.com/office/drawing/2014/main" id="{265F856C-753B-EE11-7357-A995CF4114E0}"/>
+              </a:ext>
+            </a:extLst>
+          </p:cNvPr>
           <p:cNvSpPr>
             <a:spLocks noGrp="1"/>
           </p:cNvSpPr>
@@ -3228,49 +3614,28 @@
             <a:pPr lvl="0"/>
             <a:r>
               <a:rPr/>
-              <a:t>Two sets of datasets explored</a:t>
+              <a:t>choose more informative variable could reduce the use of matching variables</a:t>
             </a:r>
           </a:p>
           <a:p>
             <a:pPr lvl="1"/>
             <a:r>
               <a:rPr/>
-              <a:t>Products on Amazon &amp; Google</a:t>
+              <a:t>name + soc_sec_id vs name + address + suburb</a:t>
+            </a:r>
+          </a:p>
+          <a:p>
+            <a:pPr lvl="0"/>
+            <a:r>
+              <a:rPr/>
+              <a:t>number of matches &amp; jaccard index vs threshold probabilities</a:t>
             </a:r>
           </a:p>
           <a:p>
             <a:pPr lvl="1"/>
             <a:r>
               <a:rPr/>
-              <a:t>fictious dataset from Freely Extensible Biomedical Record Linkage</a:t>
-            </a:r>
-          </a:p>
-          <a:p>
-            <a:pPr lvl="0"/>
-            <a:r>
-              <a:rPr/>
-              <a:t>Empirical evidence of reduced effectiveness with long strings (e.g., product descriptions)</a:t>
-            </a:r>
-          </a:p>
-          <a:p>
-            <a:pPr lvl="1"/>
-            <a:r>
-              <a:rPr/>
-              <a:t>only 75 matches for Amazon (&gt;1000 rows) &amp; Google (&gt;3000 rows) product datasets</a:t>
-            </a:r>
-          </a:p>
-          <a:p>
-            <a:pPr lvl="0"/>
-            <a:r>
-              <a:rPr/>
-              <a:t>Avoid overly broad matching criteria / using too many variables</a:t>
-            </a:r>
-          </a:p>
-          <a:p>
-            <a:pPr lvl="1"/>
-            <a:r>
-              <a:rPr/>
-              <a:t>Inflate match rate (even over 100%), underestimate False Discovery Rate (FDR) and False Non-match Rate (FNR)</a:t>
+              <a:t>jaccard index = intersection size / union size</a:t>
             </a:r>
           </a:p>
           <a:p>
@@ -3285,7 +3650,37 @@
               <a:rPr>
                 <a:hlinkClick r:id="rId2"/>
               </a:rPr>
-              <a:t>https://github.com/ShimizuYukii/Entity-Resolution/blob/main/RS%20data/over_match.png</a:t>
+              <a:t>https://github.com/ShimizuYukii/Entity-Resolution/blob/main/RS%20data/address1%2Bsuburb.png</a:t>
+            </a:r>
+            <a:r>
+              <a:rPr/>
+              <a:t>”) (“</a:t>
+            </a:r>
+            <a:r>
+              <a:rPr>
+                <a:hlinkClick r:id="rId3"/>
+              </a:rPr>
+              <a:t>https://github.com/ShimizuYukii/Entity-Resolution/blob/main/RS%20data/soc_sec_id.png</a:t>
+            </a:r>
+            <a:r>
+              <a:rPr/>
+              <a:t>”) (“</a:t>
+            </a:r>
+            <a:r>
+              <a:rPr>
+                <a:hlinkClick r:id="rId4"/>
+              </a:rPr>
+              <a:t>https://github.com/ShimizuYukii/Entity-Resolution/blob/main/RS%20data/num_match%20vs%20prob.png</a:t>
+            </a:r>
+            <a:r>
+              <a:rPr/>
+              <a:t>”) (“</a:t>
+            </a:r>
+            <a:r>
+              <a:rPr>
+                <a:hlinkClick r:id="rId5"/>
+              </a:rPr>
+              <a:t>https://github.com/ShimizuYukii/Entity-Resolution/blob/main/RS%20data/jaccard%20vs%20prob.png</a:t>
             </a:r>
             <a:r>
               <a:rPr/>
@@ -3318,7 +3713,13 @@
       </p:grpSpPr>
       <p:sp>
         <p:nvSpPr>
-          <p:cNvPr id="2" name="Title 1"/>
+          <p:cNvPr id="2" name="Title 1">
+            <a:extLst>
+              <a:ext uri="{FF2B5EF4-FFF2-40B4-BE49-F238E27FC236}">
+                <a16:creationId xmlns:a16="http://schemas.microsoft.com/office/drawing/2014/main" id="{5B5A117A-8A0F-CE1B-C5F7-B39781211F36}"/>
+              </a:ext>
+            </a:extLst>
+          </p:cNvPr>
           <p:cNvSpPr>
             <a:spLocks noGrp="1"/>
           </p:cNvSpPr>
@@ -3336,146 +3737,6 @@
             </a:pPr>
             <a:r>
               <a:rPr/>
-              <a:t>Dataset</a:t>
-            </a:r>
-          </a:p>
-        </p:txBody>
-      </p:sp>
-      <p:sp>
-        <p:nvSpPr>
-          <p:cNvPr id="3" name="Content Placeholder 2"/>
-          <p:cNvSpPr>
-            <a:spLocks noGrp="1"/>
-          </p:cNvSpPr>
-          <p:nvPr>
-            <p:ph idx="1"/>
-          </p:nvPr>
-        </p:nvSpPr>
-        <p:spPr/>
-        <p:txBody>
-          <a:bodyPr/>
-          <a:lstStyle/>
-          <a:p>
-            <a:pPr lvl="0"/>
-            <a:r>
-              <a:rPr/>
-              <a:t>choose more informative variable could reduce the use of matching variables</a:t>
-            </a:r>
-          </a:p>
-          <a:p>
-            <a:pPr lvl="1"/>
-            <a:r>
-              <a:rPr/>
-              <a:t>name + soc_sec_id vs name + address + suburb</a:t>
-            </a:r>
-          </a:p>
-          <a:p>
-            <a:pPr lvl="0"/>
-            <a:r>
-              <a:rPr/>
-              <a:t>number of matches &amp; jaccard index vs threshold probabilities</a:t>
-            </a:r>
-          </a:p>
-          <a:p>
-            <a:pPr lvl="1"/>
-            <a:r>
-              <a:rPr/>
-              <a:t>jaccard index = intersection size / union size</a:t>
-            </a:r>
-          </a:p>
-          <a:p>
-            <a:pPr lvl="0" indent="0" marL="0">
-              <a:buNone/>
-            </a:pPr>
-            <a:r>
-              <a:rPr/>
-              <a:t>(“</a:t>
-            </a:r>
-            <a:r>
-              <a:rPr>
-                <a:hlinkClick r:id="rId2"/>
-              </a:rPr>
-              <a:t>https://github.com/ShimizuYukii/Entity-Resolution/blob/main/RS%20data/address1%2Bsuburb.png</a:t>
-            </a:r>
-            <a:r>
-              <a:rPr/>
-              <a:t>”) (“</a:t>
-            </a:r>
-            <a:r>
-              <a:rPr>
-                <a:hlinkClick r:id="rId3"/>
-              </a:rPr>
-              <a:t>https://github.com/ShimizuYukii/Entity-Resolution/blob/main/RS%20data/soc_sec_id.png</a:t>
-            </a:r>
-            <a:r>
-              <a:rPr/>
-              <a:t>”) (“</a:t>
-            </a:r>
-            <a:r>
-              <a:rPr>
-                <a:hlinkClick r:id="rId4"/>
-              </a:rPr>
-              <a:t>https://github.com/ShimizuYukii/Entity-Resolution/blob/main/RS%20data/num_match%20vs%20prob.png</a:t>
-            </a:r>
-            <a:r>
-              <a:rPr/>
-              <a:t>”) (“</a:t>
-            </a:r>
-            <a:r>
-              <a:rPr>
-                <a:hlinkClick r:id="rId5"/>
-              </a:rPr>
-              <a:t>https://github.com/ShimizuYukii/Entity-Resolution/blob/main/RS%20data/jaccard%20vs%20prob.png</a:t>
-            </a:r>
-            <a:r>
-              <a:rPr/>
-              <a:t>”)</a:t>
-            </a:r>
-          </a:p>
-        </p:txBody>
-      </p:sp>
-    </p:spTree>
-  </p:cSld>
-</p:sld>
-</file>
-
-<file path=ppt/slides/slide12.xml><?xml version="1.0" encoding="utf-8"?>
-<p:sld xmlns:a="http://schemas.openxmlformats.org/drawingml/2006/main" xmlns:r="http://schemas.openxmlformats.org/officeDocument/2006/relationships" xmlns:p="http://schemas.openxmlformats.org/presentationml/2006/main">
-  <p:cSld>
-    <p:spTree>
-      <p:nvGrpSpPr>
-        <p:cNvPr id="1" name=""/>
-        <p:cNvGrpSpPr/>
-        <p:nvPr/>
-      </p:nvGrpSpPr>
-      <p:grpSpPr>
-        <a:xfrm>
-          <a:off x="0" y="0"/>
-          <a:ext cx="0" cy="0"/>
-          <a:chOff x="0" y="0"/>
-          <a:chExt cx="0" cy="0"/>
-        </a:xfrm>
-      </p:grpSpPr>
-      <p:sp>
-        <p:nvSpPr>
-          <p:cNvPr id="2" name="Title 1"/>
-          <p:cNvSpPr>
-            <a:spLocks noGrp="1"/>
-          </p:cNvSpPr>
-          <p:nvPr>
-            <p:ph type="title"/>
-          </p:nvPr>
-        </p:nvSpPr>
-        <p:spPr/>
-        <p:txBody>
-          <a:bodyPr/>
-          <a:lstStyle/>
-          <a:p>
-            <a:pPr lvl="0" indent="0" marL="0">
-              <a:buNone/>
-            </a:pPr>
-            <a:r>
-              <a:rPr/>
               <a:t>References</a:t>
             </a:r>
           </a:p>
@@ -3483,7 +3744,13 @@
       </p:sp>
       <p:sp>
         <p:nvSpPr>
-          <p:cNvPr id="3" name="Content Placeholder 2"/>
+          <p:cNvPr id="3" name="Content Placeholder 2">
+            <a:extLst>
+              <a:ext uri="{FF2B5EF4-FFF2-40B4-BE49-F238E27FC236}">
+                <a16:creationId xmlns:a16="http://schemas.microsoft.com/office/drawing/2014/main" id="{265F856C-753B-EE11-7357-A995CF4114E0}"/>
+              </a:ext>
+            </a:extLst>
+          </p:cNvPr>
           <p:cNvSpPr>
             <a:spLocks noGrp="1"/>
           </p:cNvSpPr>
@@ -3555,7 +3822,13 @@
       </p:grpSpPr>
       <p:sp>
         <p:nvSpPr>
-          <p:cNvPr id="2" name="Title 1"/>
+          <p:cNvPr id="2" name="Title 1">
+            <a:extLst>
+              <a:ext uri="{FF2B5EF4-FFF2-40B4-BE49-F238E27FC236}">
+                <a16:creationId xmlns:a16="http://schemas.microsoft.com/office/drawing/2014/main" id="{5B5A117A-8A0F-CE1B-C5F7-B39781211F36}"/>
+              </a:ext>
+            </a:extLst>
+          </p:cNvPr>
           <p:cNvSpPr>
             <a:spLocks noGrp="1"/>
           </p:cNvSpPr>
@@ -3580,7 +3853,13 @@
       </p:sp>
       <p:sp>
         <p:nvSpPr>
-          <p:cNvPr id="3" name="Content Placeholder 2"/>
+          <p:cNvPr id="3" name="Content Placeholder 2">
+            <a:extLst>
+              <a:ext uri="{FF2B5EF4-FFF2-40B4-BE49-F238E27FC236}">
+                <a16:creationId xmlns:a16="http://schemas.microsoft.com/office/drawing/2014/main" id="{265F856C-753B-EE11-7357-A995CF4114E0}"/>
+              </a:ext>
+            </a:extLst>
+          </p:cNvPr>
           <p:cNvSpPr>
             <a:spLocks noGrp="1"/>
           </p:cNvSpPr>
@@ -3674,7 +3953,13 @@
       </p:grpSpPr>
       <p:sp>
         <p:nvSpPr>
-          <p:cNvPr id="2" name="Title 1"/>
+          <p:cNvPr id="2" name="Title 1">
+            <a:extLst>
+              <a:ext uri="{FF2B5EF4-FFF2-40B4-BE49-F238E27FC236}">
+                <a16:creationId xmlns:a16="http://schemas.microsoft.com/office/drawing/2014/main" id="{5B5A117A-8A0F-CE1B-C5F7-B39781211F36}"/>
+              </a:ext>
+            </a:extLst>
+          </p:cNvPr>
           <p:cNvSpPr>
             <a:spLocks noGrp="1"/>
           </p:cNvSpPr>
@@ -3701,7 +3986,13 @@
         <mc:Choice xmlns:a14="http://schemas.microsoft.com/office/drawing/2010/main" Requires="a14">
           <p:sp>
             <p:nvSpPr>
-              <p:cNvPr id="3" name="Content Placeholder 2"/>
+              <p:cNvPr id="3" name="Content Placeholder 2">
+                <a:extLst>
+                  <a:ext uri="{FF2B5EF4-FFF2-40B4-BE49-F238E27FC236}">
+                    <a16:creationId xmlns:a16="http://schemas.microsoft.com/office/drawing/2014/main" id="{265F856C-753B-EE11-7357-A995CF4114E0}"/>
+                  </a:ext>
+                </a:extLst>
+              </p:cNvPr>
               <p:cNvSpPr>
                 <a:spLocks noGrp="1"/>
               </p:cNvSpPr>
@@ -4258,7 +4549,13 @@
       </p:grpSpPr>
       <p:sp>
         <p:nvSpPr>
-          <p:cNvPr id="2" name="Title 1"/>
+          <p:cNvPr id="2" name="Title 1">
+            <a:extLst>
+              <a:ext uri="{FF2B5EF4-FFF2-40B4-BE49-F238E27FC236}">
+                <a16:creationId xmlns:a16="http://schemas.microsoft.com/office/drawing/2014/main" id="{5B5A117A-8A0F-CE1B-C5F7-B39781211F36}"/>
+              </a:ext>
+            </a:extLst>
+          </p:cNvPr>
           <p:cNvSpPr>
             <a:spLocks noGrp="1"/>
           </p:cNvSpPr>
@@ -4285,7 +4582,13 @@
         <mc:Choice xmlns:a14="http://schemas.microsoft.com/office/drawing/2010/main" Requires="a14">
           <p:sp>
             <p:nvSpPr>
-              <p:cNvPr id="3" name="Content Placeholder 2"/>
+              <p:cNvPr id="3" name="Content Placeholder 2">
+                <a:extLst>
+                  <a:ext uri="{FF2B5EF4-FFF2-40B4-BE49-F238E27FC236}">
+                    <a16:creationId xmlns:a16="http://schemas.microsoft.com/office/drawing/2014/main" id="{265F856C-753B-EE11-7357-A995CF4114E0}"/>
+                  </a:ext>
+                </a:extLst>
+              </p:cNvPr>
               <p:cNvSpPr>
                 <a:spLocks noGrp="1"/>
               </p:cNvSpPr>
@@ -5099,7 +5402,13 @@
       </p:grpSpPr>
       <p:sp>
         <p:nvSpPr>
-          <p:cNvPr id="2" name="Title 1"/>
+          <p:cNvPr id="2" name="Title 1">
+            <a:extLst>
+              <a:ext uri="{FF2B5EF4-FFF2-40B4-BE49-F238E27FC236}">
+                <a16:creationId xmlns:a16="http://schemas.microsoft.com/office/drawing/2014/main" id="{5B5A117A-8A0F-CE1B-C5F7-B39781211F36}"/>
+              </a:ext>
+            </a:extLst>
+          </p:cNvPr>
           <p:cNvSpPr>
             <a:spLocks noGrp="1"/>
           </p:cNvSpPr>
@@ -5126,7 +5435,13 @@
         <mc:Choice xmlns:a14="http://schemas.microsoft.com/office/drawing/2010/main" Requires="a14">
           <p:sp>
             <p:nvSpPr>
-              <p:cNvPr id="3" name="Content Placeholder 2"/>
+              <p:cNvPr id="3" name="Content Placeholder 2">
+                <a:extLst>
+                  <a:ext uri="{FF2B5EF4-FFF2-40B4-BE49-F238E27FC236}">
+                    <a16:creationId xmlns:a16="http://schemas.microsoft.com/office/drawing/2014/main" id="{265F856C-753B-EE11-7357-A995CF4114E0}"/>
+                  </a:ext>
+                </a:extLst>
+              </p:cNvPr>
               <p:cNvSpPr>
                 <a:spLocks noGrp="1"/>
               </p:cNvSpPr>
@@ -5874,7 +6189,13 @@
       </p:grpSpPr>
       <p:sp>
         <p:nvSpPr>
-          <p:cNvPr id="2" name="Title 1"/>
+          <p:cNvPr id="2" name="Title 1">
+            <a:extLst>
+              <a:ext uri="{FF2B5EF4-FFF2-40B4-BE49-F238E27FC236}">
+                <a16:creationId xmlns:a16="http://schemas.microsoft.com/office/drawing/2014/main" id="{5B5A117A-8A0F-CE1B-C5F7-B39781211F36}"/>
+              </a:ext>
+            </a:extLst>
+          </p:cNvPr>
           <p:cNvSpPr>
             <a:spLocks noGrp="1"/>
           </p:cNvSpPr>
@@ -5892,7 +6213,158 @@
             </a:pPr>
             <a:r>
               <a:rPr/>
-              <a:t>Methodology</a:t>
+              <a:t>Package Implement</a:t>
+            </a:r>
+          </a:p>
+        </p:txBody>
+      </p:sp>
+      <p:sp>
+        <p:nvSpPr>
+          <p:cNvPr id="3" name="Content Placeholder 2">
+            <a:extLst>
+              <a:ext uri="{FF2B5EF4-FFF2-40B4-BE49-F238E27FC236}">
+                <a16:creationId xmlns:a16="http://schemas.microsoft.com/office/drawing/2014/main" id="{265F856C-753B-EE11-7357-A995CF4114E0}"/>
+              </a:ext>
+            </a:extLst>
+          </p:cNvPr>
+          <p:cNvSpPr>
+            <a:spLocks noGrp="1"/>
+          </p:cNvSpPr>
+          <p:nvPr>
+            <p:ph idx="1"/>
+          </p:nvPr>
+        </p:nvSpPr>
+        <p:spPr/>
+        <p:txBody>
+          <a:bodyPr/>
+          <a:lstStyle/>
+          <a:p>
+            <a:pPr lvl="0" indent="0" marL="0">
+              <a:buNone/>
+            </a:pPr>
+            <a:r>
+              <a:rPr/>
+              <a:t>Install the most recent version of “fastLink” package (version 0.6):</a:t>
+            </a:r>
+          </a:p>
+          <a:p>
+            <a:pPr lvl="0" indent="0">
+              <a:buNone/>
+            </a:pPr>
+            <a:r>
+              <a:rPr>
+                <a:solidFill>
+                  <a:srgbClr val="06287E"/>
+                </a:solidFill>
+                <a:latin typeface="Courier"/>
+              </a:rPr>
+              <a:t>library</a:t>
+            </a:r>
+            <a:r>
+              <a:rPr>
+                <a:latin typeface="Courier"/>
+              </a:rPr>
+              <a:t>(devtools)</a:t>
+            </a:r>
+            <a:br/>
+            <a:r>
+              <a:rPr>
+                <a:solidFill>
+                  <a:srgbClr val="06287E"/>
+                </a:solidFill>
+                <a:latin typeface="Courier"/>
+              </a:rPr>
+              <a:t>install_github</a:t>
+            </a:r>
+            <a:r>
+              <a:rPr>
+                <a:latin typeface="Courier"/>
+              </a:rPr>
+              <a:t>(</a:t>
+            </a:r>
+            <a:r>
+              <a:rPr>
+                <a:solidFill>
+                  <a:srgbClr val="4070A0"/>
+                </a:solidFill>
+                <a:latin typeface="Courier"/>
+              </a:rPr>
+              <a:t>"kosukeimai/fastLink"</a:t>
+            </a:r>
+            <a:r>
+              <a:rPr>
+                <a:latin typeface="Courier"/>
+              </a:rPr>
+              <a:t>,</a:t>
+            </a:r>
+            <a:r>
+              <a:rPr>
+                <a:solidFill>
+                  <a:srgbClr val="7D9029"/>
+                </a:solidFill>
+                <a:latin typeface="Courier"/>
+              </a:rPr>
+              <a:t>dependencies=</a:t>
+            </a:r>
+            <a:r>
+              <a:rPr>
+                <a:solidFill>
+                  <a:srgbClr val="880000"/>
+                </a:solidFill>
+                <a:latin typeface="Courier"/>
+              </a:rPr>
+              <a:t>TRUE</a:t>
+            </a:r>
+            <a:r>
+              <a:rPr>
+                <a:latin typeface="Courier"/>
+              </a:rPr>
+              <a:t>)</a:t>
+            </a:r>
+          </a:p>
+          <a:p>
+            <a:pPr lvl="0" indent="0">
+              <a:buNone/>
+            </a:pPr>
+            <a:r>
+              <a:rPr i="1">
+                <a:solidFill>
+                  <a:srgbClr val="BA2121"/>
+                </a:solidFill>
+                <a:latin typeface="Courier"/>
+              </a:rPr>
+              <a:t>## Load the package and data</a:t>
+            </a:r>
+            <a:br/>
+            <a:r>
+              <a:rPr>
+                <a:solidFill>
+                  <a:srgbClr val="06287E"/>
+                </a:solidFill>
+                <a:latin typeface="Courier"/>
+              </a:rPr>
+              <a:t>library</a:t>
+            </a:r>
+            <a:r>
+              <a:rPr>
+                <a:latin typeface="Courier"/>
+              </a:rPr>
+              <a:t>(fastLink)</a:t>
+            </a:r>
+          </a:p>
+          <a:p>
+            <a:pPr lvl="0" indent="0" marL="0">
+              <a:buNone/>
+            </a:pPr>
+            <a:r>
+              <a:rPr/>
+              <a:t>Tutorial Link: </a:t>
+            </a:r>
+            <a:r>
+              <a:rPr>
+                <a:hlinkClick r:id="rId2"/>
+              </a:rPr>
+              <a:t>https://github.com/kosukeimai/fastLink</a:t>
             </a:r>
           </a:p>
         </p:txBody>
@@ -5921,7 +6393,13 @@
       </p:grpSpPr>
       <p:sp>
         <p:nvSpPr>
-          <p:cNvPr id="2" name="Title 1"/>
+          <p:cNvPr id="2" name="Title 1">
+            <a:extLst>
+              <a:ext uri="{FF2B5EF4-FFF2-40B4-BE49-F238E27FC236}">
+                <a16:creationId xmlns:a16="http://schemas.microsoft.com/office/drawing/2014/main" id="{5B5A117A-8A0F-CE1B-C5F7-B39781211F36}"/>
+              </a:ext>
+            </a:extLst>
+          </p:cNvPr>
           <p:cNvSpPr>
             <a:spLocks noGrp="1"/>
           </p:cNvSpPr>
@@ -5946,7 +6424,13 @@
       </p:sp>
       <p:sp>
         <p:nvSpPr>
-          <p:cNvPr id="3" name="Content Placeholder 2"/>
+          <p:cNvPr id="3" name="Content Placeholder 2">
+            <a:extLst>
+              <a:ext uri="{FF2B5EF4-FFF2-40B4-BE49-F238E27FC236}">
+                <a16:creationId xmlns:a16="http://schemas.microsoft.com/office/drawing/2014/main" id="{265F856C-753B-EE11-7357-A995CF4114E0}"/>
+              </a:ext>
+            </a:extLst>
+          </p:cNvPr>
           <p:cNvSpPr>
             <a:spLocks noGrp="1"/>
           </p:cNvSpPr>
@@ -5959,18 +6443,30 @@
           <a:bodyPr/>
           <a:lstStyle/>
           <a:p>
-            <a:pPr lvl="0" indent="0" marL="0">
+            <a:pPr lvl="0" indent="0">
               <a:buNone/>
             </a:pPr>
             <a:r>
-              <a:rPr/>
-              <a:t>The required package for FastLink is called “fastLink”:</a:t>
-            </a:r>
-          </a:p>
-          <a:p>
-            <a:pPr lvl="0" indent="0">
-              <a:buNone/>
-            </a:pPr>
+              <a:rPr>
+                <a:latin typeface="Courier"/>
+              </a:rPr>
+              <a:t>matches.out </a:t>
+            </a:r>
+            <a:r>
+              <a:rPr>
+                <a:solidFill>
+                  <a:srgbClr val="007020"/>
+                </a:solidFill>
+                <a:latin typeface="Courier"/>
+              </a:rPr>
+              <a:t>&lt;-</a:t>
+            </a:r>
+            <a:r>
+              <a:rPr>
+                <a:latin typeface="Courier"/>
+              </a:rPr>
+              <a:t> </a:t>
+            </a:r>
             <a:r>
               <a:rPr>
                 <a:solidFill>
@@ -5978,7 +6474,81 @@
                 </a:solidFill>
                 <a:latin typeface="Courier"/>
               </a:rPr>
-              <a:t>install.packages</a:t>
+              <a:t>fastLink</a:t>
+            </a:r>
+            <a:r>
+              <a:rPr>
+                <a:latin typeface="Courier"/>
+              </a:rPr>
+              <a:t>(</a:t>
+            </a:r>
+            <a:br/>
+            <a:r>
+              <a:rPr>
+                <a:latin typeface="Courier"/>
+              </a:rPr>
+              <a:t>  </a:t>
+            </a:r>
+            <a:r>
+              <a:rPr>
+                <a:solidFill>
+                  <a:srgbClr val="7D9029"/>
+                </a:solidFill>
+                <a:latin typeface="Courier"/>
+              </a:rPr>
+              <a:t>dfA =</a:t>
+            </a:r>
+            <a:r>
+              <a:rPr>
+                <a:latin typeface="Courier"/>
+              </a:rPr>
+              <a:t> dfA, </a:t>
+            </a:r>
+            <a:r>
+              <a:rPr>
+                <a:solidFill>
+                  <a:srgbClr val="7D9029"/>
+                </a:solidFill>
+                <a:latin typeface="Courier"/>
+              </a:rPr>
+              <a:t>dfB =</a:t>
+            </a:r>
+            <a:r>
+              <a:rPr>
+                <a:latin typeface="Courier"/>
+              </a:rPr>
+              <a:t> dfB, </a:t>
+            </a:r>
+            <a:br/>
+            <a:r>
+              <a:rPr>
+                <a:latin typeface="Courier"/>
+              </a:rPr>
+              <a:t>  </a:t>
+            </a:r>
+            <a:r>
+              <a:rPr>
+                <a:solidFill>
+                  <a:srgbClr val="7D9029"/>
+                </a:solidFill>
+                <a:latin typeface="Courier"/>
+              </a:rPr>
+              <a:t>varnames =</a:t>
+            </a:r>
+            <a:r>
+              <a:rPr>
+                <a:latin typeface="Courier"/>
+              </a:rPr>
+              <a:t> </a:t>
+            </a:r>
+            <a:r>
+              <a:rPr>
+                <a:solidFill>
+                  <a:srgbClr val="06287E"/>
+                </a:solidFill>
+                <a:latin typeface="Courier"/>
+              </a:rPr>
+              <a:t>c</a:t>
             </a:r>
             <a:r>
               <a:rPr>
@@ -5993,28 +6563,81 @@
                 </a:solidFill>
                 <a:latin typeface="Courier"/>
               </a:rPr>
-              <a:t>"fastLink"</a:t>
+              <a:t>"given_name"</a:t>
             </a:r>
             <a:r>
               <a:rPr>
                 <a:latin typeface="Courier"/>
               </a:rPr>
-              <a:t>)</a:t>
-            </a:r>
-          </a:p>
-          <a:p>
-            <a:pPr lvl="0" indent="0" marL="0">
-              <a:buNone/>
-            </a:pPr>
-            <a:r>
-              <a:rPr/>
-              <a:t>Install the most recent version of “fastLink” package (version 0.6):</a:t>
-            </a:r>
-          </a:p>
-          <a:p>
-            <a:pPr lvl="0" indent="0">
-              <a:buNone/>
-            </a:pPr>
+              <a:t>, </a:t>
+            </a:r>
+            <a:r>
+              <a:rPr>
+                <a:solidFill>
+                  <a:srgbClr val="4070A0"/>
+                </a:solidFill>
+                <a:latin typeface="Courier"/>
+              </a:rPr>
+              <a:t>"surname"</a:t>
+            </a:r>
+            <a:r>
+              <a:rPr>
+                <a:latin typeface="Courier"/>
+              </a:rPr>
+              <a:t>, </a:t>
+            </a:r>
+            <a:r>
+              <a:rPr>
+                <a:solidFill>
+                  <a:srgbClr val="4070A0"/>
+                </a:solidFill>
+                <a:latin typeface="Courier"/>
+              </a:rPr>
+              <a:t>"address_1"</a:t>
+            </a:r>
+            <a:r>
+              <a:rPr>
+                <a:latin typeface="Courier"/>
+              </a:rPr>
+              <a:t>, </a:t>
+            </a:r>
+            <a:r>
+              <a:rPr>
+                <a:solidFill>
+                  <a:srgbClr val="4070A0"/>
+                </a:solidFill>
+                <a:latin typeface="Courier"/>
+              </a:rPr>
+              <a:t>"suburb"</a:t>
+            </a:r>
+            <a:r>
+              <a:rPr>
+                <a:latin typeface="Courier"/>
+              </a:rPr>
+              <a:t>),</a:t>
+            </a:r>
+            <a:br/>
+            <a:r>
+              <a:rPr>
+                <a:latin typeface="Courier"/>
+              </a:rPr>
+              <a:t>  </a:t>
+            </a:r>
+            <a:r>
+              <a:rPr>
+                <a:solidFill>
+                  <a:srgbClr val="7D9029"/>
+                </a:solidFill>
+                <a:latin typeface="Courier"/>
+              </a:rPr>
+              <a:t>stringdist.match =</a:t>
+            </a:r>
+            <a:r>
+              <a:rPr>
+                <a:latin typeface="Courier"/>
+              </a:rPr>
+              <a:t> </a:t>
+            </a:r>
             <a:r>
               <a:rPr>
                 <a:solidFill>
@@ -6022,15 +6645,66 @@
                 </a:solidFill>
                 <a:latin typeface="Courier"/>
               </a:rPr>
-              <a:t>library</a:t>
+              <a:t>c</a:t>
             </a:r>
             <a:r>
               <a:rPr>
                 <a:latin typeface="Courier"/>
               </a:rPr>
-              <a:t>(devtools)</a:t>
+              <a:t>(</a:t>
+            </a:r>
+            <a:r>
+              <a:rPr>
+                <a:solidFill>
+                  <a:srgbClr val="4070A0"/>
+                </a:solidFill>
+                <a:latin typeface="Courier"/>
+              </a:rPr>
+              <a:t>"given_name"</a:t>
+            </a:r>
+            <a:r>
+              <a:rPr>
+                <a:latin typeface="Courier"/>
+              </a:rPr>
+              <a:t>, </a:t>
+            </a:r>
+            <a:r>
+              <a:rPr>
+                <a:solidFill>
+                  <a:srgbClr val="4070A0"/>
+                </a:solidFill>
+                <a:latin typeface="Courier"/>
+              </a:rPr>
+              <a:t>"surname"</a:t>
+            </a:r>
+            <a:r>
+              <a:rPr>
+                <a:latin typeface="Courier"/>
+              </a:rPr>
+              <a:t>),</a:t>
             </a:r>
             <a:br/>
+            <a:r>
+              <a:rPr>
+                <a:latin typeface="Courier"/>
+              </a:rPr>
+              <a:t>  </a:t>
+            </a:r>
+            <a:r>
+              <a:rPr>
+                <a:solidFill>
+                  <a:srgbClr val="7D9029"/>
+                </a:solidFill>
+                <a:latin typeface="Courier"/>
+              </a:rPr>
+              <a:t>partial.match =</a:t>
+            </a:r>
+            <a:r>
+              <a:rPr>
+                <a:latin typeface="Courier"/>
+              </a:rPr>
+              <a:t> </a:t>
+            </a:r>
             <a:r>
               <a:rPr>
                 <a:solidFill>
@@ -6038,7 +6712,7 @@
                 </a:solidFill>
                 <a:latin typeface="Courier"/>
               </a:rPr>
-              <a:t>install_github</a:t>
+              <a:t>c</a:t>
             </a:r>
             <a:r>
               <a:rPr>
@@ -6053,13 +6727,35 @@
                 </a:solidFill>
                 <a:latin typeface="Courier"/>
               </a:rPr>
-              <a:t>"kosukeimai/fastLink"</a:t>
+              <a:t>"given_name"</a:t>
             </a:r>
             <a:r>
               <a:rPr>
                 <a:latin typeface="Courier"/>
               </a:rPr>
-              <a:t>,</a:t>
+              <a:t>, </a:t>
+            </a:r>
+            <a:r>
+              <a:rPr>
+                <a:solidFill>
+                  <a:srgbClr val="4070A0"/>
+                </a:solidFill>
+                <a:latin typeface="Courier"/>
+              </a:rPr>
+              <a:t>"surname"</a:t>
+            </a:r>
+            <a:r>
+              <a:rPr>
+                <a:latin typeface="Courier"/>
+              </a:rPr>
+              <a:t>),</a:t>
+            </a:r>
+            <a:br/>
+            <a:r>
+              <a:rPr>
+                <a:latin typeface="Courier"/>
+              </a:rPr>
+              <a:t>  </a:t>
             </a:r>
             <a:r>
               <a:rPr>
@@ -6068,7 +6764,13 @@
                 </a:solidFill>
                 <a:latin typeface="Courier"/>
               </a:rPr>
-              <a:t>dependencies=</a:t>
+              <a:t>return.all =</a:t>
+            </a:r>
+            <a:r>
+              <a:rPr>
+                <a:latin typeface="Courier"/>
+              </a:rPr>
+              <a:t> </a:t>
             </a:r>
             <a:r>
               <a:rPr>
@@ -6079,6 +6781,7 @@
               </a:rPr>
               <a:t>TRUE</a:t>
             </a:r>
+            <a:br/>
             <a:r>
               <a:rPr>
                 <a:latin typeface="Courier"/>
@@ -6092,7 +6795,7 @@
             </a:pPr>
             <a:r>
               <a:rPr/>
-              <a:t>Load the package in R:</a:t>
+              <a:t>The merged dataset can be accessed using the getMatches() function:</a:t>
             </a:r>
           </a:p>
           <a:p>
@@ -6100,15 +6803,26 @@
               <a:buNone/>
             </a:pPr>
             <a:r>
-              <a:rPr i="1">
+              <a:rPr>
+                <a:latin typeface="Courier"/>
+              </a:rPr>
+              <a:t>matched_dfs </a:t>
+            </a:r>
+            <a:r>
+              <a:rPr>
                 <a:solidFill>
-                  <a:srgbClr val="BA2121"/>
+                  <a:srgbClr val="007020"/>
                 </a:solidFill>
                 <a:latin typeface="Courier"/>
               </a:rPr>
-              <a:t>## Load the package and data</a:t>
-            </a:r>
-            <a:br/>
+              <a:t>&lt;-</a:t>
+            </a:r>
+            <a:r>
+              <a:rPr>
+                <a:latin typeface="Courier"/>
+              </a:rPr>
+              <a:t> </a:t>
+            </a:r>
             <a:r>
               <a:rPr>
                 <a:solidFill>
@@ -6116,28 +6830,103 @@
                 </a:solidFill>
                 <a:latin typeface="Courier"/>
               </a:rPr>
-              <a:t>library</a:t>
+              <a:t>getMatches</a:t>
             </a:r>
             <a:r>
               <a:rPr>
                 <a:latin typeface="Courier"/>
               </a:rPr>
-              <a:t>(fastLink)</a:t>
-            </a:r>
-          </a:p>
-          <a:p>
-            <a:pPr lvl="0" indent="0" marL="0">
-              <a:buNone/>
-            </a:pPr>
-            <a:r>
-              <a:rPr/>
-              <a:t>Tutorial Link: </a:t>
-            </a:r>
-            <a:r>
-              <a:rPr>
-                <a:hlinkClick r:id="rId2"/>
-              </a:rPr>
-              <a:t>https://github.com/kosukeimai/fastLink</a:t>
+              <a:t>(</a:t>
+            </a:r>
+            <a:br/>
+            <a:r>
+              <a:rPr>
+                <a:latin typeface="Courier"/>
+              </a:rPr>
+              <a:t>  </a:t>
+            </a:r>
+            <a:r>
+              <a:rPr>
+                <a:solidFill>
+                  <a:srgbClr val="7D9029"/>
+                </a:solidFill>
+                <a:latin typeface="Courier"/>
+              </a:rPr>
+              <a:t>dfA =</a:t>
+            </a:r>
+            <a:r>
+              <a:rPr>
+                <a:latin typeface="Courier"/>
+              </a:rPr>
+              <a:t> dfA, </a:t>
+            </a:r>
+            <a:r>
+              <a:rPr>
+                <a:solidFill>
+                  <a:srgbClr val="7D9029"/>
+                </a:solidFill>
+                <a:latin typeface="Courier"/>
+              </a:rPr>
+              <a:t>dfB =</a:t>
+            </a:r>
+            <a:r>
+              <a:rPr>
+                <a:latin typeface="Courier"/>
+              </a:rPr>
+              <a:t> dfB, </a:t>
+            </a:r>
+            <a:br/>
+            <a:r>
+              <a:rPr>
+                <a:latin typeface="Courier"/>
+              </a:rPr>
+              <a:t>  </a:t>
+            </a:r>
+            <a:r>
+              <a:rPr>
+                <a:solidFill>
+                  <a:srgbClr val="7D9029"/>
+                </a:solidFill>
+                <a:latin typeface="Courier"/>
+              </a:rPr>
+              <a:t>fl.out =</a:t>
+            </a:r>
+            <a:r>
+              <a:rPr>
+                <a:latin typeface="Courier"/>
+              </a:rPr>
+              <a:t> matches.out, </a:t>
+            </a:r>
+            <a:r>
+              <a:rPr>
+                <a:solidFill>
+                  <a:srgbClr val="7D9029"/>
+                </a:solidFill>
+                <a:latin typeface="Courier"/>
+              </a:rPr>
+              <a:t>threshold.match =</a:t>
+            </a:r>
+            <a:r>
+              <a:rPr>
+                <a:latin typeface="Courier"/>
+              </a:rPr>
+              <a:t> </a:t>
+            </a:r>
+            <a:r>
+              <a:rPr>
+                <a:solidFill>
+                  <a:srgbClr val="40A070"/>
+                </a:solidFill>
+                <a:latin typeface="Courier"/>
+              </a:rPr>
+              <a:t>0.85</a:t>
+            </a:r>
+            <a:br/>
+            <a:r>
+              <a:rPr>
+                <a:latin typeface="Courier"/>
+              </a:rPr>
+              <a:t>)</a:t>
             </a:r>
           </a:p>
         </p:txBody>
@@ -6166,7 +6955,13 @@
       </p:grpSpPr>
       <p:sp>
         <p:nvSpPr>
-          <p:cNvPr id="2" name="Title 1"/>
+          <p:cNvPr id="2" name="Title 1">
+            <a:extLst>
+              <a:ext uri="{FF2B5EF4-FFF2-40B4-BE49-F238E27FC236}">
+                <a16:creationId xmlns:a16="http://schemas.microsoft.com/office/drawing/2014/main" id="{5B5A117A-8A0F-CE1B-C5F7-B39781211F36}"/>
+              </a:ext>
+            </a:extLst>
+          </p:cNvPr>
           <p:cNvSpPr>
             <a:spLocks noGrp="1"/>
           </p:cNvSpPr>
@@ -6191,7 +6986,13 @@
       </p:sp>
       <p:sp>
         <p:nvSpPr>
-          <p:cNvPr id="3" name="Content Placeholder 2"/>
+          <p:cNvPr id="3" name="Content Placeholder 2">
+            <a:extLst>
+              <a:ext uri="{FF2B5EF4-FFF2-40B4-BE49-F238E27FC236}">
+                <a16:creationId xmlns:a16="http://schemas.microsoft.com/office/drawing/2014/main" id="{265F856C-753B-EE11-7357-A995CF4114E0}"/>
+              </a:ext>
+            </a:extLst>
+          </p:cNvPr>
           <p:cNvSpPr>
             <a:spLocks noGrp="1"/>
           </p:cNvSpPr>
@@ -6204,499 +7005,38 @@
           <a:bodyPr/>
           <a:lstStyle/>
           <a:p>
-            <a:pPr lvl="0" indent="0" marL="0">
-              <a:buNone/>
-            </a:pPr>
+            <a:pPr lvl="0"/>
             <a:r>
               <a:rPr/>
-              <a:t>Run the entire algorithm:</a:t>
-            </a:r>
-          </a:p>
-          <a:p>
-            <a:pPr lvl="0" indent="0">
-              <a:buNone/>
-            </a:pPr>
-            <a:r>
-              <a:rPr>
-                <a:latin typeface="Courier"/>
-              </a:rPr>
-              <a:t>matches.out </a:t>
-            </a:r>
-            <a:r>
-              <a:rPr>
-                <a:solidFill>
-                  <a:srgbClr val="007020"/>
-                </a:solidFill>
-                <a:latin typeface="Courier"/>
-              </a:rPr>
-              <a:t>&lt;-</a:t>
-            </a:r>
-            <a:r>
-              <a:rPr>
-                <a:latin typeface="Courier"/>
-              </a:rPr>
-              <a:t> </a:t>
-            </a:r>
-            <a:r>
-              <a:rPr>
-                <a:solidFill>
-                  <a:srgbClr val="06287E"/>
-                </a:solidFill>
-                <a:latin typeface="Courier"/>
-              </a:rPr>
-              <a:t>fastLink</a:t>
-            </a:r>
-            <a:r>
-              <a:rPr>
-                <a:latin typeface="Courier"/>
-              </a:rPr>
-              <a:t>(</a:t>
-            </a:r>
-            <a:br/>
-            <a:r>
-              <a:rPr>
-                <a:latin typeface="Courier"/>
-              </a:rPr>
-              <a:t>  </a:t>
-            </a:r>
-            <a:r>
-              <a:rPr>
-                <a:solidFill>
-                  <a:srgbClr val="7D9029"/>
-                </a:solidFill>
-                <a:latin typeface="Courier"/>
-              </a:rPr>
-              <a:t>dfA =</a:t>
-            </a:r>
-            <a:r>
-              <a:rPr>
-                <a:latin typeface="Courier"/>
-              </a:rPr>
-              <a:t> dfA, </a:t>
-            </a:r>
-            <a:r>
-              <a:rPr>
-                <a:solidFill>
-                  <a:srgbClr val="7D9029"/>
-                </a:solidFill>
-                <a:latin typeface="Courier"/>
-              </a:rPr>
-              <a:t>dfB =</a:t>
-            </a:r>
-            <a:r>
-              <a:rPr>
-                <a:latin typeface="Courier"/>
-              </a:rPr>
-              <a:t> dfB, </a:t>
-            </a:r>
-            <a:br/>
-            <a:r>
-              <a:rPr>
-                <a:latin typeface="Courier"/>
-              </a:rPr>
-              <a:t>  </a:t>
-            </a:r>
-            <a:r>
-              <a:rPr>
-                <a:solidFill>
-                  <a:srgbClr val="7D9029"/>
-                </a:solidFill>
-                <a:latin typeface="Courier"/>
-              </a:rPr>
-              <a:t>varnames =</a:t>
-            </a:r>
-            <a:r>
-              <a:rPr>
-                <a:latin typeface="Courier"/>
-              </a:rPr>
-              <a:t> </a:t>
-            </a:r>
-            <a:r>
-              <a:rPr>
-                <a:solidFill>
-                  <a:srgbClr val="06287E"/>
-                </a:solidFill>
-                <a:latin typeface="Courier"/>
-              </a:rPr>
-              <a:t>c</a:t>
-            </a:r>
-            <a:r>
-              <a:rPr>
-                <a:latin typeface="Courier"/>
-              </a:rPr>
-              <a:t>(</a:t>
-            </a:r>
-            <a:r>
-              <a:rPr>
-                <a:solidFill>
-                  <a:srgbClr val="4070A0"/>
-                </a:solidFill>
-                <a:latin typeface="Courier"/>
-              </a:rPr>
-              <a:t>"given_name"</a:t>
-            </a:r>
-            <a:r>
-              <a:rPr>
-                <a:latin typeface="Courier"/>
-              </a:rPr>
-              <a:t>, </a:t>
-            </a:r>
-            <a:r>
-              <a:rPr>
-                <a:solidFill>
-                  <a:srgbClr val="4070A0"/>
-                </a:solidFill>
-                <a:latin typeface="Courier"/>
-              </a:rPr>
-              <a:t>"surname"</a:t>
-            </a:r>
-            <a:r>
-              <a:rPr>
-                <a:latin typeface="Courier"/>
-              </a:rPr>
-              <a:t>, </a:t>
-            </a:r>
-            <a:r>
-              <a:rPr>
-                <a:solidFill>
-                  <a:srgbClr val="4070A0"/>
-                </a:solidFill>
-                <a:latin typeface="Courier"/>
-              </a:rPr>
-              <a:t>"address_1"</a:t>
-            </a:r>
-            <a:r>
-              <a:rPr>
-                <a:latin typeface="Courier"/>
-              </a:rPr>
-              <a:t>, </a:t>
-            </a:r>
-            <a:r>
-              <a:rPr>
-                <a:solidFill>
-                  <a:srgbClr val="4070A0"/>
-                </a:solidFill>
-                <a:latin typeface="Courier"/>
-              </a:rPr>
-              <a:t>"suburb"</a:t>
-            </a:r>
-            <a:r>
-              <a:rPr>
-                <a:latin typeface="Courier"/>
-              </a:rPr>
-              <a:t>),</a:t>
-            </a:r>
-            <a:br/>
-            <a:r>
-              <a:rPr>
-                <a:latin typeface="Courier"/>
-              </a:rPr>
-              <a:t>  </a:t>
-            </a:r>
-            <a:r>
-              <a:rPr>
-                <a:solidFill>
-                  <a:srgbClr val="7D9029"/>
-                </a:solidFill>
-                <a:latin typeface="Courier"/>
-              </a:rPr>
-              <a:t>stringdist.match =</a:t>
-            </a:r>
-            <a:r>
-              <a:rPr>
-                <a:latin typeface="Courier"/>
-              </a:rPr>
-              <a:t> </a:t>
-            </a:r>
-            <a:r>
-              <a:rPr>
-                <a:solidFill>
-                  <a:srgbClr val="06287E"/>
-                </a:solidFill>
-                <a:latin typeface="Courier"/>
-              </a:rPr>
-              <a:t>c</a:t>
-            </a:r>
-            <a:r>
-              <a:rPr>
-                <a:latin typeface="Courier"/>
-              </a:rPr>
-              <a:t>(</a:t>
-            </a:r>
-            <a:r>
-              <a:rPr>
-                <a:solidFill>
-                  <a:srgbClr val="4070A0"/>
-                </a:solidFill>
-                <a:latin typeface="Courier"/>
-              </a:rPr>
-              <a:t>"given_name"</a:t>
-            </a:r>
-            <a:r>
-              <a:rPr>
-                <a:latin typeface="Courier"/>
-              </a:rPr>
-              <a:t>, </a:t>
-            </a:r>
-            <a:r>
-              <a:rPr>
-                <a:solidFill>
-                  <a:srgbClr val="4070A0"/>
-                </a:solidFill>
-                <a:latin typeface="Courier"/>
-              </a:rPr>
-              <a:t>"surname"</a:t>
-            </a:r>
-            <a:r>
-              <a:rPr>
-                <a:latin typeface="Courier"/>
-              </a:rPr>
-              <a:t>),</a:t>
-            </a:r>
-            <a:br/>
-            <a:r>
-              <a:rPr>
-                <a:latin typeface="Courier"/>
-              </a:rPr>
-              <a:t>  </a:t>
-            </a:r>
-            <a:r>
-              <a:rPr>
-                <a:solidFill>
-                  <a:srgbClr val="7D9029"/>
-                </a:solidFill>
-                <a:latin typeface="Courier"/>
-              </a:rPr>
-              <a:t>partial.match =</a:t>
-            </a:r>
-            <a:r>
-              <a:rPr>
-                <a:latin typeface="Courier"/>
-              </a:rPr>
-              <a:t> </a:t>
-            </a:r>
-            <a:r>
-              <a:rPr>
-                <a:solidFill>
-                  <a:srgbClr val="06287E"/>
-                </a:solidFill>
-                <a:latin typeface="Courier"/>
-              </a:rPr>
-              <a:t>c</a:t>
-            </a:r>
-            <a:r>
-              <a:rPr>
-                <a:latin typeface="Courier"/>
-              </a:rPr>
-              <a:t>(</a:t>
-            </a:r>
-            <a:r>
-              <a:rPr>
-                <a:solidFill>
-                  <a:srgbClr val="4070A0"/>
-                </a:solidFill>
-                <a:latin typeface="Courier"/>
-              </a:rPr>
-              <a:t>"given_name"</a:t>
-            </a:r>
-            <a:r>
-              <a:rPr>
-                <a:latin typeface="Courier"/>
-              </a:rPr>
-              <a:t>, </a:t>
-            </a:r>
-            <a:r>
-              <a:rPr>
-                <a:solidFill>
-                  <a:srgbClr val="4070A0"/>
-                </a:solidFill>
-                <a:latin typeface="Courier"/>
-              </a:rPr>
-              <a:t>"surname"</a:t>
-            </a:r>
-            <a:r>
-              <a:rPr>
-                <a:latin typeface="Courier"/>
-              </a:rPr>
-              <a:t>),</a:t>
-            </a:r>
-            <a:br/>
-            <a:r>
-              <a:rPr>
-                <a:latin typeface="Courier"/>
-              </a:rPr>
-              <a:t>  </a:t>
-            </a:r>
-            <a:r>
-              <a:rPr>
-                <a:solidFill>
-                  <a:srgbClr val="7D9029"/>
-                </a:solidFill>
-                <a:latin typeface="Courier"/>
-              </a:rPr>
-              <a:t>return.all =</a:t>
-            </a:r>
-            <a:r>
-              <a:rPr>
-                <a:latin typeface="Courier"/>
-              </a:rPr>
-              <a:t> </a:t>
-            </a:r>
-            <a:r>
-              <a:rPr>
-                <a:solidFill>
-                  <a:srgbClr val="880000"/>
-                </a:solidFill>
-                <a:latin typeface="Courier"/>
-              </a:rPr>
-              <a:t>TRUE</a:t>
-            </a:r>
-            <a:br/>
-            <a:r>
-              <a:rPr>
-                <a:latin typeface="Courier"/>
-              </a:rPr>
-              <a:t>)</a:t>
-            </a:r>
-          </a:p>
-          <a:p>
-            <a:pPr lvl="0" indent="0" marL="0">
-              <a:buNone/>
-            </a:pPr>
+              <a:t>Preprocessing Matches via Blocking: The blockData() function can block two datasets using one or more variables and various blocking techniques.</a:t>
+            </a:r>
+          </a:p>
+          <a:p>
+            <a:pPr lvl="0"/>
             <a:r>
               <a:rPr/>
-              <a:t>The merged dataset can be accessed using the getMatches() function:</a:t>
-            </a:r>
-          </a:p>
-          <a:p>
-            <a:pPr lvl="0" indent="0">
-              <a:buNone/>
-            </a:pPr>
-            <a:r>
-              <a:rPr>
-                <a:latin typeface="Courier"/>
-              </a:rPr>
-              <a:t>matched_dfs </a:t>
-            </a:r>
-            <a:r>
-              <a:rPr>
-                <a:solidFill>
-                  <a:srgbClr val="007020"/>
-                </a:solidFill>
-                <a:latin typeface="Courier"/>
-              </a:rPr>
-              <a:t>&lt;-</a:t>
-            </a:r>
-            <a:r>
-              <a:rPr>
-                <a:latin typeface="Courier"/>
-              </a:rPr>
-              <a:t> </a:t>
-            </a:r>
-            <a:r>
-              <a:rPr>
-                <a:solidFill>
-                  <a:srgbClr val="06287E"/>
-                </a:solidFill>
-                <a:latin typeface="Courier"/>
-              </a:rPr>
-              <a:t>getMatches</a:t>
-            </a:r>
-            <a:r>
-              <a:rPr>
-                <a:latin typeface="Courier"/>
-              </a:rPr>
-              <a:t>(</a:t>
-            </a:r>
-            <a:br/>
-            <a:r>
-              <a:rPr>
-                <a:latin typeface="Courier"/>
-              </a:rPr>
-              <a:t>  </a:t>
-            </a:r>
-            <a:r>
-              <a:rPr>
-                <a:solidFill>
-                  <a:srgbClr val="7D9029"/>
-                </a:solidFill>
-                <a:latin typeface="Courier"/>
-              </a:rPr>
-              <a:t>dfA =</a:t>
-            </a:r>
-            <a:r>
-              <a:rPr>
-                <a:latin typeface="Courier"/>
-              </a:rPr>
-              <a:t> dfA, </a:t>
-            </a:r>
-            <a:r>
-              <a:rPr>
-                <a:solidFill>
-                  <a:srgbClr val="7D9029"/>
-                </a:solidFill>
-                <a:latin typeface="Courier"/>
-              </a:rPr>
-              <a:t>dfB =</a:t>
-            </a:r>
-            <a:r>
-              <a:rPr>
-                <a:latin typeface="Courier"/>
-              </a:rPr>
-              <a:t> dfB, </a:t>
-            </a:r>
-            <a:br/>
-            <a:r>
-              <a:rPr>
-                <a:latin typeface="Courier"/>
-              </a:rPr>
-              <a:t>  </a:t>
-            </a:r>
-            <a:r>
-              <a:rPr>
-                <a:solidFill>
-                  <a:srgbClr val="7D9029"/>
-                </a:solidFill>
-                <a:latin typeface="Courier"/>
-              </a:rPr>
-              <a:t>fl.out =</a:t>
-            </a:r>
-            <a:r>
-              <a:rPr>
-                <a:latin typeface="Courier"/>
-              </a:rPr>
-              <a:t> matches.out, </a:t>
-            </a:r>
-            <a:r>
-              <a:rPr>
-                <a:solidFill>
-                  <a:srgbClr val="7D9029"/>
-                </a:solidFill>
-                <a:latin typeface="Courier"/>
-              </a:rPr>
-              <a:t>threshold.match =</a:t>
-            </a:r>
-            <a:r>
-              <a:rPr>
-                <a:latin typeface="Courier"/>
-              </a:rPr>
-              <a:t> </a:t>
-            </a:r>
-            <a:r>
-              <a:rPr>
-                <a:solidFill>
-                  <a:srgbClr val="40A070"/>
-                </a:solidFill>
-                <a:latin typeface="Courier"/>
-              </a:rPr>
-              <a:t>0.85</a:t>
-            </a:r>
-            <a:br/>
-            <a:r>
-              <a:rPr>
-                <a:latin typeface="Courier"/>
-              </a:rPr>
-              <a:t>)</a:t>
+              <a:t>Using Auxiliary Information to Inform fastLink: The algorithm could also incorporate auxiliary information on migration behavior to inform the matching of datasets over time.</a:t>
+            </a:r>
+          </a:p>
+          <a:p>
+            <a:pPr lvl="0"/>
+            <a:r>
+              <a:rPr/>
+              <a:t>Aggregating Multiple Matches Together: The algorithm can also aggregate multiple matches into a single summary using the aggregateEM() function.</a:t>
+            </a:r>
+          </a:p>
+          <a:p>
+            <a:pPr lvl="0"/>
+            <a:r>
+              <a:rPr/>
+              <a:t>Random Sampling with fastLink: The algorithm allows us to run the matching algorithm on a randomly selected smaller subset of data to be matched and then apply those estimates to the full sample of data.</a:t>
+            </a:r>
+          </a:p>
+          <a:p>
+            <a:pPr lvl="0"/>
+            <a:r>
+              <a:rPr/>
+              <a:t>Finding Duplicates within a Dataset via fastLink: The algorithm uses the probabilistic match algorithm to identify duplicated entries.</a:t>
             </a:r>
           </a:p>
         </p:txBody>
@@ -6725,7 +7065,13 @@
       </p:grpSpPr>
       <p:sp>
         <p:nvSpPr>
-          <p:cNvPr id="2" name="Title 1"/>
+          <p:cNvPr id="2" name="Title 1">
+            <a:extLst>
+              <a:ext uri="{FF2B5EF4-FFF2-40B4-BE49-F238E27FC236}">
+                <a16:creationId xmlns:a16="http://schemas.microsoft.com/office/drawing/2014/main" id="{5B5A117A-8A0F-CE1B-C5F7-B39781211F36}"/>
+              </a:ext>
+            </a:extLst>
+          </p:cNvPr>
           <p:cNvSpPr>
             <a:spLocks noGrp="1"/>
           </p:cNvSpPr>
@@ -6743,14 +7089,20 @@
             </a:pPr>
             <a:r>
               <a:rPr/>
-              <a:t>Package Implement</a:t>
-            </a:r>
-          </a:p>
-        </p:txBody>
-      </p:sp>
-      <p:sp>
-        <p:nvSpPr>
-          <p:cNvPr id="3" name="Content Placeholder 2"/>
+              <a:t>Dataset</a:t>
+            </a:r>
+          </a:p>
+        </p:txBody>
+      </p:sp>
+      <p:sp>
+        <p:nvSpPr>
+          <p:cNvPr id="3" name="Content Placeholder 2">
+            <a:extLst>
+              <a:ext uri="{FF2B5EF4-FFF2-40B4-BE49-F238E27FC236}">
+                <a16:creationId xmlns:a16="http://schemas.microsoft.com/office/drawing/2014/main" id="{265F856C-753B-EE11-7357-A995CF4114E0}"/>
+              </a:ext>
+            </a:extLst>
+          </p:cNvPr>
           <p:cNvSpPr>
             <a:spLocks noGrp="1"/>
           </p:cNvSpPr>
@@ -6766,35 +7118,68 @@
             <a:pPr lvl="0"/>
             <a:r>
               <a:rPr/>
-              <a:t>Preprocessing Matches via Blocking: The blockData() function can block two datasets using one or more variables and various blocking techniques.</a:t>
+              <a:t>Two sets of datasets explored</a:t>
+            </a:r>
+          </a:p>
+          <a:p>
+            <a:pPr lvl="1"/>
+            <a:r>
+              <a:rPr/>
+              <a:t>Products on Amazon &amp; Google</a:t>
+            </a:r>
+          </a:p>
+          <a:p>
+            <a:pPr lvl="1"/>
+            <a:r>
+              <a:rPr/>
+              <a:t>fictious dataset from Freely Extensible Biomedical Record Linkage</a:t>
             </a:r>
           </a:p>
           <a:p>
             <a:pPr lvl="0"/>
             <a:r>
               <a:rPr/>
-              <a:t>Using Auxiliary Information to Inform fastLink: The algorithm could also incorporate auxiliary information on migration behavior to inform the matching of datasets over time.</a:t>
+              <a:t>Empirical evidence of reduced effectiveness with long strings (e.g., product descriptions)</a:t>
+            </a:r>
+          </a:p>
+          <a:p>
+            <a:pPr lvl="1"/>
+            <a:r>
+              <a:rPr/>
+              <a:t>only 75 matches for Amazon (&gt;1000 rows) &amp; Google (&gt;3000 rows) product datasets</a:t>
             </a:r>
           </a:p>
           <a:p>
             <a:pPr lvl="0"/>
             <a:r>
               <a:rPr/>
-              <a:t>Aggregating Multiple Matches Together: The algorithm can also aggregate multiple matches into a single summary using the aggregateEM() function.</a:t>
-            </a:r>
-          </a:p>
-          <a:p>
-            <a:pPr lvl="0"/>
+              <a:t>Avoid overly broad matching criteria / using too many variables</a:t>
+            </a:r>
+          </a:p>
+          <a:p>
+            <a:pPr lvl="1"/>
             <a:r>
               <a:rPr/>
-              <a:t>Random Sampling with fastLink: The algorithm allows us to run the matching algorithm on a randomly selected smaller subset of data to be matched and then apply those estimates to the full sample of data.</a:t>
-            </a:r>
-          </a:p>
-          <a:p>
-            <a:pPr lvl="0"/>
+              <a:t>Inflate match rate (even over 100%), underestimate False Discovery Rate (FDR) and False Non-match Rate (FNR)</a:t>
+            </a:r>
+          </a:p>
+          <a:p>
+            <a:pPr lvl="0" indent="0" marL="0">
+              <a:buNone/>
+            </a:pPr>
             <a:r>
               <a:rPr/>
-              <a:t>Finding Duplicates within a Dataset via fastLink: The algorithm uses the probabilistic match algorithm to identify duplicated entries.</a:t>
+              <a:t>(“</a:t>
+            </a:r>
+            <a:r>
+              <a:rPr>
+                <a:hlinkClick r:id="rId2"/>
+              </a:rPr>
+              <a:t>https://github.com/ShimizuYukii/Entity-Resolution/blob/main/RS%20data/over_match.png</a:t>
+            </a:r>
+            <a:r>
+              <a:rPr/>
+              <a:t>”)</a:t>
             </a:r>
           </a:p>
         </p:txBody>
@@ -6815,44 +7200,44 @@
         <a:sysClr val="window" lastClr="FFFFFF"/>
       </a:lt1>
       <a:dk2>
-        <a:srgbClr val="1F497D"/>
+        <a:srgbClr val="0E2841"/>
       </a:dk2>
       <a:lt2>
-        <a:srgbClr val="EEECE1"/>
+        <a:srgbClr val="E8E8E8"/>
       </a:lt2>
       <a:accent1>
-        <a:srgbClr val="4F81BD"/>
+        <a:srgbClr val="156082"/>
       </a:accent1>
       <a:accent2>
-        <a:srgbClr val="C0504D"/>
+        <a:srgbClr val="E97132"/>
       </a:accent2>
       <a:accent3>
-        <a:srgbClr val="9BBB59"/>
+        <a:srgbClr val="196B24"/>
       </a:accent3>
       <a:accent4>
-        <a:srgbClr val="8064A2"/>
+        <a:srgbClr val="0F9ED5"/>
       </a:accent4>
       <a:accent5>
-        <a:srgbClr val="4BACC6"/>
+        <a:srgbClr val="A02B93"/>
       </a:accent5>
       <a:accent6>
-        <a:srgbClr val="F79646"/>
+        <a:srgbClr val="4EA72E"/>
       </a:accent6>
       <a:hlink>
-        <a:srgbClr val="0000FF"/>
+        <a:srgbClr val="467886"/>
       </a:hlink>
       <a:folHlink>
-        <a:srgbClr val="800080"/>
+        <a:srgbClr val="96607D"/>
       </a:folHlink>
     </a:clrScheme>
     <a:fontScheme name="Office">
       <a:majorFont>
-        <a:latin typeface="Calibri"/>
+        <a:latin typeface="Aptos Display" panose="02110004020202020204"/>
         <a:ea typeface=""/>
         <a:cs typeface=""/>
-        <a:font script="Jpan" typeface="ＭＳ Ｐゴシック"/>
+        <a:font script="Jpan" typeface="游ゴシック Light"/>
         <a:font script="Hang" typeface="맑은 고딕"/>
-        <a:font script="Hans" typeface="宋体"/>
+        <a:font script="Hans" typeface="等线 Light"/>
         <a:font script="Hant" typeface="新細明體"/>
         <a:font script="Arab" typeface="Times New Roman"/>
         <a:font script="Hebr" typeface="Times New Roman"/>
@@ -6880,14 +7265,31 @@
         <a:font script="Viet" typeface="Times New Roman"/>
         <a:font script="Uigh" typeface="Microsoft Uighur"/>
         <a:font script="Geor" typeface="Sylfaen"/>
+        <a:font script="Armn" typeface="Arial"/>
+        <a:font script="Bugi" typeface="Leelawadee UI"/>
+        <a:font script="Bopo" typeface="Microsoft JhengHei"/>
+        <a:font script="Java" typeface="Javanese Text"/>
+        <a:font script="Lisu" typeface="Segoe UI"/>
+        <a:font script="Mymr" typeface="Myanmar Text"/>
+        <a:font script="Nkoo" typeface="Ebrima"/>
+        <a:font script="Olck" typeface="Nirmala UI"/>
+        <a:font script="Osma" typeface="Ebrima"/>
+        <a:font script="Phag" typeface="Phagspa"/>
+        <a:font script="Syrn" typeface="Estrangelo Edessa"/>
+        <a:font script="Syrj" typeface="Estrangelo Edessa"/>
+        <a:font script="Syre" typeface="Estrangelo Edessa"/>
+        <a:font script="Sora" typeface="Nirmala UI"/>
+        <a:font script="Tale" typeface="Microsoft Tai Le"/>
+        <a:font script="Talu" typeface="Microsoft New Tai Lue"/>
+        <a:font script="Tfng" typeface="Ebrima"/>
       </a:majorFont>
       <a:minorFont>
-        <a:latin typeface="Calibri"/>
+        <a:latin typeface="Aptos" panose="02110004020202020204"/>
         <a:ea typeface=""/>
         <a:cs typeface=""/>
-        <a:font script="Jpan" typeface="ＭＳ Ｐゴシック"/>
+        <a:font script="Jpan" typeface="游ゴシック"/>
         <a:font script="Hang" typeface="맑은 고딕"/>
-        <a:font script="Hans" typeface="宋体"/>
+        <a:font script="Hans" typeface="等线"/>
         <a:font script="Hant" typeface="新細明體"/>
         <a:font script="Arab" typeface="Arial"/>
         <a:font script="Hebr" typeface="Arial"/>
@@ -6915,6 +7317,23 @@
         <a:font script="Viet" typeface="Arial"/>
         <a:font script="Uigh" typeface="Microsoft Uighur"/>
         <a:font script="Geor" typeface="Sylfaen"/>
+        <a:font script="Armn" typeface="Arial"/>
+        <a:font script="Bugi" typeface="Leelawadee UI"/>
+        <a:font script="Bopo" typeface="Microsoft JhengHei"/>
+        <a:font script="Java" typeface="Javanese Text"/>
+        <a:font script="Lisu" typeface="Segoe UI"/>
+        <a:font script="Mymr" typeface="Myanmar Text"/>
+        <a:font script="Nkoo" typeface="Ebrima"/>
+        <a:font script="Olck" typeface="Nirmala UI"/>
+        <a:font script="Osma" typeface="Ebrima"/>
+        <a:font script="Phag" typeface="Phagspa"/>
+        <a:font script="Syrn" typeface="Estrangelo Edessa"/>
+        <a:font script="Syrj" typeface="Estrangelo Edessa"/>
+        <a:font script="Syre" typeface="Estrangelo Edessa"/>
+        <a:font script="Sora" typeface="Nirmala UI"/>
+        <a:font script="Tale" typeface="Microsoft Tai Le"/>
+        <a:font script="Talu" typeface="Microsoft New Tai Lue"/>
+        <a:font script="Tfng" typeface="Ebrima"/>
       </a:minorFont>
     </a:fontScheme>
     <a:fmtScheme name="Office">
@@ -6926,180 +7345,136 @@
           <a:gsLst>
             <a:gs pos="0">
               <a:schemeClr val="phClr">
-                <a:tint val="50000"/>
-                <a:satMod val="300000"/>
+                <a:lumMod val="110000"/>
+                <a:satMod val="105000"/>
+                <a:tint val="67000"/>
               </a:schemeClr>
             </a:gs>
-            <a:gs pos="35000">
+            <a:gs pos="50000">
               <a:schemeClr val="phClr">
-                <a:tint val="37000"/>
-                <a:satMod val="300000"/>
+                <a:lumMod val="105000"/>
+                <a:satMod val="103000"/>
+                <a:tint val="73000"/>
               </a:schemeClr>
             </a:gs>
             <a:gs pos="100000">
               <a:schemeClr val="phClr">
-                <a:tint val="15000"/>
-                <a:satMod val="350000"/>
+                <a:lumMod val="105000"/>
+                <a:satMod val="109000"/>
+                <a:tint val="81000"/>
               </a:schemeClr>
             </a:gs>
           </a:gsLst>
-          <a:lin ang="16200000" scaled="1"/>
+          <a:lin ang="5400000" scaled="0"/>
         </a:gradFill>
         <a:gradFill rotWithShape="1">
           <a:gsLst>
             <a:gs pos="0">
               <a:schemeClr val="phClr">
-                <a:tint val="100000"/>
+                <a:satMod val="103000"/>
+                <a:lumMod val="102000"/>
+                <a:tint val="94000"/>
+              </a:schemeClr>
+            </a:gs>
+            <a:gs pos="50000">
+              <a:schemeClr val="phClr">
+                <a:satMod val="110000"/>
+                <a:lumMod val="100000"/>
                 <a:shade val="100000"/>
-                <a:satMod val="130000"/>
               </a:schemeClr>
             </a:gs>
             <a:gs pos="100000">
               <a:schemeClr val="phClr">
-                <a:tint val="50000"/>
-                <a:shade val="100000"/>
-                <a:satMod val="350000"/>
+                <a:lumMod val="99000"/>
+                <a:satMod val="120000"/>
+                <a:shade val="78000"/>
               </a:schemeClr>
             </a:gs>
           </a:gsLst>
-          <a:lin ang="16200000" scaled="0"/>
+          <a:lin ang="5400000" scaled="0"/>
         </a:gradFill>
       </a:fillStyleLst>
       <a:lnStyleLst>
-        <a:ln w="9525" cap="flat" cmpd="sng" algn="ctr">
+        <a:ln w="12700" cap="flat" cmpd="sng" algn="ctr">
           <a:solidFill>
-            <a:schemeClr val="phClr">
-              <a:shade val="95000"/>
-              <a:satMod val="105000"/>
-            </a:schemeClr>
+            <a:schemeClr val="phClr"/>
           </a:solidFill>
           <a:prstDash val="solid"/>
+          <a:miter lim="800000"/>
+        </a:ln>
+        <a:ln w="19050" cap="flat" cmpd="sng" algn="ctr">
+          <a:solidFill>
+            <a:schemeClr val="phClr"/>
+          </a:solidFill>
+          <a:prstDash val="solid"/>
+          <a:miter lim="800000"/>
         </a:ln>
         <a:ln w="25400" cap="flat" cmpd="sng" algn="ctr">
           <a:solidFill>
             <a:schemeClr val="phClr"/>
           </a:solidFill>
           <a:prstDash val="solid"/>
-        </a:ln>
-        <a:ln w="38100" cap="flat" cmpd="sng" algn="ctr">
-          <a:solidFill>
-            <a:schemeClr val="phClr"/>
-          </a:solidFill>
-          <a:prstDash val="solid"/>
+          <a:miter lim="800000"/>
         </a:ln>
       </a:lnStyleLst>
       <a:effectStyleLst>
         <a:effectStyle>
+          <a:effectLst/>
+        </a:effectStyle>
+        <a:effectStyle>
+          <a:effectLst/>
+        </a:effectStyle>
+        <a:effectStyle>
           <a:effectLst>
-            <a:outerShdw blurRad="40000" dist="20000" dir="5400000" rotWithShape="0">
+            <a:outerShdw blurRad="57150" dist="19050" dir="5400000" algn="ctr" rotWithShape="0">
               <a:srgbClr val="000000">
-                <a:alpha val="38000"/>
+                <a:alpha val="63000"/>
               </a:srgbClr>
             </a:outerShdw>
           </a:effectLst>
-        </a:effectStyle>
-        <a:effectStyle>
-          <a:effectLst>
-            <a:outerShdw blurRad="40000" dist="23000" dir="5400000" rotWithShape="0">
-              <a:srgbClr val="000000">
-                <a:alpha val="35000"/>
-              </a:srgbClr>
-            </a:outerShdw>
-          </a:effectLst>
-        </a:effectStyle>
-        <a:effectStyle>
-          <a:effectLst>
-            <a:outerShdw blurRad="40000" dist="23000" dir="5400000" rotWithShape="0">
-              <a:srgbClr val="000000">
-                <a:alpha val="35000"/>
-              </a:srgbClr>
-            </a:outerShdw>
-          </a:effectLst>
-          <a:scene3d>
-            <a:camera prst="orthographicFront">
-              <a:rot lat="0" lon="0" rev="0"/>
-            </a:camera>
-            <a:lightRig rig="threePt" dir="t">
-              <a:rot lat="0" lon="0" rev="1200000"/>
-            </a:lightRig>
-          </a:scene3d>
-          <a:sp3d>
-            <a:bevelT w="63500" h="25400"/>
-          </a:sp3d>
         </a:effectStyle>
       </a:effectStyleLst>
       <a:bgFillStyleLst>
         <a:solidFill>
           <a:schemeClr val="phClr"/>
         </a:solidFill>
+        <a:solidFill>
+          <a:schemeClr val="phClr">
+            <a:tint val="95000"/>
+            <a:satMod val="170000"/>
+          </a:schemeClr>
+        </a:solidFill>
         <a:gradFill rotWithShape="1">
           <a:gsLst>
             <a:gs pos="0">
               <a:schemeClr val="phClr">
-                <a:tint val="40000"/>
-                <a:satMod val="350000"/>
+                <a:tint val="93000"/>
+                <a:satMod val="150000"/>
+                <a:shade val="98000"/>
+                <a:lumMod val="102000"/>
               </a:schemeClr>
             </a:gs>
-            <a:gs pos="40000">
+            <a:gs pos="50000">
               <a:schemeClr val="phClr">
-                <a:tint val="45000"/>
-                <a:shade val="99000"/>
-                <a:satMod val="350000"/>
+                <a:tint val="98000"/>
+                <a:satMod val="130000"/>
+                <a:shade val="90000"/>
+                <a:lumMod val="103000"/>
               </a:schemeClr>
             </a:gs>
             <a:gs pos="100000">
               <a:schemeClr val="phClr">
-                <a:shade val="20000"/>
-                <a:satMod val="255000"/>
+                <a:shade val="63000"/>
+                <a:satMod val="120000"/>
               </a:schemeClr>
             </a:gs>
           </a:gsLst>
-          <a:path path="circle">
-            <a:fillToRect l="50000" t="-80000" r="50000" b="180000"/>
-          </a:path>
-        </a:gradFill>
-        <a:gradFill rotWithShape="1">
-          <a:gsLst>
-            <a:gs pos="0">
-              <a:schemeClr val="phClr">
-                <a:tint val="80000"/>
-                <a:satMod val="300000"/>
-              </a:schemeClr>
-            </a:gs>
-            <a:gs pos="100000">
-              <a:schemeClr val="phClr">
-                <a:shade val="30000"/>
-                <a:satMod val="200000"/>
-              </a:schemeClr>
-            </a:gs>
-          </a:gsLst>
-          <a:path path="circle">
-            <a:fillToRect l="50000" t="50000" r="50000" b="50000"/>
-          </a:path>
+          <a:lin ang="5400000" scaled="0"/>
         </a:gradFill>
       </a:bgFillStyleLst>
     </a:fmtScheme>
   </a:themeElements>
   <a:objectDefaults>
-    <a:spDef>
-      <a:spPr/>
-      <a:bodyPr/>
-      <a:lstStyle/>
-      <a:style>
-        <a:lnRef idx="1">
-          <a:schemeClr val="accent1"/>
-        </a:lnRef>
-        <a:fillRef idx="3">
-          <a:schemeClr val="accent1"/>
-        </a:fillRef>
-        <a:effectRef idx="2">
-          <a:schemeClr val="accent1"/>
-        </a:effectRef>
-        <a:fontRef idx="minor">
-          <a:schemeClr val="lt1"/>
-        </a:fontRef>
-      </a:style>
-    </a:spDef>
     <a:lnDef>
       <a:spPr/>
       <a:bodyPr/>
@@ -7121,6 +7496,11 @@
     </a:lnDef>
   </a:objectDefaults>
   <a:extraClrSchemeLst/>
+  <a:extLst>
+    <a:ext uri="{05A4C25C-085E-4340-85A3-A5531E510DB2}">
+      <thm15:themeFamily xmlns:thm15="http://schemas.microsoft.com/office/thememl/2012/main" name="Office Theme" id="{2E142A2C-CD16-42D6-873A-C26D2A0506FA}" vid="{1BDDFF52-6CD6-40A5-AB3C-68EB2F1E4D0A}"/>
+    </a:ext>
+  </a:extLst>
 </a:theme>
 </file>
 

--- a/Presentation.pptx
+++ b/Presentation.pptx
@@ -6244,6 +6244,50 @@
             </a:pPr>
             <a:r>
               <a:rPr/>
+              <a:t>The required package for FastLink is called “fastLink”:</a:t>
+            </a:r>
+          </a:p>
+          <a:p>
+            <a:pPr lvl="0" indent="0">
+              <a:buNone/>
+            </a:pPr>
+            <a:r>
+              <a:rPr>
+                <a:solidFill>
+                  <a:srgbClr val="06287E"/>
+                </a:solidFill>
+                <a:latin typeface="Courier"/>
+              </a:rPr>
+              <a:t>install.packages</a:t>
+            </a:r>
+            <a:r>
+              <a:rPr>
+                <a:latin typeface="Courier"/>
+              </a:rPr>
+              <a:t>(</a:t>
+            </a:r>
+            <a:r>
+              <a:rPr>
+                <a:solidFill>
+                  <a:srgbClr val="4070A0"/>
+                </a:solidFill>
+                <a:latin typeface="Courier"/>
+              </a:rPr>
+              <a:t>"fastLink"</a:t>
+            </a:r>
+            <a:r>
+              <a:rPr>
+                <a:latin typeface="Courier"/>
+              </a:rPr>
+              <a:t>)</a:t>
+            </a:r>
+          </a:p>
+          <a:p>
+            <a:pPr lvl="0" indent="0" marL="0">
+              <a:buNone/>
+            </a:pPr>
+            <a:r>
+              <a:rPr/>
               <a:t>Install the most recent version of “fastLink” package (version 0.6):</a:t>
             </a:r>
           </a:p>

--- a/Presentation.pptx
+++ b/Presentation.pptx
@@ -3564,7 +3564,7 @@
           <p:cNvPr id="2" name="Title 1">
             <a:extLst>
               <a:ext uri="{FF2B5EF4-FFF2-40B4-BE49-F238E27FC236}">
-                <a16:creationId xmlns:a16="http://schemas.microsoft.com/office/drawing/2014/main" id="{5B5A117A-8A0F-CE1B-C5F7-B39781211F36}"/>
+                <a16:creationId xmlns:a16="http://schemas.microsoft.com/office/drawing/2014/main" id="{F444819F-85B4-4E9E-BFEC-F5FC4EFEB389}"/>
               </a:ext>
             </a:extLst>
           </p:cNvPr>
@@ -3575,7 +3575,12 @@
             <p:ph type="title"/>
           </p:nvPr>
         </p:nvSpPr>
-        <p:spPr/>
+        <p:spPr>
+          <a:xfrm>
+            <a:off x="839788" y="457200"/>
+            <a:ext cx="3932237" cy="1600200"/>
+          </a:xfrm>
+        </p:spPr>
         <p:txBody>
           <a:bodyPr/>
           <a:lstStyle/>
@@ -3592,10 +3597,10 @@
       </p:sp>
       <p:sp>
         <p:nvSpPr>
-          <p:cNvPr id="3" name="Content Placeholder 2">
+          <p:cNvPr id="4" name="Text Placeholder 3">
             <a:extLst>
               <a:ext uri="{FF2B5EF4-FFF2-40B4-BE49-F238E27FC236}">
-                <a16:creationId xmlns:a16="http://schemas.microsoft.com/office/drawing/2014/main" id="{265F856C-753B-EE11-7357-A995CF4114E0}"/>
+                <a16:creationId xmlns:a16="http://schemas.microsoft.com/office/drawing/2014/main" id="{A1642659-2FA1-F8D9-0F05-BC5010084285}"/>
               </a:ext>
             </a:extLst>
           </p:cNvPr>
@@ -3603,7 +3608,7 @@
             <a:spLocks noGrp="1"/>
           </p:cNvSpPr>
           <p:nvPr>
-            <p:ph idx="1"/>
+            <p:ph idx="2" sz="half" type="body"/>
           </p:nvPr>
         </p:nvSpPr>
         <p:spPr/>
@@ -3638,57 +3643,38 @@
               <a:t>jaccard index = intersection size / union size</a:t>
             </a:r>
           </a:p>
-          <a:p>
-            <a:pPr lvl="0" indent="0" marL="0">
-              <a:buNone/>
-            </a:pPr>
-            <a:r>
-              <a:rPr/>
-              <a:t>(“</a:t>
-            </a:r>
-            <a:r>
-              <a:rPr>
-                <a:hlinkClick r:id="rId2"/>
-              </a:rPr>
-              <a:t>https://github.com/ShimizuYukii/Entity-Resolution/blob/main/RS%20data/address1%2Bsuburb.png</a:t>
-            </a:r>
-            <a:r>
-              <a:rPr/>
-              <a:t>”) (“</a:t>
-            </a:r>
-            <a:r>
-              <a:rPr>
-                <a:hlinkClick r:id="rId3"/>
-              </a:rPr>
-              <a:t>https://github.com/ShimizuYukii/Entity-Resolution/blob/main/RS%20data/soc_sec_id.png</a:t>
-            </a:r>
-            <a:r>
-              <a:rPr/>
-              <a:t>”) (“</a:t>
-            </a:r>
-            <a:r>
-              <a:rPr>
-                <a:hlinkClick r:id="rId4"/>
-              </a:rPr>
-              <a:t>https://github.com/ShimizuYukii/Entity-Resolution/blob/main/RS%20data/num_match%20vs%20prob.png</a:t>
-            </a:r>
-            <a:r>
-              <a:rPr/>
-              <a:t>”) (“</a:t>
-            </a:r>
-            <a:r>
-              <a:rPr>
-                <a:hlinkClick r:id="rId5"/>
-              </a:rPr>
-              <a:t>https://github.com/ShimizuYukii/Entity-Resolution/blob/main/RS%20data/jaccard%20vs%20prob.png</a:t>
-            </a:r>
-            <a:r>
-              <a:rPr/>
-              <a:t>”)</a:t>
-            </a:r>
-          </a:p>
         </p:txBody>
       </p:sp>
+      <p:pic>
+        <p:nvPicPr>
+          <p:cNvPr descr="https://raw.githubusercontent.com/ShimizuYukii/Entity-Resolution/main/RS%20data/Picture2.png" id="0" name="Picture 1"/>
+          <p:cNvPicPr>
+            <a:picLocks noGrp="1" noChangeAspect="1"/>
+          </p:cNvPicPr>
+          <p:nvPr/>
+        </p:nvPicPr>
+        <p:blipFill>
+          <a:blip r:embed="rId2"/>
+          <a:stretch>
+            <a:fillRect/>
+          </a:stretch>
+        </p:blipFill>
+        <p:spPr bwMode="auto">
+          <a:xfrm>
+            <a:off x="5181600" y="2070100"/>
+            <a:ext cx="6172200" cy="2667000"/>
+          </a:xfrm>
+          <a:prstGeom prst="rect">
+            <a:avLst/>
+          </a:prstGeom>
+          <a:noFill/>
+          <a:ln w="9525">
+            <a:noFill/>
+            <a:headEnd/>
+            <a:tailEnd/>
+          </a:ln>
+        </p:spPr>
+      </p:pic>
     </p:spTree>
   </p:cSld>
 </p:sld>
@@ -7112,7 +7098,7 @@
           <p:cNvPr id="2" name="Title 1">
             <a:extLst>
               <a:ext uri="{FF2B5EF4-FFF2-40B4-BE49-F238E27FC236}">
-                <a16:creationId xmlns:a16="http://schemas.microsoft.com/office/drawing/2014/main" id="{5B5A117A-8A0F-CE1B-C5F7-B39781211F36}"/>
+                <a16:creationId xmlns:a16="http://schemas.microsoft.com/office/drawing/2014/main" id="{F444819F-85B4-4E9E-BFEC-F5FC4EFEB389}"/>
               </a:ext>
             </a:extLst>
           </p:cNvPr>
@@ -7123,7 +7109,12 @@
             <p:ph type="title"/>
           </p:nvPr>
         </p:nvSpPr>
-        <p:spPr/>
+        <p:spPr>
+          <a:xfrm>
+            <a:off x="839788" y="457200"/>
+            <a:ext cx="3932237" cy="1600200"/>
+          </a:xfrm>
+        </p:spPr>
         <p:txBody>
           <a:bodyPr/>
           <a:lstStyle/>
@@ -7140,10 +7131,10 @@
       </p:sp>
       <p:sp>
         <p:nvSpPr>
-          <p:cNvPr id="3" name="Content Placeholder 2">
+          <p:cNvPr id="4" name="Text Placeholder 3">
             <a:extLst>
               <a:ext uri="{FF2B5EF4-FFF2-40B4-BE49-F238E27FC236}">
-                <a16:creationId xmlns:a16="http://schemas.microsoft.com/office/drawing/2014/main" id="{265F856C-753B-EE11-7357-A995CF4114E0}"/>
+                <a16:creationId xmlns:a16="http://schemas.microsoft.com/office/drawing/2014/main" id="{A1642659-2FA1-F8D9-0F05-BC5010084285}"/>
               </a:ext>
             </a:extLst>
           </p:cNvPr>
@@ -7151,7 +7142,7 @@
             <a:spLocks noGrp="1"/>
           </p:cNvSpPr>
           <p:nvPr>
-            <p:ph idx="1"/>
+            <p:ph idx="2" sz="half" type="body"/>
           </p:nvPr>
         </p:nvSpPr>
         <p:spPr/>
@@ -7207,27 +7198,38 @@
               <a:t>Inflate match rate (even over 100%), underestimate False Discovery Rate (FDR) and False Non-match Rate (FNR)</a:t>
             </a:r>
           </a:p>
-          <a:p>
-            <a:pPr lvl="0" indent="0" marL="0">
-              <a:buNone/>
-            </a:pPr>
-            <a:r>
-              <a:rPr/>
-              <a:t>(“</a:t>
-            </a:r>
-            <a:r>
-              <a:rPr>
-                <a:hlinkClick r:id="rId2"/>
-              </a:rPr>
-              <a:t>https://github.com/ShimizuYukii/Entity-Resolution/blob/main/RS%20data/over_match.png</a:t>
-            </a:r>
-            <a:r>
-              <a:rPr/>
-              <a:t>”)</a:t>
-            </a:r>
-          </a:p>
         </p:txBody>
       </p:sp>
+      <p:pic>
+        <p:nvPicPr>
+          <p:cNvPr descr="https://raw.githubusercontent.com/ShimizuYukii/Entity-Resolution/main/RS%20data/over_match.png" id="0" name="Picture 1"/>
+          <p:cNvPicPr>
+            <a:picLocks noGrp="1" noChangeAspect="1"/>
+          </p:cNvPicPr>
+          <p:nvPr/>
+        </p:nvPicPr>
+        <p:blipFill>
+          <a:blip r:embed="rId2"/>
+          <a:stretch>
+            <a:fillRect/>
+          </a:stretch>
+        </p:blipFill>
+        <p:spPr bwMode="auto">
+          <a:xfrm>
+            <a:off x="5181600" y="2400300"/>
+            <a:ext cx="6172200" cy="2006600"/>
+          </a:xfrm>
+          <a:prstGeom prst="rect">
+            <a:avLst/>
+          </a:prstGeom>
+          <a:noFill/>
+          <a:ln w="9525">
+            <a:noFill/>
+            <a:headEnd/>
+            <a:tailEnd/>
+          </a:ln>
+        </p:spPr>
+      </p:pic>
     </p:spTree>
   </p:cSld>
 </p:sld>

--- a/Presentation.pptx
+++ b/Presentation.pptx
@@ -3173,7 +3173,7 @@
           <a:spcPct val="0"/>
         </a:spcBef>
         <a:buNone/>
-        <a:defRPr kern="1200" sz="2800">
+        <a:defRPr kern="1200" sz="3200">
           <a:solidFill>
             <a:schemeClr val="tx1"/>
           </a:solidFill>
@@ -3193,7 +3193,7 @@
         </a:spcBef>
         <a:buFont charset="0" panose="020B0604020202020204" pitchFamily="34" typeface="Arial"/>
         <a:buChar char="•"/>
-        <a:defRPr kern="1200" sz="2000">
+        <a:defRPr kern="1200" sz="2400">
           <a:solidFill>
             <a:schemeClr val="tx1"/>
           </a:solidFill>
@@ -3211,7 +3211,7 @@
         </a:spcBef>
         <a:buFont charset="0" panose="020B0604020202020204" pitchFamily="34" typeface="Arial"/>
         <a:buChar char="•"/>
-        <a:defRPr kern="1200" sz="1800">
+        <a:defRPr kern="1200" sz="2000">
           <a:solidFill>
             <a:schemeClr val="tx1"/>
           </a:solidFill>
@@ -3229,7 +3229,7 @@
         </a:spcBef>
         <a:buFont charset="0" panose="020B0604020202020204" pitchFamily="34" typeface="Arial"/>
         <a:buChar char="•"/>
-        <a:defRPr kern="1200" sz="1400">
+        <a:defRPr kern="1200" sz="1800">
           <a:solidFill>
             <a:schemeClr val="tx1"/>
           </a:solidFill>
@@ -3247,7 +3247,7 @@
         </a:spcBef>
         <a:buFont charset="0" panose="020B0604020202020204" pitchFamily="34" typeface="Arial"/>
         <a:buChar char="•"/>
-        <a:defRPr kern="1200" sz="1200">
+        <a:defRPr kern="1200" sz="1600">
           <a:solidFill>
             <a:schemeClr val="tx1"/>
           </a:solidFill>
@@ -3265,7 +3265,7 @@
         </a:spcBef>
         <a:buFont charset="0" panose="020B0604020202020204" pitchFamily="34" typeface="Arial"/>
         <a:buChar char="•"/>
-        <a:defRPr kern="1200" sz="1100">
+        <a:defRPr kern="1200" sz="1400">
           <a:solidFill>
             <a:schemeClr val="tx1"/>
           </a:solidFill>
